--- a/PAvaProject1/p1.pptx
+++ b/PAvaProject1/p1.pptx
@@ -4,6 +4,9 @@
   <p:sldMasterIdLst>
     <p:sldMasterId id="2147483648" r:id="rId1"/>
   </p:sldMasterIdLst>
+  <p:notesMasterIdLst>
+    <p:notesMasterId r:id="rId19"/>
+  </p:notesMasterIdLst>
   <p:sldIdLst>
     <p:sldId id="256" r:id="rId2"/>
     <p:sldId id="258" r:id="rId3"/>
@@ -13,6 +16,15 @@
     <p:sldId id="262" r:id="rId7"/>
     <p:sldId id="260" r:id="rId8"/>
     <p:sldId id="263" r:id="rId9"/>
+    <p:sldId id="264" r:id="rId10"/>
+    <p:sldId id="265" r:id="rId11"/>
+    <p:sldId id="266" r:id="rId12"/>
+    <p:sldId id="267" r:id="rId13"/>
+    <p:sldId id="271" r:id="rId14"/>
+    <p:sldId id="272" r:id="rId15"/>
+    <p:sldId id="268" r:id="rId16"/>
+    <p:sldId id="269" r:id="rId17"/>
+    <p:sldId id="270" r:id="rId18"/>
   </p:sldIdLst>
   <p:sldSz cx="9144000" cy="6858000" type="screen4x3"/>
   <p:notesSz cx="6858000" cy="9144000"/>
@@ -130,6 +142,7732 @@
 </p:presentation>
 </file>
 
+<file path=ppt/charts/chart1.xml><?xml version="1.0" encoding="utf-8"?>
+<c:chartSpace xmlns:c="http://schemas.openxmlformats.org/drawingml/2006/chart" xmlns:a="http://schemas.openxmlformats.org/drawingml/2006/main" xmlns:r="http://schemas.openxmlformats.org/officeDocument/2006/relationships" xmlns:c16r2="http://schemas.microsoft.com/office/drawing/2015/06/chart">
+  <c:date1904 val="0"/>
+  <c:lang val="en-US"/>
+  <c:roundedCorners val="0"/>
+  <mc:AlternateContent xmlns:mc="http://schemas.openxmlformats.org/markup-compatibility/2006">
+    <mc:Choice xmlns:c14="http://schemas.microsoft.com/office/drawing/2007/8/2/chart" Requires="c14">
+      <c14:style val="103"/>
+    </mc:Choice>
+    <mc:Fallback>
+      <c:style val="3"/>
+    </mc:Fallback>
+  </mc:AlternateContent>
+  <c:chart>
+    <c:title>
+      <c:tx>
+        <c:rich>
+          <a:bodyPr rot="0" spcFirstLastPara="1" vertOverflow="ellipsis" vert="horz" wrap="square" anchor="ctr" anchorCtr="1"/>
+          <a:lstStyle/>
+          <a:p>
+            <a:pPr>
+              <a:defRPr sz="2128" b="1" i="0" u="none" strike="noStrike" kern="1200" spc="100" baseline="0">
+                <a:solidFill>
+                  <a:schemeClr val="lt1">
+                    <a:lumMod val="95000"/>
+                  </a:schemeClr>
+                </a:solidFill>
+                <a:effectLst>
+                  <a:outerShdw blurRad="50800" dist="38100" dir="5400000" algn="t" rotWithShape="0">
+                    <a:prstClr val="black">
+                      <a:alpha val="40000"/>
+                    </a:prstClr>
+                  </a:outerShdw>
+                </a:effectLst>
+                <a:latin typeface="+mn-lt"/>
+                <a:ea typeface="+mn-ea"/>
+                <a:cs typeface="+mn-cs"/>
+              </a:defRPr>
+            </a:pPr>
+            <a:r>
+              <a:rPr lang="pt-PT" dirty="0"/>
+              <a:t>Time per execution</a:t>
+            </a:r>
+          </a:p>
+        </c:rich>
+      </c:tx>
+      <c:overlay val="0"/>
+      <c:spPr>
+        <a:noFill/>
+        <a:ln>
+          <a:noFill/>
+        </a:ln>
+        <a:effectLst/>
+      </c:spPr>
+      <c:txPr>
+        <a:bodyPr rot="0" spcFirstLastPara="1" vertOverflow="ellipsis" vert="horz" wrap="square" anchor="ctr" anchorCtr="1"/>
+        <a:lstStyle/>
+        <a:p>
+          <a:pPr>
+            <a:defRPr sz="2128" b="1" i="0" u="none" strike="noStrike" kern="1200" spc="100" baseline="0">
+              <a:solidFill>
+                <a:schemeClr val="lt1">
+                  <a:lumMod val="95000"/>
+                </a:schemeClr>
+              </a:solidFill>
+              <a:effectLst>
+                <a:outerShdw blurRad="50800" dist="38100" dir="5400000" algn="t" rotWithShape="0">
+                  <a:prstClr val="black">
+                    <a:alpha val="40000"/>
+                  </a:prstClr>
+                </a:outerShdw>
+              </a:effectLst>
+              <a:latin typeface="+mn-lt"/>
+              <a:ea typeface="+mn-ea"/>
+              <a:cs typeface="+mn-cs"/>
+            </a:defRPr>
+          </a:pPr>
+          <a:endParaRPr lang="en-US"/>
+        </a:p>
+      </c:txPr>
+    </c:title>
+    <c:autoTitleDeleted val="0"/>
+    <c:plotArea>
+      <c:layout>
+        <c:manualLayout>
+          <c:layoutTarget val="inner"/>
+          <c:xMode val="edge"/>
+          <c:yMode val="edge"/>
+          <c:x val="0.13922403945653195"/>
+          <c:y val="0.17434361558032288"/>
+          <c:w val="0.77513955048190586"/>
+          <c:h val="0.59569777719810457"/>
+        </c:manualLayout>
+      </c:layout>
+      <c:scatterChart>
+        <c:scatterStyle val="lineMarker"/>
+        <c:varyColors val="0"/>
+        <c:ser>
+          <c:idx val="0"/>
+          <c:order val="0"/>
+          <c:tx>
+            <c:strRef>
+              <c:f>Sheet1!$B$1</c:f>
+              <c:strCache>
+                <c:ptCount val="1"/>
+                <c:pt idx="0">
+                  <c:v>Execution Time(ms)</c:v>
+                </c:pt>
+              </c:strCache>
+            </c:strRef>
+          </c:tx>
+          <c:spPr>
+            <a:ln w="25400" cap="rnd">
+              <a:noFill/>
+              <a:round/>
+            </a:ln>
+            <a:effectLst>
+              <a:outerShdw blurRad="40000" dist="23000" dir="5400000" rotWithShape="0">
+                <a:srgbClr val="000000">
+                  <a:alpha val="35000"/>
+                </a:srgbClr>
+              </a:outerShdw>
+            </a:effectLst>
+          </c:spPr>
+          <c:marker>
+            <c:symbol val="circle"/>
+            <c:size val="6"/>
+            <c:spPr>
+              <a:gradFill rotWithShape="1">
+                <a:gsLst>
+                  <a:gs pos="0">
+                    <a:schemeClr val="accent1">
+                      <a:tint val="100000"/>
+                      <a:shade val="100000"/>
+                      <a:satMod val="130000"/>
+                    </a:schemeClr>
+                  </a:gs>
+                  <a:gs pos="100000">
+                    <a:schemeClr val="accent1">
+                      <a:tint val="50000"/>
+                      <a:shade val="100000"/>
+                      <a:satMod val="350000"/>
+                    </a:schemeClr>
+                  </a:gs>
+                </a:gsLst>
+                <a:lin ang="16200000" scaled="0"/>
+              </a:gradFill>
+              <a:ln w="9525" cap="rnd">
+                <a:solidFill>
+                  <a:schemeClr val="accent1"/>
+                </a:solidFill>
+                <a:round/>
+              </a:ln>
+              <a:effectLst>
+                <a:outerShdw blurRad="40000" dist="23000" dir="5400000" rotWithShape="0">
+                  <a:srgbClr val="000000">
+                    <a:alpha val="35000"/>
+                  </a:srgbClr>
+                </a:outerShdw>
+              </a:effectLst>
+              <a:scene3d>
+                <a:camera prst="orthographicFront">
+                  <a:rot lat="0" lon="0" rev="0"/>
+                </a:camera>
+                <a:lightRig rig="threePt" dir="t">
+                  <a:rot lat="0" lon="0" rev="1200000"/>
+                </a:lightRig>
+              </a:scene3d>
+              <a:sp3d>
+                <a:bevelT w="63500" h="25400"/>
+              </a:sp3d>
+            </c:spPr>
+          </c:marker>
+          <c:xVal>
+            <c:numRef>
+              <c:f>Sheet1!$A$2:$A$11</c:f>
+              <c:numCache>
+                <c:formatCode>General</c:formatCode>
+                <c:ptCount val="10"/>
+                <c:pt idx="0">
+                  <c:v>1</c:v>
+                </c:pt>
+                <c:pt idx="1">
+                  <c:v>2</c:v>
+                </c:pt>
+                <c:pt idx="2">
+                  <c:v>3</c:v>
+                </c:pt>
+                <c:pt idx="3">
+                  <c:v>4</c:v>
+                </c:pt>
+                <c:pt idx="4">
+                  <c:v>5</c:v>
+                </c:pt>
+                <c:pt idx="5">
+                  <c:v>6</c:v>
+                </c:pt>
+                <c:pt idx="6">
+                  <c:v>7</c:v>
+                </c:pt>
+                <c:pt idx="7">
+                  <c:v>8</c:v>
+                </c:pt>
+                <c:pt idx="8">
+                  <c:v>9</c:v>
+                </c:pt>
+                <c:pt idx="9">
+                  <c:v>10</c:v>
+                </c:pt>
+              </c:numCache>
+            </c:numRef>
+          </c:xVal>
+          <c:yVal>
+            <c:numRef>
+              <c:f>Sheet1!$B$2:$B$11</c:f>
+              <c:numCache>
+                <c:formatCode>General</c:formatCode>
+                <c:ptCount val="10"/>
+                <c:pt idx="0">
+                  <c:v>20</c:v>
+                </c:pt>
+                <c:pt idx="1">
+                  <c:v>16</c:v>
+                </c:pt>
+                <c:pt idx="2">
+                  <c:v>15</c:v>
+                </c:pt>
+                <c:pt idx="3">
+                  <c:v>16</c:v>
+                </c:pt>
+                <c:pt idx="4">
+                  <c:v>19</c:v>
+                </c:pt>
+                <c:pt idx="5">
+                  <c:v>17</c:v>
+                </c:pt>
+                <c:pt idx="6">
+                  <c:v>19</c:v>
+                </c:pt>
+                <c:pt idx="7">
+                  <c:v>22</c:v>
+                </c:pt>
+                <c:pt idx="8">
+                  <c:v>18</c:v>
+                </c:pt>
+                <c:pt idx="9">
+                  <c:v>20</c:v>
+                </c:pt>
+              </c:numCache>
+            </c:numRef>
+          </c:yVal>
+          <c:smooth val="0"/>
+          <c:extLst>
+            <c:ext xmlns:c16="http://schemas.microsoft.com/office/drawing/2014/chart" uri="{C3380CC4-5D6E-409C-BE32-E72D297353CC}">
+              <c16:uniqueId val="{00000000-4F15-49AF-9179-633A4F6D8693}"/>
+            </c:ext>
+          </c:extLst>
+        </c:ser>
+        <c:dLbls>
+          <c:showLegendKey val="0"/>
+          <c:showVal val="0"/>
+          <c:showCatName val="0"/>
+          <c:showSerName val="0"/>
+          <c:showPercent val="0"/>
+          <c:showBubbleSize val="0"/>
+        </c:dLbls>
+        <c:axId val="387590400"/>
+        <c:axId val="387591712"/>
+      </c:scatterChart>
+      <c:valAx>
+        <c:axId val="387590400"/>
+        <c:scaling>
+          <c:orientation val="minMax"/>
+          <c:max val="10"/>
+        </c:scaling>
+        <c:delete val="0"/>
+        <c:axPos val="b"/>
+        <c:majorGridlines>
+          <c:spPr>
+            <a:ln w="9525" cap="flat" cmpd="sng" algn="ctr">
+              <a:solidFill>
+                <a:schemeClr val="lt1">
+                  <a:lumMod val="95000"/>
+                  <a:alpha val="10000"/>
+                </a:schemeClr>
+              </a:solidFill>
+              <a:round/>
+            </a:ln>
+            <a:effectLst/>
+          </c:spPr>
+        </c:majorGridlines>
+        <c:numFmt formatCode="General" sourceLinked="1"/>
+        <c:majorTickMark val="out"/>
+        <c:minorTickMark val="none"/>
+        <c:tickLblPos val="nextTo"/>
+        <c:spPr>
+          <a:noFill/>
+          <a:ln w="9525" cap="flat" cmpd="sng" algn="ctr">
+            <a:solidFill>
+              <a:schemeClr val="lt1">
+                <a:lumMod val="50000"/>
+              </a:schemeClr>
+            </a:solidFill>
+          </a:ln>
+          <a:effectLst/>
+        </c:spPr>
+        <c:txPr>
+          <a:bodyPr rot="-60000000" spcFirstLastPara="1" vertOverflow="ellipsis" vert="horz" wrap="square" anchor="ctr" anchorCtr="1"/>
+          <a:lstStyle/>
+          <a:p>
+            <a:pPr>
+              <a:defRPr sz="1197" b="0" i="0" u="none" strike="noStrike" kern="1200" baseline="0">
+                <a:solidFill>
+                  <a:schemeClr val="lt1">
+                    <a:lumMod val="75000"/>
+                  </a:schemeClr>
+                </a:solidFill>
+                <a:latin typeface="+mn-lt"/>
+                <a:ea typeface="+mn-ea"/>
+                <a:cs typeface="+mn-cs"/>
+              </a:defRPr>
+            </a:pPr>
+            <a:endParaRPr lang="en-US"/>
+          </a:p>
+        </c:txPr>
+        <c:crossAx val="387591712"/>
+        <c:crosses val="autoZero"/>
+        <c:crossBetween val="midCat"/>
+      </c:valAx>
+      <c:valAx>
+        <c:axId val="387591712"/>
+        <c:scaling>
+          <c:orientation val="minMax"/>
+        </c:scaling>
+        <c:delete val="0"/>
+        <c:axPos val="l"/>
+        <c:majorGridlines>
+          <c:spPr>
+            <a:ln w="9525" cap="flat" cmpd="sng" algn="ctr">
+              <a:solidFill>
+                <a:schemeClr val="lt1">
+                  <a:lumMod val="95000"/>
+                  <a:alpha val="10000"/>
+                </a:schemeClr>
+              </a:solidFill>
+              <a:round/>
+            </a:ln>
+            <a:effectLst/>
+          </c:spPr>
+        </c:majorGridlines>
+        <c:title>
+          <c:tx>
+            <c:rich>
+              <a:bodyPr rot="-5400000" spcFirstLastPara="1" vertOverflow="ellipsis" vert="horz" wrap="square" anchor="ctr" anchorCtr="1"/>
+              <a:lstStyle/>
+              <a:p>
+                <a:pPr>
+                  <a:defRPr sz="1197" b="1" i="0" u="none" strike="noStrike" kern="1200" cap="all" baseline="0">
+                    <a:solidFill>
+                      <a:schemeClr val="lt1">
+                        <a:lumMod val="75000"/>
+                      </a:schemeClr>
+                    </a:solidFill>
+                    <a:latin typeface="+mn-lt"/>
+                    <a:ea typeface="+mn-ea"/>
+                    <a:cs typeface="+mn-cs"/>
+                  </a:defRPr>
+                </a:pPr>
+                <a:r>
+                  <a:rPr lang="pt-PT" dirty="0"/>
+                  <a:t>Time</a:t>
+                </a:r>
+                <a:r>
+                  <a:rPr lang="pt-PT" baseline="0" dirty="0"/>
+                  <a:t>(ms)</a:t>
+                </a:r>
+                <a:endParaRPr lang="pt-PT" dirty="0"/>
+              </a:p>
+            </c:rich>
+          </c:tx>
+          <c:overlay val="0"/>
+          <c:spPr>
+            <a:noFill/>
+            <a:ln>
+              <a:noFill/>
+            </a:ln>
+            <a:effectLst/>
+          </c:spPr>
+          <c:txPr>
+            <a:bodyPr rot="-5400000" spcFirstLastPara="1" vertOverflow="ellipsis" vert="horz" wrap="square" anchor="ctr" anchorCtr="1"/>
+            <a:lstStyle/>
+            <a:p>
+              <a:pPr>
+                <a:defRPr sz="1197" b="1" i="0" u="none" strike="noStrike" kern="1200" cap="all" baseline="0">
+                  <a:solidFill>
+                    <a:schemeClr val="lt1">
+                      <a:lumMod val="75000"/>
+                    </a:schemeClr>
+                  </a:solidFill>
+                  <a:latin typeface="+mn-lt"/>
+                  <a:ea typeface="+mn-ea"/>
+                  <a:cs typeface="+mn-cs"/>
+                </a:defRPr>
+              </a:pPr>
+              <a:endParaRPr lang="en-US"/>
+            </a:p>
+          </c:txPr>
+        </c:title>
+        <c:numFmt formatCode="General" sourceLinked="1"/>
+        <c:majorTickMark val="out"/>
+        <c:minorTickMark val="none"/>
+        <c:tickLblPos val="nextTo"/>
+        <c:spPr>
+          <a:noFill/>
+          <a:ln w="9525" cap="flat" cmpd="sng" algn="ctr">
+            <a:solidFill>
+              <a:schemeClr val="lt1">
+                <a:lumMod val="50000"/>
+              </a:schemeClr>
+            </a:solidFill>
+          </a:ln>
+          <a:effectLst/>
+        </c:spPr>
+        <c:txPr>
+          <a:bodyPr rot="-60000000" spcFirstLastPara="1" vertOverflow="ellipsis" vert="horz" wrap="square" anchor="ctr" anchorCtr="1"/>
+          <a:lstStyle/>
+          <a:p>
+            <a:pPr>
+              <a:defRPr sz="1197" b="0" i="0" u="none" strike="noStrike" kern="1200" baseline="0">
+                <a:solidFill>
+                  <a:schemeClr val="lt1">
+                    <a:lumMod val="75000"/>
+                  </a:schemeClr>
+                </a:solidFill>
+                <a:latin typeface="+mn-lt"/>
+                <a:ea typeface="+mn-ea"/>
+                <a:cs typeface="+mn-cs"/>
+              </a:defRPr>
+            </a:pPr>
+            <a:endParaRPr lang="en-US"/>
+          </a:p>
+        </c:txPr>
+        <c:crossAx val="387590400"/>
+        <c:crosses val="autoZero"/>
+        <c:crossBetween val="midCat"/>
+      </c:valAx>
+      <c:spPr>
+        <a:noFill/>
+        <a:ln>
+          <a:noFill/>
+        </a:ln>
+        <a:effectLst/>
+      </c:spPr>
+    </c:plotArea>
+    <c:plotVisOnly val="1"/>
+    <c:dispBlanksAs val="gap"/>
+    <c:showDLblsOverMax val="0"/>
+  </c:chart>
+  <c:spPr>
+    <a:gradFill flip="none" rotWithShape="1">
+      <a:gsLst>
+        <a:gs pos="0">
+          <a:schemeClr val="dk1">
+            <a:lumMod val="65000"/>
+            <a:lumOff val="35000"/>
+          </a:schemeClr>
+        </a:gs>
+        <a:gs pos="100000">
+          <a:schemeClr val="dk1">
+            <a:lumMod val="85000"/>
+            <a:lumOff val="15000"/>
+          </a:schemeClr>
+        </a:gs>
+      </a:gsLst>
+      <a:path path="circle">
+        <a:fillToRect l="50000" t="50000" r="50000" b="50000"/>
+      </a:path>
+      <a:tileRect/>
+    </a:gradFill>
+    <a:ln>
+      <a:noFill/>
+    </a:ln>
+    <a:effectLst/>
+  </c:spPr>
+  <c:txPr>
+    <a:bodyPr/>
+    <a:lstStyle/>
+    <a:p>
+      <a:pPr>
+        <a:defRPr/>
+      </a:pPr>
+      <a:endParaRPr lang="en-US"/>
+    </a:p>
+  </c:txPr>
+  <c:externalData r:id="rId3">
+    <c:autoUpdate val="0"/>
+  </c:externalData>
+</c:chartSpace>
+</file>
+
+<file path=ppt/charts/chart2.xml><?xml version="1.0" encoding="utf-8"?>
+<c:chartSpace xmlns:c="http://schemas.openxmlformats.org/drawingml/2006/chart" xmlns:a="http://schemas.openxmlformats.org/drawingml/2006/main" xmlns:r="http://schemas.openxmlformats.org/officeDocument/2006/relationships" xmlns:c16r2="http://schemas.microsoft.com/office/drawing/2015/06/chart">
+  <c:date1904 val="0"/>
+  <c:lang val="en-US"/>
+  <c:roundedCorners val="0"/>
+  <mc:AlternateContent xmlns:mc="http://schemas.openxmlformats.org/markup-compatibility/2006">
+    <mc:Choice xmlns:c14="http://schemas.microsoft.com/office/drawing/2007/8/2/chart" Requires="c14">
+      <c14:style val="103"/>
+    </mc:Choice>
+    <mc:Fallback>
+      <c:style val="3"/>
+    </mc:Fallback>
+  </mc:AlternateContent>
+  <c:chart>
+    <c:title>
+      <c:tx>
+        <c:rich>
+          <a:bodyPr rot="0" spcFirstLastPara="1" vertOverflow="ellipsis" vert="horz" wrap="square" anchor="ctr" anchorCtr="1"/>
+          <a:lstStyle/>
+          <a:p>
+            <a:pPr>
+              <a:defRPr sz="2128" b="1" i="0" u="none" strike="noStrike" kern="1200" spc="100" baseline="0">
+                <a:solidFill>
+                  <a:schemeClr val="lt1">
+                    <a:lumMod val="95000"/>
+                  </a:schemeClr>
+                </a:solidFill>
+                <a:effectLst>
+                  <a:outerShdw blurRad="50800" dist="38100" dir="5400000" algn="t" rotWithShape="0">
+                    <a:prstClr val="black">
+                      <a:alpha val="40000"/>
+                    </a:prstClr>
+                  </a:outerShdw>
+                </a:effectLst>
+                <a:latin typeface="+mn-lt"/>
+                <a:ea typeface="+mn-ea"/>
+                <a:cs typeface="+mn-cs"/>
+              </a:defRPr>
+            </a:pPr>
+            <a:r>
+              <a:rPr lang="pt-PT" dirty="0"/>
+              <a:t>Time per execution</a:t>
+            </a:r>
+          </a:p>
+        </c:rich>
+      </c:tx>
+      <c:overlay val="0"/>
+      <c:spPr>
+        <a:noFill/>
+        <a:ln>
+          <a:noFill/>
+        </a:ln>
+        <a:effectLst/>
+      </c:spPr>
+      <c:txPr>
+        <a:bodyPr rot="0" spcFirstLastPara="1" vertOverflow="ellipsis" vert="horz" wrap="square" anchor="ctr" anchorCtr="1"/>
+        <a:lstStyle/>
+        <a:p>
+          <a:pPr>
+            <a:defRPr sz="2128" b="1" i="0" u="none" strike="noStrike" kern="1200" spc="100" baseline="0">
+              <a:solidFill>
+                <a:schemeClr val="lt1">
+                  <a:lumMod val="95000"/>
+                </a:schemeClr>
+              </a:solidFill>
+              <a:effectLst>
+                <a:outerShdw blurRad="50800" dist="38100" dir="5400000" algn="t" rotWithShape="0">
+                  <a:prstClr val="black">
+                    <a:alpha val="40000"/>
+                  </a:prstClr>
+                </a:outerShdw>
+              </a:effectLst>
+              <a:latin typeface="+mn-lt"/>
+              <a:ea typeface="+mn-ea"/>
+              <a:cs typeface="+mn-cs"/>
+            </a:defRPr>
+          </a:pPr>
+          <a:endParaRPr lang="en-US"/>
+        </a:p>
+      </c:txPr>
+    </c:title>
+    <c:autoTitleDeleted val="0"/>
+    <c:plotArea>
+      <c:layout>
+        <c:manualLayout>
+          <c:layoutTarget val="inner"/>
+          <c:xMode val="edge"/>
+          <c:yMode val="edge"/>
+          <c:x val="0.13922403945653195"/>
+          <c:y val="0.17434361558032288"/>
+          <c:w val="0.77513955048190586"/>
+          <c:h val="0.59569777719810457"/>
+        </c:manualLayout>
+      </c:layout>
+      <c:scatterChart>
+        <c:scatterStyle val="lineMarker"/>
+        <c:varyColors val="0"/>
+        <c:ser>
+          <c:idx val="0"/>
+          <c:order val="0"/>
+          <c:tx>
+            <c:strRef>
+              <c:f>Sheet1!$B$1</c:f>
+              <c:strCache>
+                <c:ptCount val="1"/>
+                <c:pt idx="0">
+                  <c:v>Execution Time(ms)</c:v>
+                </c:pt>
+              </c:strCache>
+            </c:strRef>
+          </c:tx>
+          <c:spPr>
+            <a:ln w="25400" cap="rnd">
+              <a:noFill/>
+              <a:round/>
+            </a:ln>
+            <a:effectLst>
+              <a:outerShdw blurRad="40000" dist="23000" dir="5400000" rotWithShape="0">
+                <a:srgbClr val="000000">
+                  <a:alpha val="35000"/>
+                </a:srgbClr>
+              </a:outerShdw>
+            </a:effectLst>
+          </c:spPr>
+          <c:marker>
+            <c:symbol val="circle"/>
+            <c:size val="6"/>
+            <c:spPr>
+              <a:gradFill rotWithShape="1">
+                <a:gsLst>
+                  <a:gs pos="0">
+                    <a:schemeClr val="accent1">
+                      <a:tint val="100000"/>
+                      <a:shade val="100000"/>
+                      <a:satMod val="130000"/>
+                    </a:schemeClr>
+                  </a:gs>
+                  <a:gs pos="100000">
+                    <a:schemeClr val="accent1">
+                      <a:tint val="50000"/>
+                      <a:shade val="100000"/>
+                      <a:satMod val="350000"/>
+                    </a:schemeClr>
+                  </a:gs>
+                </a:gsLst>
+                <a:lin ang="16200000" scaled="0"/>
+              </a:gradFill>
+              <a:ln w="9525" cap="rnd">
+                <a:solidFill>
+                  <a:schemeClr val="accent1"/>
+                </a:solidFill>
+                <a:round/>
+              </a:ln>
+              <a:effectLst>
+                <a:outerShdw blurRad="40000" dist="23000" dir="5400000" rotWithShape="0">
+                  <a:srgbClr val="000000">
+                    <a:alpha val="35000"/>
+                  </a:srgbClr>
+                </a:outerShdw>
+              </a:effectLst>
+              <a:scene3d>
+                <a:camera prst="orthographicFront">
+                  <a:rot lat="0" lon="0" rev="0"/>
+                </a:camera>
+                <a:lightRig rig="threePt" dir="t">
+                  <a:rot lat="0" lon="0" rev="1200000"/>
+                </a:lightRig>
+              </a:scene3d>
+              <a:sp3d>
+                <a:bevelT w="63500" h="25400"/>
+              </a:sp3d>
+            </c:spPr>
+          </c:marker>
+          <c:xVal>
+            <c:numRef>
+              <c:f>Sheet1!$A$2:$A$11</c:f>
+              <c:numCache>
+                <c:formatCode>General</c:formatCode>
+                <c:ptCount val="10"/>
+                <c:pt idx="0">
+                  <c:v>1</c:v>
+                </c:pt>
+                <c:pt idx="1">
+                  <c:v>2</c:v>
+                </c:pt>
+                <c:pt idx="2">
+                  <c:v>3</c:v>
+                </c:pt>
+                <c:pt idx="3">
+                  <c:v>4</c:v>
+                </c:pt>
+                <c:pt idx="4">
+                  <c:v>5</c:v>
+                </c:pt>
+                <c:pt idx="5">
+                  <c:v>6</c:v>
+                </c:pt>
+                <c:pt idx="6">
+                  <c:v>7</c:v>
+                </c:pt>
+                <c:pt idx="7">
+                  <c:v>8</c:v>
+                </c:pt>
+                <c:pt idx="8">
+                  <c:v>9</c:v>
+                </c:pt>
+                <c:pt idx="9">
+                  <c:v>10</c:v>
+                </c:pt>
+              </c:numCache>
+            </c:numRef>
+          </c:xVal>
+          <c:yVal>
+            <c:numRef>
+              <c:f>Sheet1!$B$2:$B$11</c:f>
+              <c:numCache>
+                <c:formatCode>General</c:formatCode>
+                <c:ptCount val="10"/>
+                <c:pt idx="0">
+                  <c:v>13</c:v>
+                </c:pt>
+                <c:pt idx="1">
+                  <c:v>14</c:v>
+                </c:pt>
+                <c:pt idx="2">
+                  <c:v>15</c:v>
+                </c:pt>
+                <c:pt idx="3">
+                  <c:v>15</c:v>
+                </c:pt>
+                <c:pt idx="4">
+                  <c:v>15</c:v>
+                </c:pt>
+                <c:pt idx="5">
+                  <c:v>13</c:v>
+                </c:pt>
+                <c:pt idx="6">
+                  <c:v>12</c:v>
+                </c:pt>
+                <c:pt idx="7">
+                  <c:v>14</c:v>
+                </c:pt>
+                <c:pt idx="8">
+                  <c:v>13</c:v>
+                </c:pt>
+                <c:pt idx="9">
+                  <c:v>16</c:v>
+                </c:pt>
+              </c:numCache>
+            </c:numRef>
+          </c:yVal>
+          <c:smooth val="0"/>
+          <c:extLst>
+            <c:ext xmlns:c16="http://schemas.microsoft.com/office/drawing/2014/chart" uri="{C3380CC4-5D6E-409C-BE32-E72D297353CC}">
+              <c16:uniqueId val="{00000000-2701-4410-9672-AC2D8959F163}"/>
+            </c:ext>
+          </c:extLst>
+        </c:ser>
+        <c:dLbls>
+          <c:showLegendKey val="0"/>
+          <c:showVal val="0"/>
+          <c:showCatName val="0"/>
+          <c:showSerName val="0"/>
+          <c:showPercent val="0"/>
+          <c:showBubbleSize val="0"/>
+        </c:dLbls>
+        <c:axId val="387590400"/>
+        <c:axId val="387591712"/>
+      </c:scatterChart>
+      <c:valAx>
+        <c:axId val="387590400"/>
+        <c:scaling>
+          <c:orientation val="minMax"/>
+          <c:max val="10"/>
+        </c:scaling>
+        <c:delete val="0"/>
+        <c:axPos val="b"/>
+        <c:majorGridlines>
+          <c:spPr>
+            <a:ln w="9525" cap="flat" cmpd="sng" algn="ctr">
+              <a:solidFill>
+                <a:schemeClr val="lt1">
+                  <a:lumMod val="95000"/>
+                  <a:alpha val="10000"/>
+                </a:schemeClr>
+              </a:solidFill>
+              <a:round/>
+            </a:ln>
+            <a:effectLst/>
+          </c:spPr>
+        </c:majorGridlines>
+        <c:numFmt formatCode="General" sourceLinked="1"/>
+        <c:majorTickMark val="out"/>
+        <c:minorTickMark val="none"/>
+        <c:tickLblPos val="nextTo"/>
+        <c:spPr>
+          <a:noFill/>
+          <a:ln w="9525" cap="flat" cmpd="sng" algn="ctr">
+            <a:solidFill>
+              <a:schemeClr val="lt1">
+                <a:lumMod val="50000"/>
+              </a:schemeClr>
+            </a:solidFill>
+          </a:ln>
+          <a:effectLst/>
+        </c:spPr>
+        <c:txPr>
+          <a:bodyPr rot="-60000000" spcFirstLastPara="1" vertOverflow="ellipsis" vert="horz" wrap="square" anchor="ctr" anchorCtr="1"/>
+          <a:lstStyle/>
+          <a:p>
+            <a:pPr>
+              <a:defRPr sz="1197" b="0" i="0" u="none" strike="noStrike" kern="1200" baseline="0">
+                <a:solidFill>
+                  <a:schemeClr val="lt1">
+                    <a:lumMod val="75000"/>
+                  </a:schemeClr>
+                </a:solidFill>
+                <a:latin typeface="+mn-lt"/>
+                <a:ea typeface="+mn-ea"/>
+                <a:cs typeface="+mn-cs"/>
+              </a:defRPr>
+            </a:pPr>
+            <a:endParaRPr lang="en-US"/>
+          </a:p>
+        </c:txPr>
+        <c:crossAx val="387591712"/>
+        <c:crosses val="autoZero"/>
+        <c:crossBetween val="midCat"/>
+      </c:valAx>
+      <c:valAx>
+        <c:axId val="387591712"/>
+        <c:scaling>
+          <c:orientation val="minMax"/>
+        </c:scaling>
+        <c:delete val="0"/>
+        <c:axPos val="l"/>
+        <c:majorGridlines>
+          <c:spPr>
+            <a:ln w="9525" cap="flat" cmpd="sng" algn="ctr">
+              <a:solidFill>
+                <a:schemeClr val="lt1">
+                  <a:lumMod val="95000"/>
+                  <a:alpha val="10000"/>
+                </a:schemeClr>
+              </a:solidFill>
+              <a:round/>
+            </a:ln>
+            <a:effectLst/>
+          </c:spPr>
+        </c:majorGridlines>
+        <c:title>
+          <c:tx>
+            <c:rich>
+              <a:bodyPr rot="-5400000" spcFirstLastPara="1" vertOverflow="ellipsis" vert="horz" wrap="square" anchor="ctr" anchorCtr="1"/>
+              <a:lstStyle/>
+              <a:p>
+                <a:pPr>
+                  <a:defRPr sz="1197" b="1" i="0" u="none" strike="noStrike" kern="1200" cap="all" baseline="0">
+                    <a:solidFill>
+                      <a:schemeClr val="lt1">
+                        <a:lumMod val="75000"/>
+                      </a:schemeClr>
+                    </a:solidFill>
+                    <a:latin typeface="+mn-lt"/>
+                    <a:ea typeface="+mn-ea"/>
+                    <a:cs typeface="+mn-cs"/>
+                  </a:defRPr>
+                </a:pPr>
+                <a:r>
+                  <a:rPr lang="pt-PT" dirty="0"/>
+                  <a:t>Time</a:t>
+                </a:r>
+                <a:r>
+                  <a:rPr lang="pt-PT" baseline="0" dirty="0"/>
+                  <a:t>(ms)</a:t>
+                </a:r>
+                <a:endParaRPr lang="pt-PT" dirty="0"/>
+              </a:p>
+            </c:rich>
+          </c:tx>
+          <c:overlay val="0"/>
+          <c:spPr>
+            <a:noFill/>
+            <a:ln>
+              <a:noFill/>
+            </a:ln>
+            <a:effectLst/>
+          </c:spPr>
+          <c:txPr>
+            <a:bodyPr rot="-5400000" spcFirstLastPara="1" vertOverflow="ellipsis" vert="horz" wrap="square" anchor="ctr" anchorCtr="1"/>
+            <a:lstStyle/>
+            <a:p>
+              <a:pPr>
+                <a:defRPr sz="1197" b="1" i="0" u="none" strike="noStrike" kern="1200" cap="all" baseline="0">
+                  <a:solidFill>
+                    <a:schemeClr val="lt1">
+                      <a:lumMod val="75000"/>
+                    </a:schemeClr>
+                  </a:solidFill>
+                  <a:latin typeface="+mn-lt"/>
+                  <a:ea typeface="+mn-ea"/>
+                  <a:cs typeface="+mn-cs"/>
+                </a:defRPr>
+              </a:pPr>
+              <a:endParaRPr lang="en-US"/>
+            </a:p>
+          </c:txPr>
+        </c:title>
+        <c:numFmt formatCode="General" sourceLinked="1"/>
+        <c:majorTickMark val="out"/>
+        <c:minorTickMark val="none"/>
+        <c:tickLblPos val="nextTo"/>
+        <c:spPr>
+          <a:noFill/>
+          <a:ln w="9525" cap="flat" cmpd="sng" algn="ctr">
+            <a:solidFill>
+              <a:schemeClr val="lt1">
+                <a:lumMod val="50000"/>
+              </a:schemeClr>
+            </a:solidFill>
+          </a:ln>
+          <a:effectLst/>
+        </c:spPr>
+        <c:txPr>
+          <a:bodyPr rot="-60000000" spcFirstLastPara="1" vertOverflow="ellipsis" vert="horz" wrap="square" anchor="ctr" anchorCtr="1"/>
+          <a:lstStyle/>
+          <a:p>
+            <a:pPr>
+              <a:defRPr sz="1197" b="0" i="0" u="none" strike="noStrike" kern="1200" baseline="0">
+                <a:solidFill>
+                  <a:schemeClr val="lt1">
+                    <a:lumMod val="75000"/>
+                  </a:schemeClr>
+                </a:solidFill>
+                <a:latin typeface="+mn-lt"/>
+                <a:ea typeface="+mn-ea"/>
+                <a:cs typeface="+mn-cs"/>
+              </a:defRPr>
+            </a:pPr>
+            <a:endParaRPr lang="en-US"/>
+          </a:p>
+        </c:txPr>
+        <c:crossAx val="387590400"/>
+        <c:crosses val="autoZero"/>
+        <c:crossBetween val="midCat"/>
+      </c:valAx>
+      <c:spPr>
+        <a:noFill/>
+        <a:ln>
+          <a:noFill/>
+        </a:ln>
+        <a:effectLst/>
+      </c:spPr>
+    </c:plotArea>
+    <c:plotVisOnly val="1"/>
+    <c:dispBlanksAs val="gap"/>
+    <c:showDLblsOverMax val="0"/>
+  </c:chart>
+  <c:spPr>
+    <a:gradFill flip="none" rotWithShape="1">
+      <a:gsLst>
+        <a:gs pos="0">
+          <a:schemeClr val="dk1">
+            <a:lumMod val="65000"/>
+            <a:lumOff val="35000"/>
+          </a:schemeClr>
+        </a:gs>
+        <a:gs pos="100000">
+          <a:schemeClr val="dk1">
+            <a:lumMod val="85000"/>
+            <a:lumOff val="15000"/>
+          </a:schemeClr>
+        </a:gs>
+      </a:gsLst>
+      <a:path path="circle">
+        <a:fillToRect l="50000" t="50000" r="50000" b="50000"/>
+      </a:path>
+      <a:tileRect/>
+    </a:gradFill>
+    <a:ln>
+      <a:noFill/>
+    </a:ln>
+    <a:effectLst/>
+  </c:spPr>
+  <c:txPr>
+    <a:bodyPr/>
+    <a:lstStyle/>
+    <a:p>
+      <a:pPr>
+        <a:defRPr/>
+      </a:pPr>
+      <a:endParaRPr lang="en-US"/>
+    </a:p>
+  </c:txPr>
+  <c:externalData r:id="rId3">
+    <c:autoUpdate val="0"/>
+  </c:externalData>
+</c:chartSpace>
+</file>
+
+<file path=ppt/charts/colors1.xml><?xml version="1.0" encoding="utf-8"?>
+<cs:colorStyle xmlns:cs="http://schemas.microsoft.com/office/drawing/2012/chartStyle" xmlns:a="http://schemas.openxmlformats.org/drawingml/2006/main" meth="withinLinear" id="14">
+  <a:schemeClr val="accent1"/>
+</cs:colorStyle>
+</file>
+
+<file path=ppt/charts/colors2.xml><?xml version="1.0" encoding="utf-8"?>
+<cs:colorStyle xmlns:cs="http://schemas.microsoft.com/office/drawing/2012/chartStyle" xmlns:a="http://schemas.openxmlformats.org/drawingml/2006/main" meth="withinLinear" id="14">
+  <a:schemeClr val="accent1"/>
+</cs:colorStyle>
+</file>
+
+<file path=ppt/charts/style1.xml><?xml version="1.0" encoding="utf-8"?>
+<cs:chartStyle xmlns:cs="http://schemas.microsoft.com/office/drawing/2012/chartStyle" xmlns:a="http://schemas.openxmlformats.org/drawingml/2006/main" id="248">
+  <cs:axisTitle>
+    <cs:lnRef idx="0"/>
+    <cs:fillRef idx="0"/>
+    <cs:effectRef idx="0"/>
+    <cs:fontRef idx="minor">
+      <a:schemeClr val="lt1">
+        <a:lumMod val="75000"/>
+      </a:schemeClr>
+    </cs:fontRef>
+    <cs:defRPr sz="1197" b="1" kern="1200" cap="all"/>
+  </cs:axisTitle>
+  <cs:categoryAxis>
+    <cs:lnRef idx="0"/>
+    <cs:fillRef idx="0"/>
+    <cs:effectRef idx="0"/>
+    <cs:fontRef idx="minor">
+      <a:schemeClr val="lt1">
+        <a:lumMod val="75000"/>
+      </a:schemeClr>
+    </cs:fontRef>
+    <cs:spPr>
+      <a:ln w="9525" cap="flat" cmpd="sng" algn="ctr">
+        <a:solidFill>
+          <a:schemeClr val="lt1">
+            <a:lumMod val="50000"/>
+          </a:schemeClr>
+        </a:solidFill>
+      </a:ln>
+    </cs:spPr>
+    <cs:defRPr sz="1197" kern="1200"/>
+  </cs:categoryAxis>
+  <cs:chartArea>
+    <cs:lnRef idx="0"/>
+    <cs:fillRef idx="0"/>
+    <cs:effectRef idx="0"/>
+    <cs:fontRef idx="minor">
+      <a:schemeClr val="dk1"/>
+    </cs:fontRef>
+    <cs:spPr>
+      <a:gradFill flip="none" rotWithShape="1">
+        <a:gsLst>
+          <a:gs pos="0">
+            <a:schemeClr val="dk1">
+              <a:lumMod val="65000"/>
+              <a:lumOff val="35000"/>
+            </a:schemeClr>
+          </a:gs>
+          <a:gs pos="100000">
+            <a:schemeClr val="dk1">
+              <a:lumMod val="85000"/>
+              <a:lumOff val="15000"/>
+            </a:schemeClr>
+          </a:gs>
+        </a:gsLst>
+        <a:path path="circle">
+          <a:fillToRect l="50000" t="50000" r="50000" b="50000"/>
+        </a:path>
+        <a:tileRect/>
+      </a:gradFill>
+    </cs:spPr>
+    <cs:defRPr sz="1330" kern="1200"/>
+  </cs:chartArea>
+  <cs:dataLabel>
+    <cs:lnRef idx="0"/>
+    <cs:fillRef idx="0"/>
+    <cs:effectRef idx="0"/>
+    <cs:fontRef idx="minor">
+      <a:schemeClr val="lt1">
+        <a:lumMod val="75000"/>
+      </a:schemeClr>
+    </cs:fontRef>
+    <cs:defRPr sz="1197" kern="1200"/>
+  </cs:dataLabel>
+  <cs:dataLabelCallout>
+    <cs:lnRef idx="0"/>
+    <cs:fillRef idx="0"/>
+    <cs:effectRef idx="0"/>
+    <cs:fontRef idx="minor">
+      <a:schemeClr val="dk1">
+        <a:lumMod val="65000"/>
+        <a:lumOff val="35000"/>
+      </a:schemeClr>
+    </cs:fontRef>
+    <cs:spPr>
+      <a:solidFill>
+        <a:schemeClr val="lt1"/>
+      </a:solidFill>
+    </cs:spPr>
+    <cs:defRPr sz="1197" kern="1200"/>
+    <cs:bodyPr rot="0" spcFirstLastPara="1" vertOverflow="clip" horzOverflow="clip" vert="horz" wrap="square" lIns="36576" tIns="18288" rIns="36576" bIns="18288" anchor="ctr" anchorCtr="1">
+      <a:spAutoFit/>
+    </cs:bodyPr>
+  </cs:dataLabelCallout>
+  <cs:dataPoint>
+    <cs:lnRef idx="0"/>
+    <cs:fillRef idx="3">
+      <cs:styleClr val="auto"/>
+    </cs:fillRef>
+    <cs:effectRef idx="3"/>
+    <cs:fontRef idx="minor">
+      <a:schemeClr val="tx1"/>
+    </cs:fontRef>
+  </cs:dataPoint>
+  <cs:dataPoint3D>
+    <cs:lnRef idx="0"/>
+    <cs:fillRef idx="3">
+      <cs:styleClr val="auto"/>
+    </cs:fillRef>
+    <cs:effectRef idx="3"/>
+    <cs:fontRef idx="minor">
+      <a:schemeClr val="tx1"/>
+    </cs:fontRef>
+  </cs:dataPoint3D>
+  <cs:dataPointLine>
+    <cs:lnRef idx="0">
+      <cs:styleClr val="auto"/>
+    </cs:lnRef>
+    <cs:fillRef idx="3"/>
+    <cs:effectRef idx="3"/>
+    <cs:fontRef idx="minor">
+      <a:schemeClr val="tx1"/>
+    </cs:fontRef>
+    <cs:spPr>
+      <a:ln w="9525" cap="rnd">
+        <a:solidFill>
+          <a:schemeClr val="phClr"/>
+        </a:solidFill>
+        <a:round/>
+      </a:ln>
+    </cs:spPr>
+  </cs:dataPointLine>
+  <cs:dataPointMarker>
+    <cs:lnRef idx="0">
+      <cs:styleClr val="auto"/>
+    </cs:lnRef>
+    <cs:fillRef idx="3">
+      <cs:styleClr val="auto"/>
+    </cs:fillRef>
+    <cs:effectRef idx="3"/>
+    <cs:fontRef idx="minor">
+      <a:schemeClr val="tx1"/>
+    </cs:fontRef>
+    <cs:spPr>
+      <a:ln w="9525" cap="rnd">
+        <a:solidFill>
+          <a:schemeClr val="phClr"/>
+        </a:solidFill>
+        <a:round/>
+      </a:ln>
+    </cs:spPr>
+  </cs:dataPointMarker>
+  <cs:dataPointMarkerLayout symbol="circle" size="6"/>
+  <cs:dataPointWireframe>
+    <cs:lnRef idx="0">
+      <cs:styleClr val="auto"/>
+    </cs:lnRef>
+    <cs:fillRef idx="3"/>
+    <cs:effectRef idx="3"/>
+    <cs:fontRef idx="minor">
+      <a:schemeClr val="tx1"/>
+    </cs:fontRef>
+    <cs:spPr>
+      <a:ln w="9525" cap="rnd">
+        <a:solidFill>
+          <a:schemeClr val="phClr"/>
+        </a:solidFill>
+        <a:round/>
+      </a:ln>
+    </cs:spPr>
+  </cs:dataPointWireframe>
+  <cs:dataTable>
+    <cs:lnRef idx="0"/>
+    <cs:fillRef idx="0"/>
+    <cs:effectRef idx="0"/>
+    <cs:fontRef idx="minor">
+      <a:schemeClr val="lt1">
+        <a:lumMod val="75000"/>
+      </a:schemeClr>
+    </cs:fontRef>
+    <cs:spPr>
+      <a:ln w="9525">
+        <a:solidFill>
+          <a:schemeClr val="lt1">
+            <a:lumMod val="95000"/>
+            <a:alpha val="54000"/>
+          </a:schemeClr>
+        </a:solidFill>
+      </a:ln>
+    </cs:spPr>
+    <cs:defRPr sz="1197" kern="1200"/>
+  </cs:dataTable>
+  <cs:downBar>
+    <cs:lnRef idx="0"/>
+    <cs:fillRef idx="0"/>
+    <cs:effectRef idx="0"/>
+    <cs:fontRef idx="minor">
+      <a:schemeClr val="tx1"/>
+    </cs:fontRef>
+    <cs:spPr>
+      <a:solidFill>
+        <a:schemeClr val="dk1">
+          <a:lumMod val="75000"/>
+          <a:lumOff val="25000"/>
+        </a:schemeClr>
+      </a:solidFill>
+      <a:ln w="9525">
+        <a:solidFill>
+          <a:schemeClr val="lt1">
+            <a:lumMod val="95000"/>
+            <a:alpha val="54000"/>
+          </a:schemeClr>
+        </a:solidFill>
+      </a:ln>
+    </cs:spPr>
+  </cs:downBar>
+  <cs:dropLine>
+    <cs:lnRef idx="0"/>
+    <cs:fillRef idx="0"/>
+    <cs:effectRef idx="0"/>
+    <cs:fontRef idx="minor">
+      <a:schemeClr val="tx1"/>
+    </cs:fontRef>
+    <cs:spPr>
+      <a:ln w="9525">
+        <a:solidFill>
+          <a:schemeClr val="lt1">
+            <a:lumMod val="95000"/>
+            <a:alpha val="54000"/>
+          </a:schemeClr>
+        </a:solidFill>
+        <a:prstDash val="dash"/>
+      </a:ln>
+    </cs:spPr>
+  </cs:dropLine>
+  <cs:errorBar>
+    <cs:lnRef idx="0"/>
+    <cs:fillRef idx="0"/>
+    <cs:effectRef idx="0"/>
+    <cs:fontRef idx="minor">
+      <a:schemeClr val="tx1"/>
+    </cs:fontRef>
+    <cs:spPr>
+      <a:ln w="9525" cap="flat" cmpd="sng" algn="ctr">
+        <a:solidFill>
+          <a:schemeClr val="lt1">
+            <a:lumMod val="95000"/>
+          </a:schemeClr>
+        </a:solidFill>
+        <a:round/>
+      </a:ln>
+    </cs:spPr>
+  </cs:errorBar>
+  <cs:floor>
+    <cs:lnRef idx="0"/>
+    <cs:fillRef idx="0"/>
+    <cs:effectRef idx="0"/>
+    <cs:fontRef idx="minor">
+      <a:schemeClr val="tx1"/>
+    </cs:fontRef>
+  </cs:floor>
+  <cs:gridlineMajor>
+    <cs:lnRef idx="0"/>
+    <cs:fillRef idx="0"/>
+    <cs:effectRef idx="0"/>
+    <cs:fontRef idx="minor">
+      <a:schemeClr val="tx1"/>
+    </cs:fontRef>
+    <cs:spPr>
+      <a:ln w="9525" cap="flat" cmpd="sng" algn="ctr">
+        <a:solidFill>
+          <a:schemeClr val="lt1">
+            <a:lumMod val="95000"/>
+            <a:alpha val="10000"/>
+          </a:schemeClr>
+        </a:solidFill>
+        <a:round/>
+      </a:ln>
+    </cs:spPr>
+  </cs:gridlineMajor>
+  <cs:gridlineMinor>
+    <cs:lnRef idx="0"/>
+    <cs:fillRef idx="0"/>
+    <cs:effectRef idx="0"/>
+    <cs:fontRef idx="minor">
+      <a:schemeClr val="tx1"/>
+    </cs:fontRef>
+    <cs:spPr>
+      <a:ln>
+        <a:solidFill>
+          <a:schemeClr val="lt1">
+            <a:lumMod val="95000"/>
+            <a:alpha val="5000"/>
+          </a:schemeClr>
+        </a:solidFill>
+      </a:ln>
+    </cs:spPr>
+  </cs:gridlineMinor>
+  <cs:hiLoLine>
+    <cs:lnRef idx="0"/>
+    <cs:fillRef idx="0"/>
+    <cs:effectRef idx="0"/>
+    <cs:fontRef idx="minor">
+      <a:schemeClr val="tx1"/>
+    </cs:fontRef>
+    <cs:spPr>
+      <a:ln w="9525">
+        <a:solidFill>
+          <a:schemeClr val="lt1">
+            <a:lumMod val="95000"/>
+            <a:alpha val="54000"/>
+          </a:schemeClr>
+        </a:solidFill>
+        <a:prstDash val="dash"/>
+      </a:ln>
+    </cs:spPr>
+  </cs:hiLoLine>
+  <cs:leaderLine>
+    <cs:lnRef idx="0"/>
+    <cs:fillRef idx="0"/>
+    <cs:effectRef idx="0"/>
+    <cs:fontRef idx="minor">
+      <a:schemeClr val="tx1"/>
+    </cs:fontRef>
+    <cs:spPr>
+      <a:ln w="9525">
+        <a:solidFill>
+          <a:schemeClr val="lt1">
+            <a:lumMod val="95000"/>
+            <a:alpha val="54000"/>
+          </a:schemeClr>
+        </a:solidFill>
+      </a:ln>
+    </cs:spPr>
+  </cs:leaderLine>
+  <cs:legend>
+    <cs:lnRef idx="0"/>
+    <cs:fillRef idx="0"/>
+    <cs:effectRef idx="0"/>
+    <cs:fontRef idx="minor">
+      <a:schemeClr val="lt1">
+        <a:lumMod val="75000"/>
+      </a:schemeClr>
+    </cs:fontRef>
+    <cs:defRPr sz="1197" kern="1200"/>
+  </cs:legend>
+  <cs:plotArea>
+    <cs:lnRef idx="0"/>
+    <cs:fillRef idx="0"/>
+    <cs:effectRef idx="0"/>
+    <cs:fontRef idx="minor">
+      <a:schemeClr val="tx1"/>
+    </cs:fontRef>
+  </cs:plotArea>
+  <cs:plotArea3D>
+    <cs:lnRef idx="0"/>
+    <cs:fillRef idx="0"/>
+    <cs:effectRef idx="0"/>
+    <cs:fontRef idx="minor">
+      <a:schemeClr val="tx1"/>
+    </cs:fontRef>
+  </cs:plotArea3D>
+  <cs:seriesAxis>
+    <cs:lnRef idx="0"/>
+    <cs:fillRef idx="0"/>
+    <cs:effectRef idx="0"/>
+    <cs:fontRef idx="minor">
+      <a:schemeClr val="lt1">
+        <a:lumMod val="75000"/>
+      </a:schemeClr>
+    </cs:fontRef>
+    <cs:spPr>
+      <a:ln w="9525" cap="flat" cmpd="sng" algn="ctr">
+        <a:solidFill>
+          <a:schemeClr val="lt1">
+            <a:lumMod val="50000"/>
+          </a:schemeClr>
+        </a:solidFill>
+      </a:ln>
+    </cs:spPr>
+    <cs:defRPr sz="1197" kern="1200"/>
+  </cs:seriesAxis>
+  <cs:seriesLine>
+    <cs:lnRef idx="0"/>
+    <cs:fillRef idx="0"/>
+    <cs:effectRef idx="0"/>
+    <cs:fontRef idx="minor">
+      <a:schemeClr val="lt1"/>
+    </cs:fontRef>
+    <cs:spPr>
+      <a:ln w="9525" cap="flat" cmpd="sng" algn="ctr">
+        <a:solidFill>
+          <a:schemeClr val="lt1">
+            <a:lumMod val="95000"/>
+            <a:alpha val="54000"/>
+          </a:schemeClr>
+        </a:solidFill>
+        <a:round/>
+      </a:ln>
+    </cs:spPr>
+  </cs:seriesLine>
+  <cs:title>
+    <cs:lnRef idx="0"/>
+    <cs:fillRef idx="0"/>
+    <cs:effectRef idx="0"/>
+    <cs:fontRef idx="minor">
+      <a:schemeClr val="lt1">
+        <a:lumMod val="95000"/>
+      </a:schemeClr>
+    </cs:fontRef>
+    <cs:defRPr sz="2128" b="1" kern="1200" spc="100" baseline="0">
+      <a:effectLst>
+        <a:outerShdw blurRad="50800" dist="38100" dir="5400000" algn="t" rotWithShape="0">
+          <a:prstClr val="black">
+            <a:alpha val="40000"/>
+          </a:prstClr>
+        </a:outerShdw>
+      </a:effectLst>
+    </cs:defRPr>
+  </cs:title>
+  <cs:trendline>
+    <cs:lnRef idx="0">
+      <cs:styleClr val="auto"/>
+    </cs:lnRef>
+    <cs:fillRef idx="0"/>
+    <cs:effectRef idx="0"/>
+    <cs:fontRef idx="minor">
+      <a:schemeClr val="tx1"/>
+    </cs:fontRef>
+    <cs:spPr>
+      <a:ln w="19050" cap="rnd">
+        <a:solidFill>
+          <a:schemeClr val="phClr"/>
+        </a:solidFill>
+        <a:prstDash val="sysDash"/>
+      </a:ln>
+    </cs:spPr>
+  </cs:trendline>
+  <cs:trendlineLabel>
+    <cs:lnRef idx="0"/>
+    <cs:fillRef idx="0"/>
+    <cs:effectRef idx="0"/>
+    <cs:fontRef idx="minor">
+      <a:schemeClr val="lt1">
+        <a:lumMod val="75000"/>
+      </a:schemeClr>
+    </cs:fontRef>
+    <cs:defRPr sz="1197" kern="1200"/>
+  </cs:trendlineLabel>
+  <cs:upBar>
+    <cs:lnRef idx="0"/>
+    <cs:fillRef idx="0"/>
+    <cs:effectRef idx="0"/>
+    <cs:fontRef idx="minor">
+      <a:schemeClr val="tx1"/>
+    </cs:fontRef>
+    <cs:spPr>
+      <a:solidFill>
+        <a:schemeClr val="lt1"/>
+      </a:solidFill>
+      <a:ln w="9525">
+        <a:solidFill>
+          <a:schemeClr val="lt1">
+            <a:lumMod val="95000"/>
+            <a:alpha val="54000"/>
+          </a:schemeClr>
+        </a:solidFill>
+      </a:ln>
+    </cs:spPr>
+  </cs:upBar>
+  <cs:valueAxis>
+    <cs:lnRef idx="0"/>
+    <cs:fillRef idx="0"/>
+    <cs:effectRef idx="0"/>
+    <cs:fontRef idx="minor">
+      <a:schemeClr val="lt1">
+        <a:lumMod val="75000"/>
+      </a:schemeClr>
+    </cs:fontRef>
+    <cs:spPr>
+      <a:ln w="9525" cap="flat" cmpd="sng" algn="ctr">
+        <a:solidFill>
+          <a:schemeClr val="lt1">
+            <a:lumMod val="50000"/>
+          </a:schemeClr>
+        </a:solidFill>
+      </a:ln>
+    </cs:spPr>
+    <cs:defRPr sz="1197" kern="1200"/>
+  </cs:valueAxis>
+  <cs:wall>
+    <cs:lnRef idx="0"/>
+    <cs:fillRef idx="0"/>
+    <cs:effectRef idx="0"/>
+    <cs:fontRef idx="minor">
+      <a:schemeClr val="tx1"/>
+    </cs:fontRef>
+  </cs:wall>
+</cs:chartStyle>
+</file>
+
+<file path=ppt/charts/style2.xml><?xml version="1.0" encoding="utf-8"?>
+<cs:chartStyle xmlns:cs="http://schemas.microsoft.com/office/drawing/2012/chartStyle" xmlns:a="http://schemas.openxmlformats.org/drawingml/2006/main" id="248">
+  <cs:axisTitle>
+    <cs:lnRef idx="0"/>
+    <cs:fillRef idx="0"/>
+    <cs:effectRef idx="0"/>
+    <cs:fontRef idx="minor">
+      <a:schemeClr val="lt1">
+        <a:lumMod val="75000"/>
+      </a:schemeClr>
+    </cs:fontRef>
+    <cs:defRPr sz="1197" b="1" kern="1200" cap="all"/>
+  </cs:axisTitle>
+  <cs:categoryAxis>
+    <cs:lnRef idx="0"/>
+    <cs:fillRef idx="0"/>
+    <cs:effectRef idx="0"/>
+    <cs:fontRef idx="minor">
+      <a:schemeClr val="lt1">
+        <a:lumMod val="75000"/>
+      </a:schemeClr>
+    </cs:fontRef>
+    <cs:spPr>
+      <a:ln w="9525" cap="flat" cmpd="sng" algn="ctr">
+        <a:solidFill>
+          <a:schemeClr val="lt1">
+            <a:lumMod val="50000"/>
+          </a:schemeClr>
+        </a:solidFill>
+      </a:ln>
+    </cs:spPr>
+    <cs:defRPr sz="1197" kern="1200"/>
+  </cs:categoryAxis>
+  <cs:chartArea>
+    <cs:lnRef idx="0"/>
+    <cs:fillRef idx="0"/>
+    <cs:effectRef idx="0"/>
+    <cs:fontRef idx="minor">
+      <a:schemeClr val="dk1"/>
+    </cs:fontRef>
+    <cs:spPr>
+      <a:gradFill flip="none" rotWithShape="1">
+        <a:gsLst>
+          <a:gs pos="0">
+            <a:schemeClr val="dk1">
+              <a:lumMod val="65000"/>
+              <a:lumOff val="35000"/>
+            </a:schemeClr>
+          </a:gs>
+          <a:gs pos="100000">
+            <a:schemeClr val="dk1">
+              <a:lumMod val="85000"/>
+              <a:lumOff val="15000"/>
+            </a:schemeClr>
+          </a:gs>
+        </a:gsLst>
+        <a:path path="circle">
+          <a:fillToRect l="50000" t="50000" r="50000" b="50000"/>
+        </a:path>
+        <a:tileRect/>
+      </a:gradFill>
+    </cs:spPr>
+    <cs:defRPr sz="1330" kern="1200"/>
+  </cs:chartArea>
+  <cs:dataLabel>
+    <cs:lnRef idx="0"/>
+    <cs:fillRef idx="0"/>
+    <cs:effectRef idx="0"/>
+    <cs:fontRef idx="minor">
+      <a:schemeClr val="lt1">
+        <a:lumMod val="75000"/>
+      </a:schemeClr>
+    </cs:fontRef>
+    <cs:defRPr sz="1197" kern="1200"/>
+  </cs:dataLabel>
+  <cs:dataLabelCallout>
+    <cs:lnRef idx="0"/>
+    <cs:fillRef idx="0"/>
+    <cs:effectRef idx="0"/>
+    <cs:fontRef idx="minor">
+      <a:schemeClr val="dk1">
+        <a:lumMod val="65000"/>
+        <a:lumOff val="35000"/>
+      </a:schemeClr>
+    </cs:fontRef>
+    <cs:spPr>
+      <a:solidFill>
+        <a:schemeClr val="lt1"/>
+      </a:solidFill>
+    </cs:spPr>
+    <cs:defRPr sz="1197" kern="1200"/>
+    <cs:bodyPr rot="0" spcFirstLastPara="1" vertOverflow="clip" horzOverflow="clip" vert="horz" wrap="square" lIns="36576" tIns="18288" rIns="36576" bIns="18288" anchor="ctr" anchorCtr="1">
+      <a:spAutoFit/>
+    </cs:bodyPr>
+  </cs:dataLabelCallout>
+  <cs:dataPoint>
+    <cs:lnRef idx="0"/>
+    <cs:fillRef idx="3">
+      <cs:styleClr val="auto"/>
+    </cs:fillRef>
+    <cs:effectRef idx="3"/>
+    <cs:fontRef idx="minor">
+      <a:schemeClr val="tx1"/>
+    </cs:fontRef>
+  </cs:dataPoint>
+  <cs:dataPoint3D>
+    <cs:lnRef idx="0"/>
+    <cs:fillRef idx="3">
+      <cs:styleClr val="auto"/>
+    </cs:fillRef>
+    <cs:effectRef idx="3"/>
+    <cs:fontRef idx="minor">
+      <a:schemeClr val="tx1"/>
+    </cs:fontRef>
+  </cs:dataPoint3D>
+  <cs:dataPointLine>
+    <cs:lnRef idx="0">
+      <cs:styleClr val="auto"/>
+    </cs:lnRef>
+    <cs:fillRef idx="3"/>
+    <cs:effectRef idx="3"/>
+    <cs:fontRef idx="minor">
+      <a:schemeClr val="tx1"/>
+    </cs:fontRef>
+    <cs:spPr>
+      <a:ln w="9525" cap="rnd">
+        <a:solidFill>
+          <a:schemeClr val="phClr"/>
+        </a:solidFill>
+        <a:round/>
+      </a:ln>
+    </cs:spPr>
+  </cs:dataPointLine>
+  <cs:dataPointMarker>
+    <cs:lnRef idx="0">
+      <cs:styleClr val="auto"/>
+    </cs:lnRef>
+    <cs:fillRef idx="3">
+      <cs:styleClr val="auto"/>
+    </cs:fillRef>
+    <cs:effectRef idx="3"/>
+    <cs:fontRef idx="minor">
+      <a:schemeClr val="tx1"/>
+    </cs:fontRef>
+    <cs:spPr>
+      <a:ln w="9525" cap="rnd">
+        <a:solidFill>
+          <a:schemeClr val="phClr"/>
+        </a:solidFill>
+        <a:round/>
+      </a:ln>
+    </cs:spPr>
+  </cs:dataPointMarker>
+  <cs:dataPointMarkerLayout symbol="circle" size="6"/>
+  <cs:dataPointWireframe>
+    <cs:lnRef idx="0">
+      <cs:styleClr val="auto"/>
+    </cs:lnRef>
+    <cs:fillRef idx="3"/>
+    <cs:effectRef idx="3"/>
+    <cs:fontRef idx="minor">
+      <a:schemeClr val="tx1"/>
+    </cs:fontRef>
+    <cs:spPr>
+      <a:ln w="9525" cap="rnd">
+        <a:solidFill>
+          <a:schemeClr val="phClr"/>
+        </a:solidFill>
+        <a:round/>
+      </a:ln>
+    </cs:spPr>
+  </cs:dataPointWireframe>
+  <cs:dataTable>
+    <cs:lnRef idx="0"/>
+    <cs:fillRef idx="0"/>
+    <cs:effectRef idx="0"/>
+    <cs:fontRef idx="minor">
+      <a:schemeClr val="lt1">
+        <a:lumMod val="75000"/>
+      </a:schemeClr>
+    </cs:fontRef>
+    <cs:spPr>
+      <a:ln w="9525">
+        <a:solidFill>
+          <a:schemeClr val="lt1">
+            <a:lumMod val="95000"/>
+            <a:alpha val="54000"/>
+          </a:schemeClr>
+        </a:solidFill>
+      </a:ln>
+    </cs:spPr>
+    <cs:defRPr sz="1197" kern="1200"/>
+  </cs:dataTable>
+  <cs:downBar>
+    <cs:lnRef idx="0"/>
+    <cs:fillRef idx="0"/>
+    <cs:effectRef idx="0"/>
+    <cs:fontRef idx="minor">
+      <a:schemeClr val="tx1"/>
+    </cs:fontRef>
+    <cs:spPr>
+      <a:solidFill>
+        <a:schemeClr val="dk1">
+          <a:lumMod val="75000"/>
+          <a:lumOff val="25000"/>
+        </a:schemeClr>
+      </a:solidFill>
+      <a:ln w="9525">
+        <a:solidFill>
+          <a:schemeClr val="lt1">
+            <a:lumMod val="95000"/>
+            <a:alpha val="54000"/>
+          </a:schemeClr>
+        </a:solidFill>
+      </a:ln>
+    </cs:spPr>
+  </cs:downBar>
+  <cs:dropLine>
+    <cs:lnRef idx="0"/>
+    <cs:fillRef idx="0"/>
+    <cs:effectRef idx="0"/>
+    <cs:fontRef idx="minor">
+      <a:schemeClr val="tx1"/>
+    </cs:fontRef>
+    <cs:spPr>
+      <a:ln w="9525">
+        <a:solidFill>
+          <a:schemeClr val="lt1">
+            <a:lumMod val="95000"/>
+            <a:alpha val="54000"/>
+          </a:schemeClr>
+        </a:solidFill>
+        <a:prstDash val="dash"/>
+      </a:ln>
+    </cs:spPr>
+  </cs:dropLine>
+  <cs:errorBar>
+    <cs:lnRef idx="0"/>
+    <cs:fillRef idx="0"/>
+    <cs:effectRef idx="0"/>
+    <cs:fontRef idx="minor">
+      <a:schemeClr val="tx1"/>
+    </cs:fontRef>
+    <cs:spPr>
+      <a:ln w="9525" cap="flat" cmpd="sng" algn="ctr">
+        <a:solidFill>
+          <a:schemeClr val="lt1">
+            <a:lumMod val="95000"/>
+          </a:schemeClr>
+        </a:solidFill>
+        <a:round/>
+      </a:ln>
+    </cs:spPr>
+  </cs:errorBar>
+  <cs:floor>
+    <cs:lnRef idx="0"/>
+    <cs:fillRef idx="0"/>
+    <cs:effectRef idx="0"/>
+    <cs:fontRef idx="minor">
+      <a:schemeClr val="tx1"/>
+    </cs:fontRef>
+  </cs:floor>
+  <cs:gridlineMajor>
+    <cs:lnRef idx="0"/>
+    <cs:fillRef idx="0"/>
+    <cs:effectRef idx="0"/>
+    <cs:fontRef idx="minor">
+      <a:schemeClr val="tx1"/>
+    </cs:fontRef>
+    <cs:spPr>
+      <a:ln w="9525" cap="flat" cmpd="sng" algn="ctr">
+        <a:solidFill>
+          <a:schemeClr val="lt1">
+            <a:lumMod val="95000"/>
+            <a:alpha val="10000"/>
+          </a:schemeClr>
+        </a:solidFill>
+        <a:round/>
+      </a:ln>
+    </cs:spPr>
+  </cs:gridlineMajor>
+  <cs:gridlineMinor>
+    <cs:lnRef idx="0"/>
+    <cs:fillRef idx="0"/>
+    <cs:effectRef idx="0"/>
+    <cs:fontRef idx="minor">
+      <a:schemeClr val="tx1"/>
+    </cs:fontRef>
+    <cs:spPr>
+      <a:ln>
+        <a:solidFill>
+          <a:schemeClr val="lt1">
+            <a:lumMod val="95000"/>
+            <a:alpha val="5000"/>
+          </a:schemeClr>
+        </a:solidFill>
+      </a:ln>
+    </cs:spPr>
+  </cs:gridlineMinor>
+  <cs:hiLoLine>
+    <cs:lnRef idx="0"/>
+    <cs:fillRef idx="0"/>
+    <cs:effectRef idx="0"/>
+    <cs:fontRef idx="minor">
+      <a:schemeClr val="tx1"/>
+    </cs:fontRef>
+    <cs:spPr>
+      <a:ln w="9525">
+        <a:solidFill>
+          <a:schemeClr val="lt1">
+            <a:lumMod val="95000"/>
+            <a:alpha val="54000"/>
+          </a:schemeClr>
+        </a:solidFill>
+        <a:prstDash val="dash"/>
+      </a:ln>
+    </cs:spPr>
+  </cs:hiLoLine>
+  <cs:leaderLine>
+    <cs:lnRef idx="0"/>
+    <cs:fillRef idx="0"/>
+    <cs:effectRef idx="0"/>
+    <cs:fontRef idx="minor">
+      <a:schemeClr val="tx1"/>
+    </cs:fontRef>
+    <cs:spPr>
+      <a:ln w="9525">
+        <a:solidFill>
+          <a:schemeClr val="lt1">
+            <a:lumMod val="95000"/>
+            <a:alpha val="54000"/>
+          </a:schemeClr>
+        </a:solidFill>
+      </a:ln>
+    </cs:spPr>
+  </cs:leaderLine>
+  <cs:legend>
+    <cs:lnRef idx="0"/>
+    <cs:fillRef idx="0"/>
+    <cs:effectRef idx="0"/>
+    <cs:fontRef idx="minor">
+      <a:schemeClr val="lt1">
+        <a:lumMod val="75000"/>
+      </a:schemeClr>
+    </cs:fontRef>
+    <cs:defRPr sz="1197" kern="1200"/>
+  </cs:legend>
+  <cs:plotArea>
+    <cs:lnRef idx="0"/>
+    <cs:fillRef idx="0"/>
+    <cs:effectRef idx="0"/>
+    <cs:fontRef idx="minor">
+      <a:schemeClr val="tx1"/>
+    </cs:fontRef>
+  </cs:plotArea>
+  <cs:plotArea3D>
+    <cs:lnRef idx="0"/>
+    <cs:fillRef idx="0"/>
+    <cs:effectRef idx="0"/>
+    <cs:fontRef idx="minor">
+      <a:schemeClr val="tx1"/>
+    </cs:fontRef>
+  </cs:plotArea3D>
+  <cs:seriesAxis>
+    <cs:lnRef idx="0"/>
+    <cs:fillRef idx="0"/>
+    <cs:effectRef idx="0"/>
+    <cs:fontRef idx="minor">
+      <a:schemeClr val="lt1">
+        <a:lumMod val="75000"/>
+      </a:schemeClr>
+    </cs:fontRef>
+    <cs:spPr>
+      <a:ln w="9525" cap="flat" cmpd="sng" algn="ctr">
+        <a:solidFill>
+          <a:schemeClr val="lt1">
+            <a:lumMod val="50000"/>
+          </a:schemeClr>
+        </a:solidFill>
+      </a:ln>
+    </cs:spPr>
+    <cs:defRPr sz="1197" kern="1200"/>
+  </cs:seriesAxis>
+  <cs:seriesLine>
+    <cs:lnRef idx="0"/>
+    <cs:fillRef idx="0"/>
+    <cs:effectRef idx="0"/>
+    <cs:fontRef idx="minor">
+      <a:schemeClr val="lt1"/>
+    </cs:fontRef>
+    <cs:spPr>
+      <a:ln w="9525" cap="flat" cmpd="sng" algn="ctr">
+        <a:solidFill>
+          <a:schemeClr val="lt1">
+            <a:lumMod val="95000"/>
+            <a:alpha val="54000"/>
+          </a:schemeClr>
+        </a:solidFill>
+        <a:round/>
+      </a:ln>
+    </cs:spPr>
+  </cs:seriesLine>
+  <cs:title>
+    <cs:lnRef idx="0"/>
+    <cs:fillRef idx="0"/>
+    <cs:effectRef idx="0"/>
+    <cs:fontRef idx="minor">
+      <a:schemeClr val="lt1">
+        <a:lumMod val="95000"/>
+      </a:schemeClr>
+    </cs:fontRef>
+    <cs:defRPr sz="2128" b="1" kern="1200" spc="100" baseline="0">
+      <a:effectLst>
+        <a:outerShdw blurRad="50800" dist="38100" dir="5400000" algn="t" rotWithShape="0">
+          <a:prstClr val="black">
+            <a:alpha val="40000"/>
+          </a:prstClr>
+        </a:outerShdw>
+      </a:effectLst>
+    </cs:defRPr>
+  </cs:title>
+  <cs:trendline>
+    <cs:lnRef idx="0">
+      <cs:styleClr val="auto"/>
+    </cs:lnRef>
+    <cs:fillRef idx="0"/>
+    <cs:effectRef idx="0"/>
+    <cs:fontRef idx="minor">
+      <a:schemeClr val="tx1"/>
+    </cs:fontRef>
+    <cs:spPr>
+      <a:ln w="19050" cap="rnd">
+        <a:solidFill>
+          <a:schemeClr val="phClr"/>
+        </a:solidFill>
+        <a:prstDash val="sysDash"/>
+      </a:ln>
+    </cs:spPr>
+  </cs:trendline>
+  <cs:trendlineLabel>
+    <cs:lnRef idx="0"/>
+    <cs:fillRef idx="0"/>
+    <cs:effectRef idx="0"/>
+    <cs:fontRef idx="minor">
+      <a:schemeClr val="lt1">
+        <a:lumMod val="75000"/>
+      </a:schemeClr>
+    </cs:fontRef>
+    <cs:defRPr sz="1197" kern="1200"/>
+  </cs:trendlineLabel>
+  <cs:upBar>
+    <cs:lnRef idx="0"/>
+    <cs:fillRef idx="0"/>
+    <cs:effectRef idx="0"/>
+    <cs:fontRef idx="minor">
+      <a:schemeClr val="tx1"/>
+    </cs:fontRef>
+    <cs:spPr>
+      <a:solidFill>
+        <a:schemeClr val="lt1"/>
+      </a:solidFill>
+      <a:ln w="9525">
+        <a:solidFill>
+          <a:schemeClr val="lt1">
+            <a:lumMod val="95000"/>
+            <a:alpha val="54000"/>
+          </a:schemeClr>
+        </a:solidFill>
+      </a:ln>
+    </cs:spPr>
+  </cs:upBar>
+  <cs:valueAxis>
+    <cs:lnRef idx="0"/>
+    <cs:fillRef idx="0"/>
+    <cs:effectRef idx="0"/>
+    <cs:fontRef idx="minor">
+      <a:schemeClr val="lt1">
+        <a:lumMod val="75000"/>
+      </a:schemeClr>
+    </cs:fontRef>
+    <cs:spPr>
+      <a:ln w="9525" cap="flat" cmpd="sng" algn="ctr">
+        <a:solidFill>
+          <a:schemeClr val="lt1">
+            <a:lumMod val="50000"/>
+          </a:schemeClr>
+        </a:solidFill>
+      </a:ln>
+    </cs:spPr>
+    <cs:defRPr sz="1197" kern="1200"/>
+  </cs:valueAxis>
+  <cs:wall>
+    <cs:lnRef idx="0"/>
+    <cs:fillRef idx="0"/>
+    <cs:effectRef idx="0"/>
+    <cs:fontRef idx="minor">
+      <a:schemeClr val="tx1"/>
+    </cs:fontRef>
+  </cs:wall>
+</cs:chartStyle>
+</file>
+
+<file path=ppt/notesMasters/notesMaster1.xml><?xml version="1.0" encoding="utf-8"?>
+<p:notesMaster xmlns:a="http://schemas.openxmlformats.org/drawingml/2006/main" xmlns:r="http://schemas.openxmlformats.org/officeDocument/2006/relationships" xmlns:p="http://schemas.openxmlformats.org/presentationml/2006/main">
+  <p:cSld>
+    <p:bg>
+      <p:bgRef idx="1001">
+        <a:schemeClr val="bg1"/>
+      </p:bgRef>
+    </p:bg>
+    <p:spTree>
+      <p:nvGrpSpPr>
+        <p:cNvPr id="1" name=""/>
+        <p:cNvGrpSpPr/>
+        <p:nvPr/>
+      </p:nvGrpSpPr>
+      <p:grpSpPr>
+        <a:xfrm>
+          <a:off x="0" y="0"/>
+          <a:ext cx="0" cy="0"/>
+          <a:chOff x="0" y="0"/>
+          <a:chExt cx="0" cy="0"/>
+        </a:xfrm>
+      </p:grpSpPr>
+      <p:sp>
+        <p:nvSpPr>
+          <p:cNvPr id="2" name="Header Placeholder 1"/>
+          <p:cNvSpPr>
+            <a:spLocks noGrp="1"/>
+          </p:cNvSpPr>
+          <p:nvPr>
+            <p:ph type="hdr" sz="quarter"/>
+          </p:nvPr>
+        </p:nvSpPr>
+        <p:spPr>
+          <a:xfrm>
+            <a:off x="0" y="0"/>
+            <a:ext cx="2971800" cy="458788"/>
+          </a:xfrm>
+          <a:prstGeom prst="rect">
+            <a:avLst/>
+          </a:prstGeom>
+        </p:spPr>
+        <p:txBody>
+          <a:bodyPr vert="horz" lIns="91440" tIns="45720" rIns="91440" bIns="45720" rtlCol="0"/>
+          <a:lstStyle>
+            <a:lvl1pPr algn="l">
+              <a:defRPr sz="1200"/>
+            </a:lvl1pPr>
+          </a:lstStyle>
+          <a:p>
+            <a:endParaRPr lang="pt-PT"/>
+          </a:p>
+        </p:txBody>
+      </p:sp>
+      <p:sp>
+        <p:nvSpPr>
+          <p:cNvPr id="3" name="Date Placeholder 2"/>
+          <p:cNvSpPr>
+            <a:spLocks noGrp="1"/>
+          </p:cNvSpPr>
+          <p:nvPr>
+            <p:ph type="dt" idx="1"/>
+          </p:nvPr>
+        </p:nvSpPr>
+        <p:spPr>
+          <a:xfrm>
+            <a:off x="3884613" y="0"/>
+            <a:ext cx="2971800" cy="458788"/>
+          </a:xfrm>
+          <a:prstGeom prst="rect">
+            <a:avLst/>
+          </a:prstGeom>
+        </p:spPr>
+        <p:txBody>
+          <a:bodyPr vert="horz" lIns="91440" tIns="45720" rIns="91440" bIns="45720" rtlCol="0"/>
+          <a:lstStyle>
+            <a:lvl1pPr algn="r">
+              <a:defRPr sz="1200"/>
+            </a:lvl1pPr>
+          </a:lstStyle>
+          <a:p>
+            <a:fld id="{BAE920E8-3420-4665-AF77-FF47F5717F5E}" type="datetimeFigureOut">
+              <a:rPr lang="pt-PT" smtClean="0"/>
+              <a:t>14/04/2016</a:t>
+            </a:fld>
+            <a:endParaRPr lang="pt-PT"/>
+          </a:p>
+        </p:txBody>
+      </p:sp>
+      <p:sp>
+        <p:nvSpPr>
+          <p:cNvPr id="4" name="Slide Image Placeholder 3"/>
+          <p:cNvSpPr>
+            <a:spLocks noGrp="1" noRot="1" noChangeAspect="1"/>
+          </p:cNvSpPr>
+          <p:nvPr>
+            <p:ph type="sldImg" idx="2"/>
+          </p:nvPr>
+        </p:nvSpPr>
+        <p:spPr>
+          <a:xfrm>
+            <a:off x="1371600" y="1143000"/>
+            <a:ext cx="4114800" cy="3086100"/>
+          </a:xfrm>
+          <a:prstGeom prst="rect">
+            <a:avLst/>
+          </a:prstGeom>
+          <a:noFill/>
+          <a:ln w="12700">
+            <a:solidFill>
+              <a:prstClr val="black"/>
+            </a:solidFill>
+          </a:ln>
+        </p:spPr>
+        <p:txBody>
+          <a:bodyPr vert="horz" lIns="91440" tIns="45720" rIns="91440" bIns="45720" rtlCol="0" anchor="ctr"/>
+          <a:lstStyle/>
+          <a:p>
+            <a:endParaRPr lang="pt-PT"/>
+          </a:p>
+        </p:txBody>
+      </p:sp>
+      <p:sp>
+        <p:nvSpPr>
+          <p:cNvPr id="5" name="Notes Placeholder 4"/>
+          <p:cNvSpPr>
+            <a:spLocks noGrp="1"/>
+          </p:cNvSpPr>
+          <p:nvPr>
+            <p:ph type="body" sz="quarter" idx="3"/>
+          </p:nvPr>
+        </p:nvSpPr>
+        <p:spPr>
+          <a:xfrm>
+            <a:off x="685800" y="4400550"/>
+            <a:ext cx="5486400" cy="3600450"/>
+          </a:xfrm>
+          <a:prstGeom prst="rect">
+            <a:avLst/>
+          </a:prstGeom>
+        </p:spPr>
+        <p:txBody>
+          <a:bodyPr vert="horz" lIns="91440" tIns="45720" rIns="91440" bIns="45720" rtlCol="0"/>
+          <a:lstStyle/>
+          <a:p>
+            <a:pPr lvl="0"/>
+            <a:r>
+              <a:rPr lang="en-US"/>
+              <a:t>Edit Master text styles</a:t>
+            </a:r>
+          </a:p>
+          <a:p>
+            <a:pPr lvl="1"/>
+            <a:r>
+              <a:rPr lang="en-US"/>
+              <a:t>Second level</a:t>
+            </a:r>
+          </a:p>
+          <a:p>
+            <a:pPr lvl="2"/>
+            <a:r>
+              <a:rPr lang="en-US"/>
+              <a:t>Third level</a:t>
+            </a:r>
+          </a:p>
+          <a:p>
+            <a:pPr lvl="3"/>
+            <a:r>
+              <a:rPr lang="en-US"/>
+              <a:t>Fourth level</a:t>
+            </a:r>
+          </a:p>
+          <a:p>
+            <a:pPr lvl="4"/>
+            <a:r>
+              <a:rPr lang="en-US"/>
+              <a:t>Fifth level</a:t>
+            </a:r>
+            <a:endParaRPr lang="pt-PT"/>
+          </a:p>
+        </p:txBody>
+      </p:sp>
+      <p:sp>
+        <p:nvSpPr>
+          <p:cNvPr id="6" name="Footer Placeholder 5"/>
+          <p:cNvSpPr>
+            <a:spLocks noGrp="1"/>
+          </p:cNvSpPr>
+          <p:nvPr>
+            <p:ph type="ftr" sz="quarter" idx="4"/>
+          </p:nvPr>
+        </p:nvSpPr>
+        <p:spPr>
+          <a:xfrm>
+            <a:off x="0" y="8685213"/>
+            <a:ext cx="2971800" cy="458787"/>
+          </a:xfrm>
+          <a:prstGeom prst="rect">
+            <a:avLst/>
+          </a:prstGeom>
+        </p:spPr>
+        <p:txBody>
+          <a:bodyPr vert="horz" lIns="91440" tIns="45720" rIns="91440" bIns="45720" rtlCol="0" anchor="b"/>
+          <a:lstStyle>
+            <a:lvl1pPr algn="l">
+              <a:defRPr sz="1200"/>
+            </a:lvl1pPr>
+          </a:lstStyle>
+          <a:p>
+            <a:endParaRPr lang="pt-PT"/>
+          </a:p>
+        </p:txBody>
+      </p:sp>
+      <p:sp>
+        <p:nvSpPr>
+          <p:cNvPr id="7" name="Slide Number Placeholder 6"/>
+          <p:cNvSpPr>
+            <a:spLocks noGrp="1"/>
+          </p:cNvSpPr>
+          <p:nvPr>
+            <p:ph type="sldNum" sz="quarter" idx="5"/>
+          </p:nvPr>
+        </p:nvSpPr>
+        <p:spPr>
+          <a:xfrm>
+            <a:off x="3884613" y="8685213"/>
+            <a:ext cx="2971800" cy="458787"/>
+          </a:xfrm>
+          <a:prstGeom prst="rect">
+            <a:avLst/>
+          </a:prstGeom>
+        </p:spPr>
+        <p:txBody>
+          <a:bodyPr vert="horz" lIns="91440" tIns="45720" rIns="91440" bIns="45720" rtlCol="0" anchor="b"/>
+          <a:lstStyle>
+            <a:lvl1pPr algn="r">
+              <a:defRPr sz="1200"/>
+            </a:lvl1pPr>
+          </a:lstStyle>
+          <a:p>
+            <a:fld id="{1A41EC3C-5E62-44D9-A4CD-D519C726EBB2}" type="slidenum">
+              <a:rPr lang="pt-PT" smtClean="0"/>
+              <a:t>‹#›</a:t>
+            </a:fld>
+            <a:endParaRPr lang="pt-PT"/>
+          </a:p>
+        </p:txBody>
+      </p:sp>
+    </p:spTree>
+    <p:extLst>
+      <p:ext uri="{BB962C8B-B14F-4D97-AF65-F5344CB8AC3E}">
+        <p14:creationId xmlns:p14="http://schemas.microsoft.com/office/powerpoint/2010/main" val="3750267894"/>
+      </p:ext>
+    </p:extLst>
+  </p:cSld>
+  <p:clrMap bg1="lt1" tx1="dk1" bg2="lt2" tx2="dk2" accent1="accent1" accent2="accent2" accent3="accent3" accent4="accent4" accent5="accent5" accent6="accent6" hlink="hlink" folHlink="folHlink"/>
+  <p:notesStyle>
+    <a:lvl1pPr marL="0" algn="l" defTabSz="914400" rtl="0" eaLnBrk="1" latinLnBrk="0" hangingPunct="1">
+      <a:defRPr sz="1200" kern="1200">
+        <a:solidFill>
+          <a:schemeClr val="tx1"/>
+        </a:solidFill>
+        <a:latin typeface="+mn-lt"/>
+        <a:ea typeface="+mn-ea"/>
+        <a:cs typeface="+mn-cs"/>
+      </a:defRPr>
+    </a:lvl1pPr>
+    <a:lvl2pPr marL="457200" algn="l" defTabSz="914400" rtl="0" eaLnBrk="1" latinLnBrk="0" hangingPunct="1">
+      <a:defRPr sz="1200" kern="1200">
+        <a:solidFill>
+          <a:schemeClr val="tx1"/>
+        </a:solidFill>
+        <a:latin typeface="+mn-lt"/>
+        <a:ea typeface="+mn-ea"/>
+        <a:cs typeface="+mn-cs"/>
+      </a:defRPr>
+    </a:lvl2pPr>
+    <a:lvl3pPr marL="914400" algn="l" defTabSz="914400" rtl="0" eaLnBrk="1" latinLnBrk="0" hangingPunct="1">
+      <a:defRPr sz="1200" kern="1200">
+        <a:solidFill>
+          <a:schemeClr val="tx1"/>
+        </a:solidFill>
+        <a:latin typeface="+mn-lt"/>
+        <a:ea typeface="+mn-ea"/>
+        <a:cs typeface="+mn-cs"/>
+      </a:defRPr>
+    </a:lvl3pPr>
+    <a:lvl4pPr marL="1371600" algn="l" defTabSz="914400" rtl="0" eaLnBrk="1" latinLnBrk="0" hangingPunct="1">
+      <a:defRPr sz="1200" kern="1200">
+        <a:solidFill>
+          <a:schemeClr val="tx1"/>
+        </a:solidFill>
+        <a:latin typeface="+mn-lt"/>
+        <a:ea typeface="+mn-ea"/>
+        <a:cs typeface="+mn-cs"/>
+      </a:defRPr>
+    </a:lvl4pPr>
+    <a:lvl5pPr marL="1828800" algn="l" defTabSz="914400" rtl="0" eaLnBrk="1" latinLnBrk="0" hangingPunct="1">
+      <a:defRPr sz="1200" kern="1200">
+        <a:solidFill>
+          <a:schemeClr val="tx1"/>
+        </a:solidFill>
+        <a:latin typeface="+mn-lt"/>
+        <a:ea typeface="+mn-ea"/>
+        <a:cs typeface="+mn-cs"/>
+      </a:defRPr>
+    </a:lvl5pPr>
+    <a:lvl6pPr marL="2286000" algn="l" defTabSz="914400" rtl="0" eaLnBrk="1" latinLnBrk="0" hangingPunct="1">
+      <a:defRPr sz="1200" kern="1200">
+        <a:solidFill>
+          <a:schemeClr val="tx1"/>
+        </a:solidFill>
+        <a:latin typeface="+mn-lt"/>
+        <a:ea typeface="+mn-ea"/>
+        <a:cs typeface="+mn-cs"/>
+      </a:defRPr>
+    </a:lvl6pPr>
+    <a:lvl7pPr marL="2743200" algn="l" defTabSz="914400" rtl="0" eaLnBrk="1" latinLnBrk="0" hangingPunct="1">
+      <a:defRPr sz="1200" kern="1200">
+        <a:solidFill>
+          <a:schemeClr val="tx1"/>
+        </a:solidFill>
+        <a:latin typeface="+mn-lt"/>
+        <a:ea typeface="+mn-ea"/>
+        <a:cs typeface="+mn-cs"/>
+      </a:defRPr>
+    </a:lvl7pPr>
+    <a:lvl8pPr marL="3200400" algn="l" defTabSz="914400" rtl="0" eaLnBrk="1" latinLnBrk="0" hangingPunct="1">
+      <a:defRPr sz="1200" kern="1200">
+        <a:solidFill>
+          <a:schemeClr val="tx1"/>
+        </a:solidFill>
+        <a:latin typeface="+mn-lt"/>
+        <a:ea typeface="+mn-ea"/>
+        <a:cs typeface="+mn-cs"/>
+      </a:defRPr>
+    </a:lvl8pPr>
+    <a:lvl9pPr marL="3657600" algn="l" defTabSz="914400" rtl="0" eaLnBrk="1" latinLnBrk="0" hangingPunct="1">
+      <a:defRPr sz="1200" kern="1200">
+        <a:solidFill>
+          <a:schemeClr val="tx1"/>
+        </a:solidFill>
+        <a:latin typeface="+mn-lt"/>
+        <a:ea typeface="+mn-ea"/>
+        <a:cs typeface="+mn-cs"/>
+      </a:defRPr>
+    </a:lvl9pPr>
+  </p:notesStyle>
+</p:notesMaster>
+</file>
+
+<file path=ppt/notesSlides/notesSlide1.xml><?xml version="1.0" encoding="utf-8"?>
+<p:notes xmlns:a="http://schemas.openxmlformats.org/drawingml/2006/main" xmlns:r="http://schemas.openxmlformats.org/officeDocument/2006/relationships" xmlns:p="http://schemas.openxmlformats.org/presentationml/2006/main">
+  <p:cSld>
+    <p:spTree>
+      <p:nvGrpSpPr>
+        <p:cNvPr id="1" name=""/>
+        <p:cNvGrpSpPr/>
+        <p:nvPr/>
+      </p:nvGrpSpPr>
+      <p:grpSpPr>
+        <a:xfrm>
+          <a:off x="0" y="0"/>
+          <a:ext cx="0" cy="0"/>
+          <a:chOff x="0" y="0"/>
+          <a:chExt cx="0" cy="0"/>
+        </a:xfrm>
+      </p:grpSpPr>
+      <p:sp>
+        <p:nvSpPr>
+          <p:cNvPr id="2" name="Slide Image Placeholder 1"/>
+          <p:cNvSpPr>
+            <a:spLocks noGrp="1" noRot="1" noChangeAspect="1"/>
+          </p:cNvSpPr>
+          <p:nvPr>
+            <p:ph type="sldImg"/>
+          </p:nvPr>
+        </p:nvSpPr>
+        <p:spPr/>
+      </p:sp>
+      <p:sp>
+        <p:nvSpPr>
+          <p:cNvPr id="3" name="Notes Placeholder 2"/>
+          <p:cNvSpPr>
+            <a:spLocks noGrp="1"/>
+          </p:cNvSpPr>
+          <p:nvPr>
+            <p:ph type="body" idx="1"/>
+          </p:nvPr>
+        </p:nvSpPr>
+        <p:spPr/>
+        <p:txBody>
+          <a:bodyPr/>
+          <a:lstStyle/>
+          <a:p>
+            <a:r>
+              <a:rPr lang="en-US" dirty="0"/>
+              <a:t>-</a:t>
+            </a:r>
+            <a:r>
+              <a:rPr lang="en-US" dirty="0" err="1"/>
+              <a:t>Dizer</a:t>
+            </a:r>
+            <a:r>
+              <a:rPr lang="en-US" baseline="0" dirty="0"/>
+              <a:t> </a:t>
+            </a:r>
+            <a:r>
+              <a:rPr lang="en-US" baseline="0" dirty="0" err="1"/>
+              <a:t>bom</a:t>
+            </a:r>
+            <a:r>
+              <a:rPr lang="en-US" baseline="0" dirty="0"/>
+              <a:t> </a:t>
+            </a:r>
+            <a:r>
+              <a:rPr lang="en-US" baseline="0" dirty="0" err="1"/>
+              <a:t>dia</a:t>
+            </a:r>
+            <a:br>
+              <a:rPr lang="en-US" baseline="0" dirty="0"/>
+            </a:br>
+            <a:r>
+              <a:rPr lang="en-US" baseline="0" dirty="0"/>
+              <a:t>-</a:t>
+            </a:r>
+            <a:r>
+              <a:rPr lang="en-US" baseline="0" dirty="0" err="1"/>
+              <a:t>Sorrir</a:t>
+            </a:r>
+            <a:r>
+              <a:rPr lang="en-US" baseline="0" dirty="0"/>
+              <a:t>(</a:t>
+            </a:r>
+            <a:r>
+              <a:rPr lang="en-US" baseline="0" dirty="0" err="1"/>
+              <a:t>cinicamente</a:t>
+            </a:r>
+            <a:r>
+              <a:rPr lang="en-US" baseline="0" dirty="0"/>
+              <a:t> </a:t>
+            </a:r>
+            <a:r>
+              <a:rPr lang="en-US" baseline="0" dirty="0" err="1"/>
+              <a:t>claro</a:t>
+            </a:r>
+            <a:r>
+              <a:rPr lang="en-US" baseline="0" dirty="0"/>
+              <a:t> </a:t>
+            </a:r>
+            <a:r>
+              <a:rPr lang="en-US" baseline="0" dirty="0" err="1"/>
+              <a:t>xD</a:t>
+            </a:r>
+            <a:r>
+              <a:rPr lang="en-US" baseline="0" dirty="0"/>
+              <a:t> )</a:t>
+            </a:r>
+            <a:br>
+              <a:rPr lang="en-US" baseline="0" dirty="0"/>
+            </a:br>
+            <a:r>
+              <a:rPr lang="en-US" baseline="0" dirty="0"/>
+              <a:t>-</a:t>
+            </a:r>
+            <a:r>
+              <a:rPr lang="en-US" baseline="0" dirty="0" err="1"/>
+              <a:t>Respirar</a:t>
+            </a:r>
+            <a:endParaRPr lang="pt-PT" dirty="0"/>
+          </a:p>
+        </p:txBody>
+      </p:sp>
+      <p:sp>
+        <p:nvSpPr>
+          <p:cNvPr id="4" name="Slide Number Placeholder 3"/>
+          <p:cNvSpPr>
+            <a:spLocks noGrp="1"/>
+          </p:cNvSpPr>
+          <p:nvPr>
+            <p:ph type="sldNum" sz="quarter" idx="10"/>
+          </p:nvPr>
+        </p:nvSpPr>
+        <p:spPr/>
+        <p:txBody>
+          <a:bodyPr/>
+          <a:lstStyle/>
+          <a:p>
+            <a:fld id="{1A41EC3C-5E62-44D9-A4CD-D519C726EBB2}" type="slidenum">
+              <a:rPr lang="pt-PT" smtClean="0"/>
+              <a:t>1</a:t>
+            </a:fld>
+            <a:endParaRPr lang="pt-PT"/>
+          </a:p>
+        </p:txBody>
+      </p:sp>
+    </p:spTree>
+    <p:extLst>
+      <p:ext uri="{BB962C8B-B14F-4D97-AF65-F5344CB8AC3E}">
+        <p14:creationId xmlns:p14="http://schemas.microsoft.com/office/powerpoint/2010/main" val="1479043220"/>
+      </p:ext>
+    </p:extLst>
+  </p:cSld>
+  <p:clrMapOvr>
+    <a:masterClrMapping/>
+  </p:clrMapOvr>
+</p:notes>
+</file>
+
+<file path=ppt/notesSlides/notesSlide10.xml><?xml version="1.0" encoding="utf-8"?>
+<p:notes xmlns:a="http://schemas.openxmlformats.org/drawingml/2006/main" xmlns:r="http://schemas.openxmlformats.org/officeDocument/2006/relationships" xmlns:p="http://schemas.openxmlformats.org/presentationml/2006/main">
+  <p:cSld>
+    <p:spTree>
+      <p:nvGrpSpPr>
+        <p:cNvPr id="1" name=""/>
+        <p:cNvGrpSpPr/>
+        <p:nvPr/>
+      </p:nvGrpSpPr>
+      <p:grpSpPr>
+        <a:xfrm>
+          <a:off x="0" y="0"/>
+          <a:ext cx="0" cy="0"/>
+          <a:chOff x="0" y="0"/>
+          <a:chExt cx="0" cy="0"/>
+        </a:xfrm>
+      </p:grpSpPr>
+      <p:sp>
+        <p:nvSpPr>
+          <p:cNvPr id="2" name="Slide Image Placeholder 1"/>
+          <p:cNvSpPr>
+            <a:spLocks noGrp="1" noRot="1" noChangeAspect="1"/>
+          </p:cNvSpPr>
+          <p:nvPr>
+            <p:ph type="sldImg"/>
+          </p:nvPr>
+        </p:nvSpPr>
+        <p:spPr/>
+      </p:sp>
+      <p:sp>
+        <p:nvSpPr>
+          <p:cNvPr id="3" name="Notes Placeholder 2"/>
+          <p:cNvSpPr>
+            <a:spLocks noGrp="1"/>
+          </p:cNvSpPr>
+          <p:nvPr>
+            <p:ph type="body" idx="1"/>
+          </p:nvPr>
+        </p:nvSpPr>
+        <p:spPr/>
+        <p:txBody>
+          <a:bodyPr/>
+          <a:lstStyle/>
+          <a:p>
+            <a:r>
+              <a:rPr lang="en-US" dirty="0"/>
+              <a:t>A </a:t>
+            </a:r>
+            <a:r>
+              <a:rPr lang="en-US" dirty="0" err="1"/>
+              <a:t>motivação</a:t>
+            </a:r>
+            <a:r>
+              <a:rPr lang="en-US" baseline="0" dirty="0"/>
+              <a:t> </a:t>
+            </a:r>
+            <a:r>
+              <a:rPr lang="en-US" baseline="0" dirty="0" err="1"/>
+              <a:t>por</a:t>
+            </a:r>
+            <a:r>
+              <a:rPr lang="en-US" baseline="0" dirty="0"/>
+              <a:t> de </a:t>
+            </a:r>
+            <a:r>
+              <a:rPr lang="en-US" baseline="0" dirty="0" err="1"/>
+              <a:t>trás</a:t>
+            </a:r>
+            <a:r>
+              <a:rPr lang="en-US" baseline="0" dirty="0"/>
+              <a:t> da </a:t>
+            </a:r>
+            <a:r>
+              <a:rPr lang="en-US" baseline="0" dirty="0" err="1"/>
+              <a:t>adição</a:t>
+            </a:r>
+            <a:r>
+              <a:rPr lang="en-US" baseline="0" dirty="0"/>
+              <a:t> </a:t>
+            </a:r>
+            <a:r>
+              <a:rPr lang="en-US" baseline="0" dirty="0" err="1"/>
+              <a:t>desta</a:t>
+            </a:r>
+            <a:r>
+              <a:rPr lang="en-US" baseline="0" dirty="0"/>
+              <a:t> </a:t>
+            </a:r>
+            <a:r>
+              <a:rPr lang="en-US" baseline="0" dirty="0" err="1"/>
+              <a:t>extensão</a:t>
+            </a:r>
+            <a:r>
+              <a:rPr lang="en-US" baseline="0" dirty="0"/>
+              <a:t> </a:t>
+            </a:r>
+            <a:r>
+              <a:rPr lang="en-US" baseline="0" dirty="0" err="1"/>
+              <a:t>depara</a:t>
+            </a:r>
+            <a:r>
+              <a:rPr lang="en-US" baseline="0" dirty="0"/>
+              <a:t>-se com o facto das </a:t>
+            </a:r>
+            <a:r>
+              <a:rPr lang="en-US" baseline="0" dirty="0" err="1"/>
+              <a:t>operações</a:t>
+            </a:r>
+            <a:r>
+              <a:rPr lang="en-US" baseline="0" dirty="0"/>
+              <a:t> de </a:t>
+            </a:r>
+            <a:r>
+              <a:rPr lang="en-US" baseline="0" dirty="0" err="1"/>
+              <a:t>Autoboxing</a:t>
+            </a:r>
+            <a:r>
+              <a:rPr lang="en-US" baseline="0" dirty="0"/>
+              <a:t> </a:t>
+            </a:r>
+            <a:r>
+              <a:rPr lang="en-US" baseline="0" dirty="0" err="1"/>
+              <a:t>serem</a:t>
+            </a:r>
+            <a:r>
+              <a:rPr lang="en-US" baseline="0" dirty="0"/>
+              <a:t> </a:t>
+            </a:r>
+            <a:r>
+              <a:rPr lang="en-US" baseline="0" dirty="0" err="1"/>
+              <a:t>relativamente</a:t>
+            </a:r>
+            <a:r>
+              <a:rPr lang="en-US" baseline="0" dirty="0"/>
+              <a:t> </a:t>
+            </a:r>
+            <a:r>
+              <a:rPr lang="en-US" baseline="0" dirty="0" err="1"/>
+              <a:t>mais</a:t>
+            </a:r>
+            <a:r>
+              <a:rPr lang="en-US" baseline="0" dirty="0"/>
+              <a:t> </a:t>
+            </a:r>
+            <a:r>
+              <a:rPr lang="en-US" baseline="0" dirty="0" err="1"/>
+              <a:t>lentas</a:t>
+            </a:r>
+            <a:r>
+              <a:rPr lang="en-US" baseline="0" dirty="0"/>
+              <a:t> que as </a:t>
+            </a:r>
+            <a:r>
+              <a:rPr lang="en-US" baseline="0" dirty="0" err="1"/>
+              <a:t>chamadas</a:t>
+            </a:r>
+            <a:r>
+              <a:rPr lang="en-US" baseline="0" dirty="0"/>
+              <a:t> </a:t>
+            </a:r>
+            <a:r>
+              <a:rPr lang="en-US" baseline="0" dirty="0" err="1"/>
+              <a:t>aos</a:t>
+            </a:r>
+            <a:r>
+              <a:rPr lang="en-US" baseline="0" dirty="0"/>
+              <a:t> </a:t>
+            </a:r>
+            <a:r>
+              <a:rPr lang="en-US" baseline="0" dirty="0" err="1"/>
+              <a:t>metodos</a:t>
+            </a:r>
+            <a:r>
+              <a:rPr lang="en-US" baseline="0" dirty="0"/>
+              <a:t> new de </a:t>
+            </a:r>
+            <a:r>
+              <a:rPr lang="en-US" baseline="0" dirty="0" err="1"/>
+              <a:t>cada</a:t>
+            </a:r>
+            <a:r>
+              <a:rPr lang="en-US" baseline="0" dirty="0"/>
+              <a:t> </a:t>
+            </a:r>
+            <a:r>
+              <a:rPr lang="en-US" baseline="0" dirty="0" err="1"/>
+              <a:t>objeto</a:t>
+            </a:r>
+            <a:endParaRPr lang="en-US" baseline="0" dirty="0"/>
+          </a:p>
+          <a:p>
+            <a:endParaRPr lang="en-US" baseline="0" dirty="0"/>
+          </a:p>
+          <a:p>
+            <a:r>
+              <a:rPr lang="en-US" baseline="0" dirty="0"/>
+              <a:t>A </a:t>
+            </a:r>
+            <a:r>
+              <a:rPr lang="en-US" baseline="0" dirty="0" err="1"/>
+              <a:t>razão</a:t>
+            </a:r>
+            <a:r>
+              <a:rPr lang="en-US" baseline="0" dirty="0"/>
+              <a:t> para </a:t>
+            </a:r>
+            <a:r>
+              <a:rPr lang="en-US" baseline="0" dirty="0" err="1"/>
+              <a:t>tal</a:t>
+            </a:r>
+            <a:r>
+              <a:rPr lang="en-US" baseline="0" dirty="0"/>
+              <a:t> </a:t>
+            </a:r>
+            <a:r>
+              <a:rPr lang="en-US" baseline="0" dirty="0" err="1"/>
+              <a:t>advem</a:t>
+            </a:r>
+            <a:r>
+              <a:rPr lang="en-US" baseline="0" dirty="0"/>
+              <a:t> de o </a:t>
+            </a:r>
+            <a:r>
+              <a:rPr lang="en-US" baseline="0" dirty="0" err="1"/>
+              <a:t>Autoboxing</a:t>
+            </a:r>
+            <a:r>
+              <a:rPr lang="en-US" baseline="0" dirty="0"/>
+              <a:t> guarder </a:t>
+            </a:r>
+            <a:r>
+              <a:rPr lang="en-US" baseline="0" dirty="0" err="1"/>
+              <a:t>em</a:t>
+            </a:r>
+            <a:r>
+              <a:rPr lang="en-US" baseline="0" dirty="0"/>
+              <a:t> cache </a:t>
+            </a:r>
+            <a:r>
+              <a:rPr lang="en-US" baseline="0" dirty="0" err="1"/>
+              <a:t>objectos</a:t>
+            </a:r>
+            <a:r>
+              <a:rPr lang="en-US" baseline="0" dirty="0"/>
+              <a:t> do </a:t>
+            </a:r>
+            <a:r>
+              <a:rPr lang="en-US" baseline="0" dirty="0" err="1"/>
+              <a:t>tipo</a:t>
+            </a:r>
+            <a:r>
+              <a:rPr lang="en-US" baseline="0" dirty="0"/>
+              <a:t> </a:t>
+            </a:r>
+            <a:r>
+              <a:rPr lang="en-US" baseline="0" dirty="0" err="1"/>
+              <a:t>referencia</a:t>
+            </a:r>
+            <a:r>
+              <a:rPr lang="en-US" baseline="0" dirty="0"/>
+              <a:t> e </a:t>
+            </a:r>
+            <a:r>
+              <a:rPr lang="en-US" baseline="0" dirty="0" err="1"/>
+              <a:t>usar</a:t>
+            </a:r>
+            <a:r>
+              <a:rPr lang="en-US" baseline="0" dirty="0"/>
+              <a:t> </a:t>
+            </a:r>
+            <a:r>
+              <a:rPr lang="en-US" baseline="0" dirty="0" err="1"/>
+              <a:t>estes</a:t>
+            </a:r>
+            <a:r>
+              <a:rPr lang="en-US" baseline="0" dirty="0"/>
+              <a:t> </a:t>
+            </a:r>
+            <a:r>
+              <a:rPr lang="en-US" baseline="0" dirty="0" err="1"/>
+              <a:t>objectos</a:t>
+            </a:r>
+            <a:r>
+              <a:rPr lang="en-US" baseline="0" dirty="0"/>
+              <a:t> para </a:t>
+            </a:r>
+            <a:r>
+              <a:rPr lang="en-US" baseline="0" dirty="0" err="1"/>
+              <a:t>evitar</a:t>
+            </a:r>
+            <a:r>
+              <a:rPr lang="en-US" baseline="0" dirty="0"/>
+              <a:t> </a:t>
+            </a:r>
+            <a:r>
+              <a:rPr lang="en-US" baseline="0" dirty="0" err="1"/>
+              <a:t>estar</a:t>
+            </a:r>
+            <a:r>
+              <a:rPr lang="en-US" baseline="0" dirty="0"/>
+              <a:t> </a:t>
+            </a:r>
+            <a:r>
+              <a:rPr lang="en-US" baseline="0" dirty="0" err="1"/>
+              <a:t>sempre</a:t>
+            </a:r>
+            <a:r>
+              <a:rPr lang="en-US" baseline="0" dirty="0"/>
+              <a:t> a </a:t>
+            </a:r>
+            <a:r>
+              <a:rPr lang="en-US" baseline="0" dirty="0" err="1"/>
+              <a:t>instanciar</a:t>
+            </a:r>
+            <a:r>
+              <a:rPr lang="en-US" baseline="0" dirty="0"/>
+              <a:t> um novo </a:t>
+            </a:r>
+            <a:r>
+              <a:rPr lang="en-US" baseline="0" dirty="0" err="1"/>
+              <a:t>Objecto</a:t>
+            </a:r>
+            <a:endParaRPr lang="en-US" baseline="0" dirty="0"/>
+          </a:p>
+          <a:p>
+            <a:endParaRPr lang="en-US" baseline="0" dirty="0"/>
+          </a:p>
+          <a:p>
+            <a:r>
+              <a:rPr lang="en-US" baseline="0" dirty="0" err="1"/>
+              <a:t>Apesar</a:t>
+            </a:r>
+            <a:r>
+              <a:rPr lang="en-US" baseline="0" dirty="0"/>
+              <a:t> da </a:t>
+            </a:r>
+            <a:r>
+              <a:rPr lang="en-US" baseline="0" dirty="0" err="1"/>
+              <a:t>criação</a:t>
+            </a:r>
+            <a:r>
+              <a:rPr lang="en-US" baseline="0" dirty="0"/>
+              <a:t> de um </a:t>
+            </a:r>
+            <a:r>
+              <a:rPr lang="en-US" baseline="0" dirty="0" err="1"/>
+              <a:t>objecto</a:t>
+            </a:r>
+            <a:r>
+              <a:rPr lang="en-US" baseline="0" dirty="0"/>
+              <a:t> </a:t>
+            </a:r>
+            <a:r>
+              <a:rPr lang="en-US" baseline="0" dirty="0" err="1"/>
+              <a:t>ser</a:t>
+            </a:r>
+            <a:r>
+              <a:rPr lang="en-US" baseline="0" dirty="0"/>
+              <a:t> </a:t>
+            </a:r>
+            <a:r>
+              <a:rPr lang="en-US" baseline="0" dirty="0" err="1"/>
+              <a:t>mais</a:t>
+            </a:r>
+            <a:r>
+              <a:rPr lang="en-US" baseline="0" dirty="0"/>
+              <a:t> </a:t>
+            </a:r>
+            <a:r>
+              <a:rPr lang="en-US" baseline="0" dirty="0" err="1"/>
+              <a:t>rapida</a:t>
+            </a:r>
+            <a:r>
+              <a:rPr lang="en-US" baseline="0" dirty="0"/>
+              <a:t> que o </a:t>
+            </a:r>
+            <a:r>
+              <a:rPr lang="en-US" baseline="0" dirty="0" err="1"/>
+              <a:t>autoboixng</a:t>
+            </a:r>
+            <a:r>
+              <a:rPr lang="en-US" baseline="0" dirty="0"/>
+              <a:t> </a:t>
+            </a:r>
+            <a:r>
+              <a:rPr lang="en-US" baseline="0" dirty="0" err="1"/>
+              <a:t>esta</a:t>
+            </a:r>
+            <a:r>
+              <a:rPr lang="en-US" baseline="0" dirty="0"/>
+              <a:t> </a:t>
+            </a:r>
+            <a:r>
+              <a:rPr lang="en-US" baseline="0" dirty="0" err="1"/>
+              <a:t>utiliza</a:t>
+            </a:r>
+            <a:r>
+              <a:rPr lang="en-US" baseline="0" dirty="0"/>
+              <a:t> </a:t>
+            </a:r>
+            <a:r>
+              <a:rPr lang="en-US" baseline="0" dirty="0" err="1"/>
+              <a:t>mais</a:t>
+            </a:r>
+            <a:r>
+              <a:rPr lang="en-US" baseline="0" dirty="0"/>
+              <a:t> </a:t>
+            </a:r>
+            <a:r>
+              <a:rPr lang="en-US" baseline="0" dirty="0" err="1"/>
+              <a:t>memória</a:t>
+            </a:r>
+            <a:r>
+              <a:rPr lang="en-US" baseline="0" dirty="0"/>
+              <a:t> mas </a:t>
+            </a:r>
+            <a:r>
+              <a:rPr lang="en-US" baseline="0" dirty="0" err="1"/>
+              <a:t>visto</a:t>
+            </a:r>
+            <a:r>
+              <a:rPr lang="en-US" baseline="0" dirty="0"/>
+              <a:t> que o Garbage Collector </a:t>
+            </a:r>
+            <a:r>
+              <a:rPr lang="en-US" baseline="0" dirty="0" err="1"/>
+              <a:t>permite</a:t>
+            </a:r>
+            <a:r>
+              <a:rPr lang="en-US" baseline="0" dirty="0"/>
+              <a:t> </a:t>
+            </a:r>
+            <a:r>
+              <a:rPr lang="en-US" baseline="0" dirty="0" err="1"/>
+              <a:t>uma</a:t>
+            </a:r>
+            <a:r>
+              <a:rPr lang="en-US" baseline="0" dirty="0"/>
+              <a:t> </a:t>
+            </a:r>
+            <a:r>
+              <a:rPr lang="en-US" baseline="0" dirty="0" err="1"/>
+              <a:t>gestão</a:t>
+            </a:r>
+            <a:r>
+              <a:rPr lang="en-US" baseline="0" dirty="0"/>
+              <a:t> </a:t>
+            </a:r>
+            <a:r>
+              <a:rPr lang="en-US" baseline="0" dirty="0" err="1"/>
+              <a:t>bastante</a:t>
+            </a:r>
+            <a:r>
+              <a:rPr lang="en-US" baseline="0" dirty="0"/>
+              <a:t> boa da </a:t>
+            </a:r>
+            <a:r>
+              <a:rPr lang="en-US" baseline="0" dirty="0" err="1"/>
+              <a:t>memória</a:t>
+            </a:r>
+            <a:r>
+              <a:rPr lang="en-US" baseline="0" dirty="0"/>
+              <a:t> </a:t>
+            </a:r>
+            <a:r>
+              <a:rPr lang="en-US" baseline="0" dirty="0" err="1"/>
+              <a:t>este</a:t>
+            </a:r>
+            <a:r>
+              <a:rPr lang="en-US" baseline="0" dirty="0"/>
+              <a:t> é um </a:t>
+            </a:r>
+            <a:r>
+              <a:rPr lang="en-US" baseline="0" dirty="0" err="1"/>
+              <a:t>problema</a:t>
+            </a:r>
+            <a:r>
+              <a:rPr lang="en-US" baseline="0" dirty="0"/>
+              <a:t> que </a:t>
+            </a:r>
+            <a:r>
+              <a:rPr lang="en-US" baseline="0" dirty="0" err="1"/>
+              <a:t>não</a:t>
+            </a:r>
+            <a:r>
+              <a:rPr lang="en-US" baseline="0" dirty="0"/>
+              <a:t> </a:t>
+            </a:r>
+            <a:r>
+              <a:rPr lang="en-US" baseline="0" dirty="0" err="1"/>
+              <a:t>influencia</a:t>
+            </a:r>
+            <a:r>
+              <a:rPr lang="en-US" baseline="0" dirty="0"/>
+              <a:t> </a:t>
+            </a:r>
+            <a:r>
+              <a:rPr lang="en-US" baseline="0" dirty="0" err="1"/>
+              <a:t>em</a:t>
+            </a:r>
+            <a:r>
+              <a:rPr lang="en-US" baseline="0" dirty="0"/>
+              <a:t> </a:t>
+            </a:r>
+            <a:r>
+              <a:rPr lang="en-US" baseline="0" dirty="0" err="1"/>
+              <a:t>grande</a:t>
+            </a:r>
+            <a:r>
+              <a:rPr lang="en-US" baseline="0" dirty="0"/>
+              <a:t> </a:t>
+            </a:r>
+            <a:r>
+              <a:rPr lang="en-US" baseline="0" dirty="0" err="1"/>
+              <a:t>medida</a:t>
+            </a:r>
+            <a:r>
+              <a:rPr lang="en-US" baseline="0" dirty="0"/>
+              <a:t> </a:t>
+            </a:r>
+            <a:r>
+              <a:rPr lang="en-US" baseline="0" dirty="0" err="1"/>
+              <a:t>esta</a:t>
+            </a:r>
+            <a:r>
+              <a:rPr lang="en-US" baseline="0" dirty="0"/>
+              <a:t> </a:t>
+            </a:r>
+            <a:r>
+              <a:rPr lang="en-US" baseline="0" dirty="0" err="1"/>
+              <a:t>solução</a:t>
+            </a:r>
+            <a:r>
+              <a:rPr lang="en-US" baseline="0" dirty="0"/>
+              <a:t>.</a:t>
+            </a:r>
+            <a:endParaRPr lang="pt-PT" dirty="0"/>
+          </a:p>
+        </p:txBody>
+      </p:sp>
+      <p:sp>
+        <p:nvSpPr>
+          <p:cNvPr id="4" name="Slide Number Placeholder 3"/>
+          <p:cNvSpPr>
+            <a:spLocks noGrp="1"/>
+          </p:cNvSpPr>
+          <p:nvPr>
+            <p:ph type="sldNum" sz="quarter" idx="10"/>
+          </p:nvPr>
+        </p:nvSpPr>
+        <p:spPr/>
+        <p:txBody>
+          <a:bodyPr/>
+          <a:lstStyle/>
+          <a:p>
+            <a:fld id="{1A41EC3C-5E62-44D9-A4CD-D519C726EBB2}" type="slidenum">
+              <a:rPr lang="pt-PT" smtClean="0"/>
+              <a:t>10</a:t>
+            </a:fld>
+            <a:endParaRPr lang="pt-PT"/>
+          </a:p>
+        </p:txBody>
+      </p:sp>
+    </p:spTree>
+    <p:extLst>
+      <p:ext uri="{BB962C8B-B14F-4D97-AF65-F5344CB8AC3E}">
+        <p14:creationId xmlns:p14="http://schemas.microsoft.com/office/powerpoint/2010/main" val="3745048474"/>
+      </p:ext>
+    </p:extLst>
+  </p:cSld>
+  <p:clrMapOvr>
+    <a:masterClrMapping/>
+  </p:clrMapOvr>
+</p:notes>
+</file>
+
+<file path=ppt/notesSlides/notesSlide11.xml><?xml version="1.0" encoding="utf-8"?>
+<p:notes xmlns:a="http://schemas.openxmlformats.org/drawingml/2006/main" xmlns:r="http://schemas.openxmlformats.org/officeDocument/2006/relationships" xmlns:p="http://schemas.openxmlformats.org/presentationml/2006/main">
+  <p:cSld>
+    <p:spTree>
+      <p:nvGrpSpPr>
+        <p:cNvPr id="1" name=""/>
+        <p:cNvGrpSpPr/>
+        <p:nvPr/>
+      </p:nvGrpSpPr>
+      <p:grpSpPr>
+        <a:xfrm>
+          <a:off x="0" y="0"/>
+          <a:ext cx="0" cy="0"/>
+          <a:chOff x="0" y="0"/>
+          <a:chExt cx="0" cy="0"/>
+        </a:xfrm>
+      </p:grpSpPr>
+      <p:sp>
+        <p:nvSpPr>
+          <p:cNvPr id="2" name="Slide Image Placeholder 1"/>
+          <p:cNvSpPr>
+            <a:spLocks noGrp="1" noRot="1" noChangeAspect="1"/>
+          </p:cNvSpPr>
+          <p:nvPr>
+            <p:ph type="sldImg"/>
+          </p:nvPr>
+        </p:nvSpPr>
+        <p:spPr/>
+      </p:sp>
+      <p:sp>
+        <p:nvSpPr>
+          <p:cNvPr id="3" name="Notes Placeholder 2"/>
+          <p:cNvSpPr>
+            <a:spLocks noGrp="1"/>
+          </p:cNvSpPr>
+          <p:nvPr>
+            <p:ph type="body" idx="1"/>
+          </p:nvPr>
+        </p:nvSpPr>
+        <p:spPr/>
+        <p:txBody>
+          <a:bodyPr/>
+          <a:lstStyle/>
+          <a:p>
+            <a:r>
+              <a:rPr lang="en-US" dirty="0"/>
+              <a:t>Como </a:t>
+            </a:r>
+            <a:r>
+              <a:rPr lang="en-US" dirty="0" err="1"/>
+              <a:t>tal</a:t>
+            </a:r>
+            <a:r>
+              <a:rPr lang="en-US" dirty="0"/>
+              <a:t> a </a:t>
+            </a:r>
+            <a:r>
+              <a:rPr lang="en-US" dirty="0" err="1"/>
+              <a:t>nossa</a:t>
+            </a:r>
+            <a:r>
+              <a:rPr lang="en-US" dirty="0"/>
+              <a:t> </a:t>
+            </a:r>
+            <a:r>
+              <a:rPr lang="en-US" dirty="0" err="1"/>
+              <a:t>solução</a:t>
+            </a:r>
+            <a:r>
+              <a:rPr lang="en-US" baseline="0" dirty="0"/>
+              <a:t> </a:t>
+            </a:r>
+            <a:r>
+              <a:rPr lang="en-US" baseline="0" dirty="0" err="1"/>
+              <a:t>consistiu</a:t>
+            </a:r>
+            <a:r>
+              <a:rPr lang="en-US" baseline="0" dirty="0"/>
+              <a:t> </a:t>
+            </a:r>
+            <a:r>
+              <a:rPr lang="en-US" baseline="0" dirty="0" err="1"/>
+              <a:t>em</a:t>
+            </a:r>
+            <a:r>
+              <a:rPr lang="en-US" baseline="0" dirty="0"/>
+              <a:t> para </a:t>
+            </a:r>
+            <a:r>
+              <a:rPr lang="en-US" baseline="0" dirty="0" err="1"/>
+              <a:t>alem</a:t>
+            </a:r>
+            <a:r>
+              <a:rPr lang="en-US" baseline="0" dirty="0"/>
+              <a:t> de </a:t>
+            </a:r>
+            <a:r>
+              <a:rPr lang="en-US" baseline="0" dirty="0" err="1"/>
+              <a:t>detectarmos</a:t>
+            </a:r>
+            <a:r>
+              <a:rPr lang="en-US" baseline="0" dirty="0"/>
+              <a:t> as </a:t>
+            </a:r>
+            <a:r>
+              <a:rPr lang="en-US" baseline="0" dirty="0" err="1"/>
+              <a:t>operações</a:t>
+            </a:r>
+            <a:r>
+              <a:rPr lang="en-US" baseline="0" dirty="0"/>
+              <a:t> de </a:t>
+            </a:r>
+            <a:r>
+              <a:rPr lang="en-US" baseline="0" dirty="0" err="1"/>
+              <a:t>Autoboxing</a:t>
+            </a:r>
+            <a:r>
+              <a:rPr lang="en-US" baseline="0" dirty="0"/>
+              <a:t> , </a:t>
+            </a:r>
+            <a:r>
+              <a:rPr lang="en-US" baseline="0" dirty="0" err="1"/>
+              <a:t>substituimos</a:t>
+            </a:r>
+            <a:r>
+              <a:rPr lang="en-US" baseline="0" dirty="0"/>
+              <a:t> </a:t>
+            </a:r>
+            <a:r>
+              <a:rPr lang="en-US" baseline="0" dirty="0" err="1"/>
+              <a:t>estas</a:t>
+            </a:r>
+            <a:r>
+              <a:rPr lang="en-US" baseline="0" dirty="0"/>
+              <a:t> pela </a:t>
+            </a:r>
+            <a:r>
+              <a:rPr lang="en-US" baseline="0" dirty="0" err="1"/>
+              <a:t>chamada</a:t>
+            </a:r>
+            <a:r>
+              <a:rPr lang="en-US" baseline="0" dirty="0"/>
+              <a:t> respective </a:t>
+            </a:r>
+            <a:r>
+              <a:rPr lang="en-US" baseline="0" dirty="0" err="1"/>
+              <a:t>ao</a:t>
+            </a:r>
+            <a:r>
+              <a:rPr lang="en-US" baseline="0" dirty="0"/>
+              <a:t> </a:t>
+            </a:r>
+            <a:r>
+              <a:rPr lang="en-US" baseline="0" dirty="0" err="1"/>
+              <a:t>metodo</a:t>
+            </a:r>
+            <a:r>
+              <a:rPr lang="en-US" baseline="0" dirty="0"/>
+              <a:t> new de </a:t>
+            </a:r>
+            <a:r>
+              <a:rPr lang="en-US" baseline="0" dirty="0" err="1"/>
+              <a:t>cada</a:t>
+            </a:r>
+            <a:r>
+              <a:rPr lang="en-US" baseline="0" dirty="0"/>
+              <a:t> </a:t>
+            </a:r>
+            <a:r>
+              <a:rPr lang="en-US" baseline="0" dirty="0" err="1"/>
+              <a:t>tipo</a:t>
+            </a:r>
+            <a:r>
+              <a:rPr lang="en-US" baseline="0" dirty="0"/>
+              <a:t> </a:t>
+            </a:r>
+            <a:r>
+              <a:rPr lang="en-US" baseline="0" dirty="0" err="1"/>
+              <a:t>referencia</a:t>
+            </a:r>
+            <a:r>
+              <a:rPr lang="en-US" baseline="0" dirty="0"/>
+              <a:t> </a:t>
+            </a:r>
+            <a:r>
+              <a:rPr lang="en-US" baseline="0" dirty="0" err="1"/>
+              <a:t>sem</a:t>
+            </a:r>
+            <a:r>
+              <a:rPr lang="en-US" baseline="0" dirty="0"/>
+              <a:t> </a:t>
+            </a:r>
+            <a:r>
+              <a:rPr lang="en-US" baseline="0" dirty="0" err="1"/>
+              <a:t>alterar</a:t>
+            </a:r>
+            <a:r>
+              <a:rPr lang="en-US" baseline="0" dirty="0"/>
+              <a:t> o </a:t>
+            </a:r>
+            <a:r>
+              <a:rPr lang="en-US" baseline="0" dirty="0" err="1"/>
+              <a:t>funcionamento</a:t>
+            </a:r>
+            <a:r>
+              <a:rPr lang="en-US" baseline="0" dirty="0"/>
+              <a:t> </a:t>
+            </a:r>
+            <a:r>
+              <a:rPr lang="en-US" baseline="0" dirty="0" err="1"/>
+              <a:t>esperado</a:t>
+            </a:r>
+            <a:r>
+              <a:rPr lang="en-US" baseline="0" dirty="0"/>
+              <a:t> do </a:t>
+            </a:r>
+            <a:r>
+              <a:rPr lang="en-US" baseline="0" dirty="0" err="1"/>
+              <a:t>programa</a:t>
+            </a:r>
+            <a:r>
+              <a:rPr lang="en-US" baseline="0" dirty="0"/>
+              <a:t>.</a:t>
+            </a:r>
+            <a:endParaRPr lang="pt-PT" dirty="0"/>
+          </a:p>
+        </p:txBody>
+      </p:sp>
+      <p:sp>
+        <p:nvSpPr>
+          <p:cNvPr id="4" name="Slide Number Placeholder 3"/>
+          <p:cNvSpPr>
+            <a:spLocks noGrp="1"/>
+          </p:cNvSpPr>
+          <p:nvPr>
+            <p:ph type="sldNum" sz="quarter" idx="10"/>
+          </p:nvPr>
+        </p:nvSpPr>
+        <p:spPr/>
+        <p:txBody>
+          <a:bodyPr/>
+          <a:lstStyle/>
+          <a:p>
+            <a:fld id="{1A41EC3C-5E62-44D9-A4CD-D519C726EBB2}" type="slidenum">
+              <a:rPr lang="pt-PT" smtClean="0"/>
+              <a:t>11</a:t>
+            </a:fld>
+            <a:endParaRPr lang="pt-PT"/>
+          </a:p>
+        </p:txBody>
+      </p:sp>
+    </p:spTree>
+    <p:extLst>
+      <p:ext uri="{BB962C8B-B14F-4D97-AF65-F5344CB8AC3E}">
+        <p14:creationId xmlns:p14="http://schemas.microsoft.com/office/powerpoint/2010/main" val="1615938600"/>
+      </p:ext>
+    </p:extLst>
+  </p:cSld>
+  <p:clrMapOvr>
+    <a:masterClrMapping/>
+  </p:clrMapOvr>
+</p:notes>
+</file>
+
+<file path=ppt/notesSlides/notesSlide12.xml><?xml version="1.0" encoding="utf-8"?>
+<p:notes xmlns:a="http://schemas.openxmlformats.org/drawingml/2006/main" xmlns:r="http://schemas.openxmlformats.org/officeDocument/2006/relationships" xmlns:p="http://schemas.openxmlformats.org/presentationml/2006/main">
+  <p:cSld>
+    <p:spTree>
+      <p:nvGrpSpPr>
+        <p:cNvPr id="1" name=""/>
+        <p:cNvGrpSpPr/>
+        <p:nvPr/>
+      </p:nvGrpSpPr>
+      <p:grpSpPr>
+        <a:xfrm>
+          <a:off x="0" y="0"/>
+          <a:ext cx="0" cy="0"/>
+          <a:chOff x="0" y="0"/>
+          <a:chExt cx="0" cy="0"/>
+        </a:xfrm>
+      </p:grpSpPr>
+      <p:sp>
+        <p:nvSpPr>
+          <p:cNvPr id="2" name="Slide Image Placeholder 1"/>
+          <p:cNvSpPr>
+            <a:spLocks noGrp="1" noRot="1" noChangeAspect="1"/>
+          </p:cNvSpPr>
+          <p:nvPr>
+            <p:ph type="sldImg"/>
+          </p:nvPr>
+        </p:nvSpPr>
+        <p:spPr/>
+      </p:sp>
+      <p:sp>
+        <p:nvSpPr>
+          <p:cNvPr id="3" name="Notes Placeholder 2"/>
+          <p:cNvSpPr>
+            <a:spLocks noGrp="1"/>
+          </p:cNvSpPr>
+          <p:nvPr>
+            <p:ph type="body" idx="1"/>
+          </p:nvPr>
+        </p:nvSpPr>
+        <p:spPr/>
+        <p:txBody>
+          <a:bodyPr/>
+          <a:lstStyle/>
+          <a:p>
+            <a:r>
+              <a:rPr lang="en-US" dirty="0" err="1"/>
+              <a:t>Calculamos</a:t>
+            </a:r>
+            <a:r>
+              <a:rPr lang="en-US" baseline="0" dirty="0"/>
+              <a:t> </a:t>
+            </a:r>
+            <a:r>
+              <a:rPr lang="en-US" baseline="0" dirty="0" err="1"/>
+              <a:t>os</a:t>
+            </a:r>
+            <a:r>
+              <a:rPr lang="en-US" baseline="0" dirty="0"/>
+              <a:t> tempos de </a:t>
+            </a:r>
+            <a:r>
+              <a:rPr lang="en-US" baseline="0" dirty="0" err="1"/>
+              <a:t>execução</a:t>
+            </a:r>
+            <a:r>
+              <a:rPr lang="en-US" baseline="0" dirty="0"/>
+              <a:t> da </a:t>
+            </a:r>
+            <a:r>
+              <a:rPr lang="en-US" baseline="0" dirty="0" err="1"/>
+              <a:t>versão</a:t>
+            </a:r>
+            <a:r>
+              <a:rPr lang="en-US" baseline="0" dirty="0"/>
+              <a:t> com e </a:t>
+            </a:r>
+            <a:r>
+              <a:rPr lang="en-US" baseline="0" dirty="0" err="1"/>
+              <a:t>sem</a:t>
+            </a:r>
+            <a:r>
+              <a:rPr lang="en-US" baseline="0" dirty="0"/>
+              <a:t> </a:t>
+            </a:r>
+            <a:r>
+              <a:rPr lang="en-US" baseline="0" dirty="0" err="1"/>
+              <a:t>extensões</a:t>
+            </a:r>
+            <a:r>
+              <a:rPr lang="en-US" baseline="0" dirty="0"/>
+              <a:t> de forma a </a:t>
+            </a:r>
+            <a:r>
+              <a:rPr lang="en-US" baseline="0" dirty="0" err="1"/>
+              <a:t>comprovarmos</a:t>
+            </a:r>
+            <a:r>
+              <a:rPr lang="en-US" baseline="0" dirty="0"/>
+              <a:t> se a </a:t>
+            </a:r>
+            <a:r>
+              <a:rPr lang="en-US" baseline="0" dirty="0" err="1"/>
+              <a:t>nossa</a:t>
+            </a:r>
+            <a:r>
+              <a:rPr lang="en-US" baseline="0" dirty="0"/>
+              <a:t> </a:t>
+            </a:r>
+            <a:r>
+              <a:rPr lang="en-US" baseline="0" dirty="0" err="1"/>
+              <a:t>extensão</a:t>
+            </a:r>
+            <a:r>
+              <a:rPr lang="en-US" baseline="0" dirty="0"/>
+              <a:t> </a:t>
+            </a:r>
+            <a:r>
+              <a:rPr lang="en-US" baseline="0" dirty="0" err="1"/>
+              <a:t>obteve</a:t>
+            </a:r>
+            <a:r>
+              <a:rPr lang="en-US" baseline="0" dirty="0"/>
+              <a:t> </a:t>
+            </a:r>
+            <a:r>
+              <a:rPr lang="en-US" baseline="0" dirty="0" err="1"/>
+              <a:t>resultados</a:t>
+            </a:r>
+            <a:r>
+              <a:rPr lang="en-US" baseline="0" dirty="0"/>
+              <a:t> </a:t>
+            </a:r>
+            <a:r>
+              <a:rPr lang="en-US" baseline="0" dirty="0" err="1"/>
+              <a:t>positivos</a:t>
+            </a:r>
+            <a:endParaRPr lang="pt-PT" dirty="0"/>
+          </a:p>
+        </p:txBody>
+      </p:sp>
+      <p:sp>
+        <p:nvSpPr>
+          <p:cNvPr id="4" name="Slide Number Placeholder 3"/>
+          <p:cNvSpPr>
+            <a:spLocks noGrp="1"/>
+          </p:cNvSpPr>
+          <p:nvPr>
+            <p:ph type="sldNum" sz="quarter" idx="10"/>
+          </p:nvPr>
+        </p:nvSpPr>
+        <p:spPr/>
+        <p:txBody>
+          <a:bodyPr/>
+          <a:lstStyle/>
+          <a:p>
+            <a:fld id="{1A41EC3C-5E62-44D9-A4CD-D519C726EBB2}" type="slidenum">
+              <a:rPr lang="pt-PT" smtClean="0"/>
+              <a:t>12</a:t>
+            </a:fld>
+            <a:endParaRPr lang="pt-PT"/>
+          </a:p>
+        </p:txBody>
+      </p:sp>
+    </p:spTree>
+    <p:extLst>
+      <p:ext uri="{BB962C8B-B14F-4D97-AF65-F5344CB8AC3E}">
+        <p14:creationId xmlns:p14="http://schemas.microsoft.com/office/powerpoint/2010/main" val="269671079"/>
+      </p:ext>
+    </p:extLst>
+  </p:cSld>
+  <p:clrMapOvr>
+    <a:masterClrMapping/>
+  </p:clrMapOvr>
+</p:notes>
+</file>
+
+<file path=ppt/notesSlides/notesSlide13.xml><?xml version="1.0" encoding="utf-8"?>
+<p:notes xmlns:a="http://schemas.openxmlformats.org/drawingml/2006/main" xmlns:r="http://schemas.openxmlformats.org/officeDocument/2006/relationships" xmlns:p="http://schemas.openxmlformats.org/presentationml/2006/main">
+  <p:cSld>
+    <p:spTree>
+      <p:nvGrpSpPr>
+        <p:cNvPr id="1" name=""/>
+        <p:cNvGrpSpPr/>
+        <p:nvPr/>
+      </p:nvGrpSpPr>
+      <p:grpSpPr>
+        <a:xfrm>
+          <a:off x="0" y="0"/>
+          <a:ext cx="0" cy="0"/>
+          <a:chOff x="0" y="0"/>
+          <a:chExt cx="0" cy="0"/>
+        </a:xfrm>
+      </p:grpSpPr>
+      <p:sp>
+        <p:nvSpPr>
+          <p:cNvPr id="2" name="Slide Image Placeholder 1"/>
+          <p:cNvSpPr>
+            <a:spLocks noGrp="1" noRot="1" noChangeAspect="1"/>
+          </p:cNvSpPr>
+          <p:nvPr>
+            <p:ph type="sldImg"/>
+          </p:nvPr>
+        </p:nvSpPr>
+        <p:spPr/>
+      </p:sp>
+      <p:sp>
+        <p:nvSpPr>
+          <p:cNvPr id="3" name="Notes Placeholder 2"/>
+          <p:cNvSpPr>
+            <a:spLocks noGrp="1"/>
+          </p:cNvSpPr>
+          <p:nvPr>
+            <p:ph type="body" idx="1"/>
+          </p:nvPr>
+        </p:nvSpPr>
+        <p:spPr/>
+        <p:txBody>
+          <a:bodyPr/>
+          <a:lstStyle/>
+          <a:p>
+            <a:r>
+              <a:rPr lang="en-US" dirty="0"/>
+              <a:t>Este</a:t>
+            </a:r>
+            <a:r>
+              <a:rPr lang="en-US" baseline="0" dirty="0"/>
+              <a:t> era o output original do </a:t>
+            </a:r>
+            <a:r>
+              <a:rPr lang="en-US" baseline="0" dirty="0" err="1"/>
+              <a:t>nosso</a:t>
+            </a:r>
+            <a:r>
+              <a:rPr lang="en-US" baseline="0" dirty="0"/>
+              <a:t> </a:t>
+            </a:r>
+            <a:r>
+              <a:rPr lang="en-US" baseline="0" dirty="0" err="1"/>
+              <a:t>programa</a:t>
+            </a:r>
+            <a:endParaRPr lang="pt-PT" dirty="0"/>
+          </a:p>
+        </p:txBody>
+      </p:sp>
+      <p:sp>
+        <p:nvSpPr>
+          <p:cNvPr id="4" name="Slide Number Placeholder 3"/>
+          <p:cNvSpPr>
+            <a:spLocks noGrp="1"/>
+          </p:cNvSpPr>
+          <p:nvPr>
+            <p:ph type="sldNum" sz="quarter" idx="10"/>
+          </p:nvPr>
+        </p:nvSpPr>
+        <p:spPr/>
+        <p:txBody>
+          <a:bodyPr/>
+          <a:lstStyle/>
+          <a:p>
+            <a:fld id="{1A41EC3C-5E62-44D9-A4CD-D519C726EBB2}" type="slidenum">
+              <a:rPr lang="pt-PT" smtClean="0"/>
+              <a:t>13</a:t>
+            </a:fld>
+            <a:endParaRPr lang="pt-PT"/>
+          </a:p>
+        </p:txBody>
+      </p:sp>
+    </p:spTree>
+    <p:extLst>
+      <p:ext uri="{BB962C8B-B14F-4D97-AF65-F5344CB8AC3E}">
+        <p14:creationId xmlns:p14="http://schemas.microsoft.com/office/powerpoint/2010/main" val="60542155"/>
+      </p:ext>
+    </p:extLst>
+  </p:cSld>
+  <p:clrMapOvr>
+    <a:masterClrMapping/>
+  </p:clrMapOvr>
+</p:notes>
+</file>
+
+<file path=ppt/notesSlides/notesSlide14.xml><?xml version="1.0" encoding="utf-8"?>
+<p:notes xmlns:a="http://schemas.openxmlformats.org/drawingml/2006/main" xmlns:r="http://schemas.openxmlformats.org/officeDocument/2006/relationships" xmlns:p="http://schemas.openxmlformats.org/presentationml/2006/main">
+  <p:cSld>
+    <p:spTree>
+      <p:nvGrpSpPr>
+        <p:cNvPr id="1" name=""/>
+        <p:cNvGrpSpPr/>
+        <p:nvPr/>
+      </p:nvGrpSpPr>
+      <p:grpSpPr>
+        <a:xfrm>
+          <a:off x="0" y="0"/>
+          <a:ext cx="0" cy="0"/>
+          <a:chOff x="0" y="0"/>
+          <a:chExt cx="0" cy="0"/>
+        </a:xfrm>
+      </p:grpSpPr>
+      <p:sp>
+        <p:nvSpPr>
+          <p:cNvPr id="2" name="Slide Image Placeholder 1"/>
+          <p:cNvSpPr>
+            <a:spLocks noGrp="1" noRot="1" noChangeAspect="1"/>
+          </p:cNvSpPr>
+          <p:nvPr>
+            <p:ph type="sldImg"/>
+          </p:nvPr>
+        </p:nvSpPr>
+        <p:spPr/>
+      </p:sp>
+      <p:sp>
+        <p:nvSpPr>
+          <p:cNvPr id="3" name="Notes Placeholder 2"/>
+          <p:cNvSpPr>
+            <a:spLocks noGrp="1"/>
+          </p:cNvSpPr>
+          <p:nvPr>
+            <p:ph type="body" idx="1"/>
+          </p:nvPr>
+        </p:nvSpPr>
+        <p:spPr/>
+        <p:txBody>
+          <a:bodyPr/>
+          <a:lstStyle/>
+          <a:p>
+            <a:r>
+              <a:rPr lang="en-US" dirty="0"/>
+              <a:t>Este é o</a:t>
+            </a:r>
+            <a:r>
+              <a:rPr lang="en-US" baseline="0" dirty="0"/>
+              <a:t> output do </a:t>
+            </a:r>
+            <a:r>
+              <a:rPr lang="en-US" baseline="0" dirty="0" err="1"/>
+              <a:t>programa</a:t>
+            </a:r>
+            <a:r>
+              <a:rPr lang="en-US" baseline="0" dirty="0"/>
+              <a:t> com a </a:t>
+            </a:r>
+            <a:r>
+              <a:rPr lang="en-US" baseline="0" dirty="0" err="1"/>
+              <a:t>extenção</a:t>
+            </a:r>
+            <a:endParaRPr lang="pt-PT" dirty="0"/>
+          </a:p>
+        </p:txBody>
+      </p:sp>
+      <p:sp>
+        <p:nvSpPr>
+          <p:cNvPr id="4" name="Slide Number Placeholder 3"/>
+          <p:cNvSpPr>
+            <a:spLocks noGrp="1"/>
+          </p:cNvSpPr>
+          <p:nvPr>
+            <p:ph type="sldNum" sz="quarter" idx="10"/>
+          </p:nvPr>
+        </p:nvSpPr>
+        <p:spPr/>
+        <p:txBody>
+          <a:bodyPr/>
+          <a:lstStyle/>
+          <a:p>
+            <a:fld id="{1A41EC3C-5E62-44D9-A4CD-D519C726EBB2}" type="slidenum">
+              <a:rPr lang="pt-PT" smtClean="0"/>
+              <a:t>14</a:t>
+            </a:fld>
+            <a:endParaRPr lang="pt-PT"/>
+          </a:p>
+        </p:txBody>
+      </p:sp>
+    </p:spTree>
+    <p:extLst>
+      <p:ext uri="{BB962C8B-B14F-4D97-AF65-F5344CB8AC3E}">
+        <p14:creationId xmlns:p14="http://schemas.microsoft.com/office/powerpoint/2010/main" val="121968916"/>
+      </p:ext>
+    </p:extLst>
+  </p:cSld>
+  <p:clrMapOvr>
+    <a:masterClrMapping/>
+  </p:clrMapOvr>
+</p:notes>
+</file>
+
+<file path=ppt/notesSlides/notesSlide15.xml><?xml version="1.0" encoding="utf-8"?>
+<p:notes xmlns:a="http://schemas.openxmlformats.org/drawingml/2006/main" xmlns:r="http://schemas.openxmlformats.org/officeDocument/2006/relationships" xmlns:p="http://schemas.openxmlformats.org/presentationml/2006/main">
+  <p:cSld>
+    <p:spTree>
+      <p:nvGrpSpPr>
+        <p:cNvPr id="1" name=""/>
+        <p:cNvGrpSpPr/>
+        <p:nvPr/>
+      </p:nvGrpSpPr>
+      <p:grpSpPr>
+        <a:xfrm>
+          <a:off x="0" y="0"/>
+          <a:ext cx="0" cy="0"/>
+          <a:chOff x="0" y="0"/>
+          <a:chExt cx="0" cy="0"/>
+        </a:xfrm>
+      </p:grpSpPr>
+      <p:sp>
+        <p:nvSpPr>
+          <p:cNvPr id="2" name="Slide Image Placeholder 1"/>
+          <p:cNvSpPr>
+            <a:spLocks noGrp="1" noRot="1" noChangeAspect="1"/>
+          </p:cNvSpPr>
+          <p:nvPr>
+            <p:ph type="sldImg"/>
+          </p:nvPr>
+        </p:nvSpPr>
+        <p:spPr/>
+      </p:sp>
+      <p:sp>
+        <p:nvSpPr>
+          <p:cNvPr id="3" name="Notes Placeholder 2"/>
+          <p:cNvSpPr>
+            <a:spLocks noGrp="1"/>
+          </p:cNvSpPr>
+          <p:nvPr>
+            <p:ph type="body" idx="1"/>
+          </p:nvPr>
+        </p:nvSpPr>
+        <p:spPr/>
+        <p:txBody>
+          <a:bodyPr/>
+          <a:lstStyle/>
+          <a:p>
+            <a:r>
+              <a:rPr lang="en-US" dirty="0" err="1"/>
+              <a:t>Utilizamos</a:t>
+            </a:r>
+            <a:r>
+              <a:rPr lang="en-US" dirty="0"/>
+              <a:t> </a:t>
+            </a:r>
+            <a:r>
+              <a:rPr lang="en-US" dirty="0" err="1"/>
+              <a:t>este</a:t>
+            </a:r>
+            <a:r>
+              <a:rPr lang="en-US" dirty="0"/>
+              <a:t> </a:t>
+            </a:r>
+            <a:r>
+              <a:rPr lang="en-US" dirty="0" err="1"/>
+              <a:t>programa</a:t>
+            </a:r>
+            <a:r>
+              <a:rPr lang="en-US" dirty="0"/>
+              <a:t> para</a:t>
+            </a:r>
+            <a:r>
+              <a:rPr lang="en-US" baseline="0" dirty="0"/>
+              <a:t> </a:t>
+            </a:r>
+            <a:r>
+              <a:rPr lang="en-US" baseline="0" dirty="0" err="1"/>
+              <a:t>testarmos</a:t>
+            </a:r>
+            <a:r>
+              <a:rPr lang="en-US" baseline="0" dirty="0"/>
+              <a:t> </a:t>
+            </a:r>
+            <a:r>
+              <a:rPr lang="en-US" baseline="0" dirty="0" err="1"/>
+              <a:t>onde</a:t>
+            </a:r>
+            <a:r>
+              <a:rPr lang="en-US" baseline="0" dirty="0"/>
+              <a:t> </a:t>
+            </a:r>
+            <a:r>
+              <a:rPr lang="en-US" baseline="0" dirty="0" err="1"/>
+              <a:t>existem</a:t>
+            </a:r>
+            <a:r>
+              <a:rPr lang="en-US" baseline="0" dirty="0"/>
+              <a:t> </a:t>
+            </a:r>
+            <a:r>
+              <a:rPr lang="en-US" baseline="0" dirty="0" err="1"/>
+              <a:t>aproximadamente</a:t>
+            </a:r>
+            <a:r>
+              <a:rPr lang="en-US" baseline="0" dirty="0"/>
+              <a:t> 10 mil </a:t>
+            </a:r>
+            <a:r>
+              <a:rPr lang="en-US" baseline="0" dirty="0" err="1"/>
+              <a:t>operaçoes</a:t>
+            </a:r>
+            <a:r>
+              <a:rPr lang="en-US" baseline="0" dirty="0"/>
+              <a:t> de </a:t>
+            </a:r>
+            <a:r>
+              <a:rPr lang="en-US" baseline="0" dirty="0" err="1"/>
+              <a:t>Autoboxing</a:t>
+            </a:r>
+            <a:r>
+              <a:rPr lang="en-US" baseline="0" dirty="0"/>
+              <a:t> a </a:t>
+            </a:r>
+            <a:r>
+              <a:rPr lang="en-US" baseline="0" dirty="0" err="1"/>
+              <a:t>ocorrem</a:t>
+            </a:r>
+            <a:endParaRPr lang="pt-PT" dirty="0"/>
+          </a:p>
+        </p:txBody>
+      </p:sp>
+      <p:sp>
+        <p:nvSpPr>
+          <p:cNvPr id="4" name="Slide Number Placeholder 3"/>
+          <p:cNvSpPr>
+            <a:spLocks noGrp="1"/>
+          </p:cNvSpPr>
+          <p:nvPr>
+            <p:ph type="sldNum" sz="quarter" idx="10"/>
+          </p:nvPr>
+        </p:nvSpPr>
+        <p:spPr/>
+        <p:txBody>
+          <a:bodyPr/>
+          <a:lstStyle/>
+          <a:p>
+            <a:fld id="{1A41EC3C-5E62-44D9-A4CD-D519C726EBB2}" type="slidenum">
+              <a:rPr lang="pt-PT" smtClean="0"/>
+              <a:t>15</a:t>
+            </a:fld>
+            <a:endParaRPr lang="pt-PT"/>
+          </a:p>
+        </p:txBody>
+      </p:sp>
+    </p:spTree>
+    <p:extLst>
+      <p:ext uri="{BB962C8B-B14F-4D97-AF65-F5344CB8AC3E}">
+        <p14:creationId xmlns:p14="http://schemas.microsoft.com/office/powerpoint/2010/main" val="1203516415"/>
+      </p:ext>
+    </p:extLst>
+  </p:cSld>
+  <p:clrMapOvr>
+    <a:masterClrMapping/>
+  </p:clrMapOvr>
+</p:notes>
+</file>
+
+<file path=ppt/notesSlides/notesSlide16.xml><?xml version="1.0" encoding="utf-8"?>
+<p:notes xmlns:a="http://schemas.openxmlformats.org/drawingml/2006/main" xmlns:r="http://schemas.openxmlformats.org/officeDocument/2006/relationships" xmlns:p="http://schemas.openxmlformats.org/presentationml/2006/main">
+  <p:cSld>
+    <p:spTree>
+      <p:nvGrpSpPr>
+        <p:cNvPr id="1" name=""/>
+        <p:cNvGrpSpPr/>
+        <p:nvPr/>
+      </p:nvGrpSpPr>
+      <p:grpSpPr>
+        <a:xfrm>
+          <a:off x="0" y="0"/>
+          <a:ext cx="0" cy="0"/>
+          <a:chOff x="0" y="0"/>
+          <a:chExt cx="0" cy="0"/>
+        </a:xfrm>
+      </p:grpSpPr>
+      <p:sp>
+        <p:nvSpPr>
+          <p:cNvPr id="2" name="Slide Image Placeholder 1"/>
+          <p:cNvSpPr>
+            <a:spLocks noGrp="1" noRot="1" noChangeAspect="1"/>
+          </p:cNvSpPr>
+          <p:nvPr>
+            <p:ph type="sldImg"/>
+          </p:nvPr>
+        </p:nvSpPr>
+        <p:spPr/>
+      </p:sp>
+      <p:sp>
+        <p:nvSpPr>
+          <p:cNvPr id="3" name="Notes Placeholder 2"/>
+          <p:cNvSpPr>
+            <a:spLocks noGrp="1"/>
+          </p:cNvSpPr>
+          <p:nvPr>
+            <p:ph type="body" idx="1"/>
+          </p:nvPr>
+        </p:nvSpPr>
+        <p:spPr/>
+        <p:txBody>
+          <a:bodyPr/>
+          <a:lstStyle/>
+          <a:p>
+            <a:r>
+              <a:rPr lang="en-US" dirty="0" err="1"/>
+              <a:t>Os</a:t>
+            </a:r>
+            <a:r>
+              <a:rPr lang="en-US" dirty="0"/>
+              <a:t> </a:t>
+            </a:r>
+            <a:r>
+              <a:rPr lang="en-US" dirty="0" err="1"/>
+              <a:t>resultados</a:t>
+            </a:r>
+            <a:r>
+              <a:rPr lang="en-US" dirty="0"/>
+              <a:t> da </a:t>
+            </a:r>
+            <a:r>
+              <a:rPr lang="en-US" dirty="0" err="1"/>
+              <a:t>execução</a:t>
+            </a:r>
+            <a:r>
+              <a:rPr lang="en-US" dirty="0"/>
+              <a:t> do </a:t>
+            </a:r>
+            <a:r>
+              <a:rPr lang="en-US" dirty="0" err="1"/>
+              <a:t>programa</a:t>
+            </a:r>
+            <a:r>
+              <a:rPr lang="en-US" dirty="0"/>
+              <a:t> </a:t>
+            </a:r>
+            <a:r>
+              <a:rPr lang="en-US" dirty="0" err="1"/>
+              <a:t>sem</a:t>
+            </a:r>
+            <a:r>
+              <a:rPr lang="en-US" dirty="0"/>
+              <a:t> </a:t>
+            </a:r>
+            <a:r>
+              <a:rPr lang="en-US" dirty="0" err="1"/>
+              <a:t>alterarmos</a:t>
+            </a:r>
+            <a:r>
+              <a:rPr lang="en-US" baseline="0" dirty="0"/>
+              <a:t> o </a:t>
+            </a:r>
+            <a:r>
+              <a:rPr lang="en-US" baseline="0" dirty="0" err="1"/>
+              <a:t>seu</a:t>
+            </a:r>
+            <a:r>
+              <a:rPr lang="en-US" baseline="0" dirty="0"/>
+              <a:t> </a:t>
+            </a:r>
+            <a:r>
+              <a:rPr lang="en-US" baseline="0" dirty="0" err="1"/>
+              <a:t>codigo</a:t>
+            </a:r>
+            <a:r>
+              <a:rPr lang="en-US" baseline="0" dirty="0"/>
+              <a:t> </a:t>
+            </a:r>
+            <a:r>
+              <a:rPr lang="en-US" baseline="0" dirty="0" err="1"/>
+              <a:t>são</a:t>
+            </a:r>
+            <a:r>
+              <a:rPr lang="en-US" baseline="0" dirty="0"/>
+              <a:t> </a:t>
+            </a:r>
+            <a:r>
+              <a:rPr lang="en-US" baseline="0" dirty="0" err="1"/>
+              <a:t>estes</a:t>
+            </a:r>
+            <a:r>
+              <a:rPr lang="en-US" baseline="0" dirty="0"/>
+              <a:t> </a:t>
+            </a:r>
+            <a:r>
+              <a:rPr lang="en-US" baseline="0" dirty="0" err="1"/>
+              <a:t>onde</a:t>
+            </a:r>
+            <a:r>
+              <a:rPr lang="en-US" baseline="0" dirty="0"/>
+              <a:t> </a:t>
+            </a:r>
+            <a:r>
+              <a:rPr lang="en-US" baseline="0" dirty="0" err="1"/>
+              <a:t>em</a:t>
+            </a:r>
+            <a:r>
+              <a:rPr lang="en-US" baseline="0" dirty="0"/>
+              <a:t> 10 </a:t>
+            </a:r>
+            <a:r>
+              <a:rPr lang="en-US" baseline="0" dirty="0" err="1"/>
+              <a:t>execuções</a:t>
+            </a:r>
+            <a:r>
+              <a:rPr lang="en-US" baseline="0" dirty="0"/>
+              <a:t> </a:t>
+            </a:r>
+            <a:r>
+              <a:rPr lang="en-US" baseline="0" dirty="0" err="1"/>
+              <a:t>sempre</a:t>
+            </a:r>
+            <a:r>
+              <a:rPr lang="en-US" baseline="0" dirty="0"/>
+              <a:t> </a:t>
+            </a:r>
+            <a:r>
+              <a:rPr lang="en-US" baseline="0" dirty="0" err="1"/>
+              <a:t>na</a:t>
+            </a:r>
+            <a:r>
+              <a:rPr lang="en-US" baseline="0" dirty="0"/>
+              <a:t> </a:t>
+            </a:r>
+            <a:r>
+              <a:rPr lang="en-US" baseline="0" dirty="0" err="1"/>
+              <a:t>mesma</a:t>
+            </a:r>
+            <a:r>
+              <a:rPr lang="en-US" baseline="0" dirty="0"/>
+              <a:t> </a:t>
+            </a:r>
+            <a:r>
+              <a:rPr lang="en-US" baseline="0" dirty="0" err="1"/>
+              <a:t>maquina</a:t>
+            </a:r>
+            <a:r>
+              <a:rPr lang="en-US" baseline="0" dirty="0"/>
+              <a:t> </a:t>
+            </a:r>
+            <a:r>
+              <a:rPr lang="en-US" baseline="0" dirty="0" err="1"/>
+              <a:t>tivemos</a:t>
+            </a:r>
+            <a:r>
+              <a:rPr lang="en-US" baseline="0" dirty="0"/>
+              <a:t> um tempo de </a:t>
+            </a:r>
+            <a:r>
+              <a:rPr lang="en-US" baseline="0" dirty="0" err="1"/>
+              <a:t>execução</a:t>
+            </a:r>
+            <a:r>
+              <a:rPr lang="en-US" baseline="0" dirty="0"/>
+              <a:t> </a:t>
+            </a:r>
+            <a:r>
+              <a:rPr lang="en-US" baseline="0" dirty="0" err="1"/>
+              <a:t>médio</a:t>
+            </a:r>
+            <a:r>
+              <a:rPr lang="en-US" baseline="0" dirty="0"/>
+              <a:t> de 18.2 </a:t>
+            </a:r>
+            <a:r>
+              <a:rPr lang="en-US" baseline="0" dirty="0" err="1"/>
+              <a:t>ms</a:t>
+            </a:r>
+            <a:r>
+              <a:rPr lang="en-US" baseline="0" dirty="0"/>
+              <a:t> com 22ms </a:t>
+            </a:r>
+            <a:r>
+              <a:rPr lang="en-US" baseline="0" dirty="0" err="1"/>
+              <a:t>sendo</a:t>
+            </a:r>
+            <a:r>
+              <a:rPr lang="en-US" baseline="0" dirty="0"/>
+              <a:t> o </a:t>
+            </a:r>
+            <a:r>
+              <a:rPr lang="en-US" baseline="0" dirty="0" err="1"/>
+              <a:t>maior</a:t>
+            </a:r>
+            <a:r>
+              <a:rPr lang="en-US" baseline="0" dirty="0"/>
+              <a:t> tempo de </a:t>
+            </a:r>
+            <a:r>
+              <a:rPr lang="en-US" baseline="0" dirty="0" err="1"/>
+              <a:t>execução</a:t>
+            </a:r>
+            <a:r>
+              <a:rPr lang="en-US" baseline="0" dirty="0"/>
+              <a:t> e 15 </a:t>
+            </a:r>
+            <a:r>
+              <a:rPr lang="en-US" baseline="0" dirty="0" err="1"/>
+              <a:t>ms</a:t>
+            </a:r>
+            <a:r>
+              <a:rPr lang="en-US" baseline="0" dirty="0"/>
+              <a:t> </a:t>
+            </a:r>
+            <a:r>
+              <a:rPr lang="en-US" baseline="0" dirty="0" err="1"/>
+              <a:t>sendo</a:t>
+            </a:r>
+            <a:r>
+              <a:rPr lang="en-US" baseline="0" dirty="0"/>
+              <a:t> o </a:t>
+            </a:r>
+            <a:r>
+              <a:rPr lang="en-US" baseline="0" dirty="0" err="1"/>
+              <a:t>menor</a:t>
+            </a:r>
+            <a:endParaRPr lang="pt-PT" dirty="0"/>
+          </a:p>
+        </p:txBody>
+      </p:sp>
+      <p:sp>
+        <p:nvSpPr>
+          <p:cNvPr id="4" name="Slide Number Placeholder 3"/>
+          <p:cNvSpPr>
+            <a:spLocks noGrp="1"/>
+          </p:cNvSpPr>
+          <p:nvPr>
+            <p:ph type="sldNum" sz="quarter" idx="10"/>
+          </p:nvPr>
+        </p:nvSpPr>
+        <p:spPr/>
+        <p:txBody>
+          <a:bodyPr/>
+          <a:lstStyle/>
+          <a:p>
+            <a:fld id="{1A41EC3C-5E62-44D9-A4CD-D519C726EBB2}" type="slidenum">
+              <a:rPr lang="pt-PT" smtClean="0"/>
+              <a:t>16</a:t>
+            </a:fld>
+            <a:endParaRPr lang="pt-PT"/>
+          </a:p>
+        </p:txBody>
+      </p:sp>
+    </p:spTree>
+    <p:extLst>
+      <p:ext uri="{BB962C8B-B14F-4D97-AF65-F5344CB8AC3E}">
+        <p14:creationId xmlns:p14="http://schemas.microsoft.com/office/powerpoint/2010/main" val="1286628122"/>
+      </p:ext>
+    </p:extLst>
+  </p:cSld>
+  <p:clrMapOvr>
+    <a:masterClrMapping/>
+  </p:clrMapOvr>
+</p:notes>
+</file>
+
+<file path=ppt/notesSlides/notesSlide17.xml><?xml version="1.0" encoding="utf-8"?>
+<p:notes xmlns:a="http://schemas.openxmlformats.org/drawingml/2006/main" xmlns:r="http://schemas.openxmlformats.org/officeDocument/2006/relationships" xmlns:p="http://schemas.openxmlformats.org/presentationml/2006/main">
+  <p:cSld>
+    <p:spTree>
+      <p:nvGrpSpPr>
+        <p:cNvPr id="1" name=""/>
+        <p:cNvGrpSpPr/>
+        <p:nvPr/>
+      </p:nvGrpSpPr>
+      <p:grpSpPr>
+        <a:xfrm>
+          <a:off x="0" y="0"/>
+          <a:ext cx="0" cy="0"/>
+          <a:chOff x="0" y="0"/>
+          <a:chExt cx="0" cy="0"/>
+        </a:xfrm>
+      </p:grpSpPr>
+      <p:sp>
+        <p:nvSpPr>
+          <p:cNvPr id="2" name="Slide Image Placeholder 1"/>
+          <p:cNvSpPr>
+            <a:spLocks noGrp="1" noRot="1" noChangeAspect="1"/>
+          </p:cNvSpPr>
+          <p:nvPr>
+            <p:ph type="sldImg"/>
+          </p:nvPr>
+        </p:nvSpPr>
+        <p:spPr/>
+      </p:sp>
+      <p:sp>
+        <p:nvSpPr>
+          <p:cNvPr id="3" name="Notes Placeholder 2"/>
+          <p:cNvSpPr>
+            <a:spLocks noGrp="1"/>
+          </p:cNvSpPr>
+          <p:nvPr>
+            <p:ph type="body" idx="1"/>
+          </p:nvPr>
+        </p:nvSpPr>
+        <p:spPr/>
+        <p:txBody>
+          <a:bodyPr/>
+          <a:lstStyle/>
+          <a:p>
+            <a:r>
+              <a:rPr lang="en-US" dirty="0" err="1"/>
+              <a:t>Utilizando</a:t>
+            </a:r>
+            <a:r>
+              <a:rPr lang="en-US" baseline="0" dirty="0"/>
+              <a:t> o </a:t>
+            </a:r>
+            <a:r>
+              <a:rPr lang="en-US" baseline="0" dirty="0" err="1"/>
+              <a:t>nosso</a:t>
+            </a:r>
+            <a:r>
+              <a:rPr lang="en-US" baseline="0" dirty="0"/>
+              <a:t> </a:t>
+            </a:r>
+            <a:r>
+              <a:rPr lang="en-US" baseline="0" dirty="0" err="1"/>
+              <a:t>programa</a:t>
+            </a:r>
+            <a:r>
+              <a:rPr lang="en-US" baseline="0" dirty="0"/>
+              <a:t> com a </a:t>
+            </a:r>
+            <a:r>
+              <a:rPr lang="en-US" baseline="0" dirty="0" err="1"/>
+              <a:t>extensão</a:t>
+            </a:r>
+            <a:r>
+              <a:rPr lang="en-US" baseline="0" dirty="0"/>
+              <a:t> </a:t>
+            </a:r>
+            <a:r>
+              <a:rPr lang="en-US" baseline="0" dirty="0" err="1"/>
+              <a:t>podemos</a:t>
+            </a:r>
+            <a:r>
+              <a:rPr lang="en-US" baseline="0" dirty="0"/>
+              <a:t> observer </a:t>
+            </a:r>
+            <a:r>
+              <a:rPr lang="en-US" baseline="0" dirty="0" err="1"/>
+              <a:t>uma</a:t>
+            </a:r>
+            <a:r>
+              <a:rPr lang="en-US" baseline="0" dirty="0"/>
+              <a:t> </a:t>
+            </a:r>
+            <a:r>
+              <a:rPr lang="en-US" baseline="0" dirty="0" err="1"/>
+              <a:t>melhoria</a:t>
+            </a:r>
+            <a:r>
+              <a:rPr lang="en-US" baseline="0" dirty="0"/>
+              <a:t> </a:t>
+            </a:r>
+            <a:r>
+              <a:rPr lang="en-US" baseline="0" dirty="0" err="1"/>
+              <a:t>consideravel</a:t>
+            </a:r>
+            <a:r>
+              <a:rPr lang="en-US" baseline="0" dirty="0"/>
+              <a:t> dos tempos de </a:t>
+            </a:r>
+            <a:r>
+              <a:rPr lang="en-US" baseline="0" dirty="0" err="1"/>
+              <a:t>execução</a:t>
+            </a:r>
+            <a:r>
+              <a:rPr lang="en-US" baseline="0" dirty="0"/>
+              <a:t> </a:t>
+            </a:r>
+            <a:r>
+              <a:rPr lang="en-US" baseline="0" dirty="0" err="1"/>
+              <a:t>sendo</a:t>
+            </a:r>
+            <a:r>
+              <a:rPr lang="en-US" baseline="0" dirty="0"/>
+              <a:t> que </a:t>
+            </a:r>
+            <a:r>
+              <a:rPr lang="en-US" baseline="0" dirty="0" err="1"/>
+              <a:t>baixamos</a:t>
+            </a:r>
+            <a:r>
+              <a:rPr lang="en-US" baseline="0" dirty="0"/>
+              <a:t> </a:t>
+            </a:r>
+            <a:r>
+              <a:rPr lang="en-US" baseline="0" dirty="0" err="1"/>
+              <a:t>em</a:t>
+            </a:r>
+            <a:r>
+              <a:rPr lang="en-US" baseline="0" dirty="0"/>
+              <a:t> 4.2 </a:t>
+            </a:r>
+            <a:r>
+              <a:rPr lang="en-US" baseline="0" dirty="0" err="1"/>
+              <a:t>ms</a:t>
+            </a:r>
+            <a:r>
+              <a:rPr lang="en-US" baseline="0" dirty="0"/>
+              <a:t> o tempo </a:t>
+            </a:r>
+            <a:r>
+              <a:rPr lang="en-US" baseline="0" dirty="0" err="1"/>
+              <a:t>médio</a:t>
+            </a:r>
+            <a:r>
+              <a:rPr lang="en-US" baseline="0" dirty="0"/>
+              <a:t> de </a:t>
+            </a:r>
+            <a:r>
+              <a:rPr lang="en-US" baseline="0" dirty="0" err="1"/>
+              <a:t>execução</a:t>
+            </a:r>
+            <a:r>
+              <a:rPr lang="en-US" baseline="0" dirty="0"/>
+              <a:t>  e </a:t>
+            </a:r>
+            <a:r>
+              <a:rPr lang="en-US" baseline="0" dirty="0" err="1"/>
+              <a:t>tivemos</a:t>
+            </a:r>
+            <a:r>
+              <a:rPr lang="en-US" baseline="0" dirty="0"/>
+              <a:t> o </a:t>
+            </a:r>
+            <a:r>
+              <a:rPr lang="en-US" baseline="0" dirty="0" err="1"/>
+              <a:t>nosso</a:t>
+            </a:r>
+            <a:r>
+              <a:rPr lang="en-US" baseline="0" dirty="0"/>
+              <a:t> </a:t>
+            </a:r>
+            <a:r>
+              <a:rPr lang="en-US" baseline="0" dirty="0" err="1"/>
+              <a:t>maior</a:t>
+            </a:r>
+            <a:r>
+              <a:rPr lang="en-US" baseline="0" dirty="0"/>
+              <a:t> tempo de </a:t>
+            </a:r>
+            <a:r>
+              <a:rPr lang="en-US" baseline="0" dirty="0" err="1"/>
+              <a:t>execução</a:t>
+            </a:r>
+            <a:r>
+              <a:rPr lang="en-US" baseline="0" dirty="0"/>
+              <a:t> </a:t>
+            </a:r>
+            <a:r>
+              <a:rPr lang="en-US" baseline="0" dirty="0" err="1"/>
+              <a:t>menor</a:t>
+            </a:r>
+            <a:r>
+              <a:rPr lang="en-US" baseline="0" dirty="0"/>
+              <a:t> </a:t>
+            </a:r>
+            <a:r>
+              <a:rPr lang="en-US" baseline="0" dirty="0" err="1"/>
+              <a:t>ainda</a:t>
+            </a:r>
+            <a:r>
+              <a:rPr lang="en-US" baseline="0" dirty="0"/>
+              <a:t> que o tempo </a:t>
+            </a:r>
+            <a:r>
+              <a:rPr lang="en-US" baseline="0" dirty="0" err="1"/>
+              <a:t>médio</a:t>
+            </a:r>
+            <a:r>
+              <a:rPr lang="en-US" baseline="0" dirty="0"/>
+              <a:t> de </a:t>
+            </a:r>
+            <a:r>
+              <a:rPr lang="en-US" baseline="0" dirty="0" err="1"/>
+              <a:t>execução</a:t>
+            </a:r>
+            <a:r>
+              <a:rPr lang="en-US" baseline="0" dirty="0"/>
+              <a:t> do </a:t>
+            </a:r>
+            <a:r>
+              <a:rPr lang="en-US" baseline="0" dirty="0" err="1"/>
+              <a:t>programa</a:t>
+            </a:r>
+            <a:r>
+              <a:rPr lang="en-US" baseline="0" dirty="0"/>
+              <a:t> com as </a:t>
+            </a:r>
+            <a:r>
+              <a:rPr lang="en-US" baseline="0" dirty="0" err="1"/>
+              <a:t>operações</a:t>
+            </a:r>
+            <a:r>
+              <a:rPr lang="en-US" baseline="0" dirty="0"/>
+              <a:t> de </a:t>
+            </a:r>
+            <a:r>
+              <a:rPr lang="en-US" baseline="0" dirty="0" err="1"/>
+              <a:t>autoboxing</a:t>
+            </a:r>
+            <a:r>
+              <a:rPr lang="en-US" baseline="0" dirty="0"/>
+              <a:t> </a:t>
+            </a:r>
+            <a:r>
+              <a:rPr lang="en-US" baseline="0" dirty="0" err="1"/>
+              <a:t>inalteradas</a:t>
+            </a:r>
+            <a:r>
+              <a:rPr lang="en-US" baseline="0" dirty="0"/>
+              <a:t>.</a:t>
+            </a:r>
+            <a:endParaRPr lang="pt-PT" dirty="0"/>
+          </a:p>
+        </p:txBody>
+      </p:sp>
+      <p:sp>
+        <p:nvSpPr>
+          <p:cNvPr id="4" name="Slide Number Placeholder 3"/>
+          <p:cNvSpPr>
+            <a:spLocks noGrp="1"/>
+          </p:cNvSpPr>
+          <p:nvPr>
+            <p:ph type="sldNum" sz="quarter" idx="10"/>
+          </p:nvPr>
+        </p:nvSpPr>
+        <p:spPr/>
+        <p:txBody>
+          <a:bodyPr/>
+          <a:lstStyle/>
+          <a:p>
+            <a:fld id="{1A41EC3C-5E62-44D9-A4CD-D519C726EBB2}" type="slidenum">
+              <a:rPr lang="pt-PT" smtClean="0"/>
+              <a:t>17</a:t>
+            </a:fld>
+            <a:endParaRPr lang="pt-PT"/>
+          </a:p>
+        </p:txBody>
+      </p:sp>
+    </p:spTree>
+    <p:extLst>
+      <p:ext uri="{BB962C8B-B14F-4D97-AF65-F5344CB8AC3E}">
+        <p14:creationId xmlns:p14="http://schemas.microsoft.com/office/powerpoint/2010/main" val="2233284853"/>
+      </p:ext>
+    </p:extLst>
+  </p:cSld>
+  <p:clrMapOvr>
+    <a:masterClrMapping/>
+  </p:clrMapOvr>
+</p:notes>
+</file>
+
+<file path=ppt/notesSlides/notesSlide2.xml><?xml version="1.0" encoding="utf-8"?>
+<p:notes xmlns:a="http://schemas.openxmlformats.org/drawingml/2006/main" xmlns:r="http://schemas.openxmlformats.org/officeDocument/2006/relationships" xmlns:p="http://schemas.openxmlformats.org/presentationml/2006/main">
+  <p:cSld>
+    <p:spTree>
+      <p:nvGrpSpPr>
+        <p:cNvPr id="1" name=""/>
+        <p:cNvGrpSpPr/>
+        <p:nvPr/>
+      </p:nvGrpSpPr>
+      <p:grpSpPr>
+        <a:xfrm>
+          <a:off x="0" y="0"/>
+          <a:ext cx="0" cy="0"/>
+          <a:chOff x="0" y="0"/>
+          <a:chExt cx="0" cy="0"/>
+        </a:xfrm>
+      </p:grpSpPr>
+      <p:sp>
+        <p:nvSpPr>
+          <p:cNvPr id="2" name="Slide Image Placeholder 1"/>
+          <p:cNvSpPr>
+            <a:spLocks noGrp="1" noRot="1" noChangeAspect="1"/>
+          </p:cNvSpPr>
+          <p:nvPr>
+            <p:ph type="sldImg"/>
+          </p:nvPr>
+        </p:nvSpPr>
+        <p:spPr/>
+      </p:sp>
+      <p:sp>
+        <p:nvSpPr>
+          <p:cNvPr id="3" name="Notes Placeholder 2"/>
+          <p:cNvSpPr>
+            <a:spLocks noGrp="1"/>
+          </p:cNvSpPr>
+          <p:nvPr>
+            <p:ph type="body" idx="1"/>
+          </p:nvPr>
+        </p:nvSpPr>
+        <p:spPr/>
+        <p:txBody>
+          <a:bodyPr/>
+          <a:lstStyle/>
+          <a:p>
+            <a:r>
+              <a:rPr lang="en-US" dirty="0"/>
+              <a:t>-</a:t>
+            </a:r>
+            <a:r>
+              <a:rPr lang="en-US" dirty="0" err="1"/>
+              <a:t>Referir</a:t>
+            </a:r>
+            <a:r>
+              <a:rPr lang="en-US" baseline="0" dirty="0"/>
+              <a:t> </a:t>
+            </a:r>
+            <a:r>
+              <a:rPr lang="en-US" baseline="0" dirty="0" err="1"/>
+              <a:t>rapidamente</a:t>
+            </a:r>
+            <a:r>
+              <a:rPr lang="en-US" baseline="0" dirty="0"/>
+              <a:t> o que é o </a:t>
+            </a:r>
+            <a:r>
+              <a:rPr lang="en-US" baseline="0" dirty="0" err="1"/>
+              <a:t>Autoboxing</a:t>
+            </a:r>
+            <a:r>
+              <a:rPr lang="en-US" baseline="0" dirty="0"/>
+              <a:t> e Unboxing</a:t>
+            </a:r>
+            <a:br>
+              <a:rPr lang="en-US" baseline="0" dirty="0"/>
+            </a:br>
+            <a:r>
+              <a:rPr lang="en-US" baseline="0" dirty="0"/>
+              <a:t>-</a:t>
+            </a:r>
+            <a:r>
+              <a:rPr lang="en-US" baseline="0" dirty="0" err="1"/>
+              <a:t>Vantagens</a:t>
+            </a:r>
+            <a:r>
+              <a:rPr lang="en-US" baseline="0" dirty="0"/>
+              <a:t> de </a:t>
+            </a:r>
+            <a:r>
+              <a:rPr lang="en-US" baseline="0" dirty="0" err="1"/>
+              <a:t>usarmos</a:t>
+            </a:r>
+            <a:r>
+              <a:rPr lang="en-US" baseline="0" dirty="0"/>
+              <a:t> </a:t>
+            </a:r>
+            <a:r>
+              <a:rPr lang="en-US" baseline="0" dirty="0" err="1"/>
+              <a:t>Autoboxing</a:t>
+            </a:r>
+            <a:r>
+              <a:rPr lang="en-US" baseline="0" dirty="0"/>
+              <a:t> e unboxing:</a:t>
+            </a:r>
+            <a:br>
+              <a:rPr lang="en-US" baseline="0" dirty="0"/>
+            </a:br>
+            <a:r>
+              <a:rPr lang="en-US" baseline="0" dirty="0"/>
+              <a:t>	</a:t>
+            </a:r>
+            <a:r>
+              <a:rPr lang="en-US" sz="1200" b="1" i="0" kern="1200" dirty="0">
+                <a:solidFill>
+                  <a:schemeClr val="tx1"/>
+                </a:solidFill>
+                <a:effectLst/>
+                <a:latin typeface="+mn-lt"/>
+                <a:ea typeface="+mn-ea"/>
+                <a:cs typeface="+mn-cs"/>
+              </a:rPr>
+              <a:t>Pros:</a:t>
+            </a:r>
+          </a:p>
+          <a:p>
+            <a:pPr marL="1085850" lvl="2" indent="-171450">
+              <a:buFont typeface="Arial" panose="020B0604020202020204" pitchFamily="34" charset="0"/>
+              <a:buChar char="•"/>
+            </a:pPr>
+            <a:r>
+              <a:rPr lang="en-US" sz="1200" b="0" i="0" kern="1200" dirty="0" err="1">
+                <a:solidFill>
+                  <a:schemeClr val="tx1"/>
+                </a:solidFill>
+                <a:effectLst/>
+                <a:latin typeface="+mn-lt"/>
+                <a:ea typeface="+mn-ea"/>
+                <a:cs typeface="+mn-cs"/>
+              </a:rPr>
+              <a:t>Autoboxing</a:t>
+            </a:r>
+            <a:r>
+              <a:rPr lang="en-US" sz="1200" b="0" i="0" kern="1200" dirty="0">
+                <a:solidFill>
+                  <a:schemeClr val="tx1"/>
+                </a:solidFill>
+                <a:effectLst/>
+                <a:latin typeface="+mn-lt"/>
+                <a:ea typeface="+mn-ea"/>
+                <a:cs typeface="+mn-cs"/>
+              </a:rPr>
+              <a:t> and unboxing can make your code easier to read:</a:t>
+            </a:r>
+          </a:p>
+          <a:p>
+            <a:pPr marL="1085850" lvl="2" indent="-171450">
+              <a:buFont typeface="Arial" panose="020B0604020202020204" pitchFamily="34" charset="0"/>
+              <a:buChar char="•"/>
+            </a:pPr>
+            <a:endParaRPr lang="en-US" sz="1200" b="0" i="0" kern="1200" dirty="0">
+              <a:solidFill>
+                <a:schemeClr val="tx1"/>
+              </a:solidFill>
+              <a:effectLst/>
+              <a:latin typeface="+mn-lt"/>
+              <a:ea typeface="+mn-ea"/>
+              <a:cs typeface="+mn-cs"/>
+            </a:endParaRPr>
+          </a:p>
+          <a:p>
+            <a:pPr marL="1085850" lvl="2" indent="-171450">
+              <a:buFont typeface="Arial" panose="020B0604020202020204" pitchFamily="34" charset="0"/>
+              <a:buChar char="•"/>
+            </a:pPr>
+            <a:r>
+              <a:rPr lang="en-US" sz="1200" b="0" i="0" kern="1200" dirty="0">
+                <a:solidFill>
+                  <a:schemeClr val="tx1"/>
+                </a:solidFill>
+                <a:effectLst/>
+                <a:latin typeface="+mn-lt"/>
+                <a:ea typeface="+mn-ea"/>
+                <a:cs typeface="+mn-cs"/>
+              </a:rPr>
+              <a:t>Leaving out all the unnecessary .</a:t>
+            </a:r>
+            <a:r>
+              <a:rPr lang="en-US" sz="1200" b="0" i="0" kern="1200" dirty="0" err="1">
+                <a:solidFill>
+                  <a:schemeClr val="tx1"/>
+                </a:solidFill>
+                <a:effectLst/>
+                <a:latin typeface="+mn-lt"/>
+                <a:ea typeface="+mn-ea"/>
+                <a:cs typeface="+mn-cs"/>
+              </a:rPr>
+              <a:t>doubleValue</a:t>
+            </a:r>
+            <a:r>
+              <a:rPr lang="en-US" sz="1200" b="0" i="0" kern="1200" dirty="0">
+                <a:solidFill>
+                  <a:schemeClr val="tx1"/>
+                </a:solidFill>
+                <a:effectLst/>
+                <a:latin typeface="+mn-lt"/>
+                <a:ea typeface="+mn-ea"/>
+                <a:cs typeface="+mn-cs"/>
+              </a:rPr>
+              <a:t>() and </a:t>
+            </a:r>
+            <a:r>
+              <a:rPr lang="en-US" sz="1200" b="0" i="0" kern="1200" dirty="0" err="1">
+                <a:solidFill>
+                  <a:schemeClr val="tx1"/>
+                </a:solidFill>
+                <a:effectLst/>
+                <a:latin typeface="+mn-lt"/>
+                <a:ea typeface="+mn-ea"/>
+                <a:cs typeface="+mn-cs"/>
+              </a:rPr>
+              <a:t>Double.valueOf</a:t>
+            </a:r>
+            <a:r>
+              <a:rPr lang="en-US" sz="1200" b="0" i="0" kern="1200" dirty="0">
+                <a:solidFill>
+                  <a:schemeClr val="tx1"/>
+                </a:solidFill>
+                <a:effectLst/>
+                <a:latin typeface="+mn-lt"/>
+                <a:ea typeface="+mn-ea"/>
+                <a:cs typeface="+mn-cs"/>
+              </a:rPr>
+              <a:t>() reduces the visual noise and can make your code easier to read.</a:t>
+            </a:r>
+          </a:p>
+          <a:p>
+            <a:pPr marL="1085850" lvl="2" indent="-171450">
+              <a:buFont typeface="Arial" panose="020B0604020202020204" pitchFamily="34" charset="0"/>
+              <a:buChar char="•"/>
+            </a:pPr>
+            <a:endParaRPr lang="en-US" sz="1200" b="0" i="0" kern="1200" dirty="0">
+              <a:solidFill>
+                <a:schemeClr val="tx1"/>
+              </a:solidFill>
+              <a:effectLst/>
+              <a:latin typeface="+mn-lt"/>
+              <a:ea typeface="+mn-ea"/>
+              <a:cs typeface="+mn-cs"/>
+            </a:endParaRPr>
+          </a:p>
+          <a:p>
+            <a:pPr marL="1085850" lvl="2" indent="-171450">
+              <a:buFont typeface="Arial" panose="020B0604020202020204" pitchFamily="34" charset="0"/>
+              <a:buChar char="•"/>
+            </a:pPr>
+            <a:r>
+              <a:rPr lang="en-US" sz="1200" b="0" i="0" kern="1200" dirty="0">
+                <a:solidFill>
+                  <a:schemeClr val="tx1"/>
+                </a:solidFill>
+                <a:effectLst/>
+                <a:latin typeface="+mn-lt"/>
+                <a:ea typeface="+mn-ea"/>
+                <a:cs typeface="+mn-cs"/>
+              </a:rPr>
+              <a:t>Auto-boxing allows you to easily use collections of primitive values (such as a List, ...)</a:t>
+            </a:r>
+          </a:p>
+          <a:p>
+            <a:endParaRPr lang="en-US" sz="1200" b="0" i="0" kern="1200" dirty="0">
+              <a:solidFill>
+                <a:schemeClr val="tx1"/>
+              </a:solidFill>
+              <a:effectLst/>
+              <a:latin typeface="+mn-lt"/>
+              <a:ea typeface="+mn-ea"/>
+              <a:cs typeface="+mn-cs"/>
+            </a:endParaRPr>
+          </a:p>
+          <a:p>
+            <a:r>
+              <a:rPr lang="en-US" sz="1200" b="0" i="0" kern="1200" dirty="0">
+                <a:solidFill>
+                  <a:schemeClr val="tx1"/>
+                </a:solidFill>
+                <a:effectLst/>
+                <a:latin typeface="+mn-lt"/>
+                <a:ea typeface="+mn-ea"/>
+                <a:cs typeface="+mn-cs"/>
+              </a:rPr>
+              <a:t>-</a:t>
+            </a:r>
+            <a:r>
+              <a:rPr lang="en-US" sz="1200" b="0" i="0" kern="1200" dirty="0" err="1">
+                <a:solidFill>
+                  <a:schemeClr val="tx1"/>
+                </a:solidFill>
+                <a:effectLst/>
+                <a:latin typeface="+mn-lt"/>
+                <a:ea typeface="+mn-ea"/>
+                <a:cs typeface="+mn-cs"/>
+              </a:rPr>
+              <a:t>Desvantagens</a:t>
+            </a:r>
+            <a:r>
+              <a:rPr lang="en-US" sz="1200" b="0" i="0" kern="1200" baseline="0" dirty="0">
+                <a:solidFill>
+                  <a:schemeClr val="tx1"/>
+                </a:solidFill>
+                <a:effectLst/>
+                <a:latin typeface="+mn-lt"/>
+                <a:ea typeface="+mn-ea"/>
+                <a:cs typeface="+mn-cs"/>
+              </a:rPr>
+              <a:t> de </a:t>
+            </a:r>
+            <a:r>
+              <a:rPr lang="en-US" sz="1200" b="0" i="0" kern="1200" baseline="0" dirty="0" err="1">
+                <a:solidFill>
+                  <a:schemeClr val="tx1"/>
+                </a:solidFill>
+                <a:effectLst/>
+                <a:latin typeface="+mn-lt"/>
+                <a:ea typeface="+mn-ea"/>
+                <a:cs typeface="+mn-cs"/>
+              </a:rPr>
+              <a:t>usarmos</a:t>
+            </a:r>
+            <a:r>
+              <a:rPr lang="en-US" sz="1200" b="0" i="0" kern="1200" baseline="0" dirty="0">
+                <a:solidFill>
+                  <a:schemeClr val="tx1"/>
+                </a:solidFill>
+                <a:effectLst/>
+                <a:latin typeface="+mn-lt"/>
+                <a:ea typeface="+mn-ea"/>
+                <a:cs typeface="+mn-cs"/>
+              </a:rPr>
+              <a:t> </a:t>
+            </a:r>
+            <a:r>
+              <a:rPr lang="en-US" sz="1200" b="0" i="0" kern="1200" baseline="0" dirty="0" err="1">
+                <a:solidFill>
+                  <a:schemeClr val="tx1"/>
+                </a:solidFill>
+                <a:effectLst/>
+                <a:latin typeface="+mn-lt"/>
+                <a:ea typeface="+mn-ea"/>
+                <a:cs typeface="+mn-cs"/>
+              </a:rPr>
+              <a:t>isto</a:t>
+            </a:r>
+            <a:r>
+              <a:rPr lang="en-US" sz="1200" b="0" i="0" kern="1200" baseline="0" dirty="0">
+                <a:solidFill>
+                  <a:schemeClr val="tx1"/>
+                </a:solidFill>
+                <a:effectLst/>
+                <a:latin typeface="+mn-lt"/>
+                <a:ea typeface="+mn-ea"/>
+                <a:cs typeface="+mn-cs"/>
+              </a:rPr>
+              <a:t>:</a:t>
+            </a:r>
+            <a:br>
+              <a:rPr lang="en-US" sz="1200" b="0" i="0" kern="1200" baseline="0" dirty="0">
+                <a:solidFill>
+                  <a:schemeClr val="tx1"/>
+                </a:solidFill>
+                <a:effectLst/>
+                <a:latin typeface="+mn-lt"/>
+                <a:ea typeface="+mn-ea"/>
+                <a:cs typeface="+mn-cs"/>
+              </a:rPr>
+            </a:br>
+            <a:r>
+              <a:rPr lang="en-US" sz="1200" b="0" i="0" kern="1200" baseline="0" dirty="0">
+                <a:solidFill>
+                  <a:schemeClr val="tx1"/>
+                </a:solidFill>
+                <a:effectLst/>
+                <a:latin typeface="+mn-lt"/>
+                <a:ea typeface="+mn-ea"/>
+                <a:cs typeface="+mn-cs"/>
+              </a:rPr>
+              <a:t>	</a:t>
+            </a:r>
+            <a:r>
+              <a:rPr lang="en-US" sz="1200" b="1" i="0" kern="1200" dirty="0">
+                <a:solidFill>
+                  <a:schemeClr val="tx1"/>
+                </a:solidFill>
+                <a:effectLst/>
+                <a:latin typeface="+mn-lt"/>
+                <a:ea typeface="+mn-ea"/>
+                <a:cs typeface="+mn-cs"/>
+              </a:rPr>
+              <a:t>Cons:</a:t>
+            </a:r>
+          </a:p>
+          <a:p>
+            <a:pPr marL="1085850" lvl="2" indent="-171450">
+              <a:buFont typeface="Arial" panose="020B0604020202020204" pitchFamily="34" charset="0"/>
+              <a:buChar char="•"/>
+            </a:pPr>
+            <a:r>
+              <a:rPr lang="en-US" sz="1200" b="0" i="0" kern="1200" dirty="0">
+                <a:solidFill>
+                  <a:schemeClr val="tx1"/>
+                </a:solidFill>
+                <a:effectLst/>
+                <a:latin typeface="+mn-lt"/>
+                <a:ea typeface="+mn-ea"/>
+                <a:cs typeface="+mn-cs"/>
+              </a:rPr>
+              <a:t>Excessive, unnecessary auto-boxing and auto-unboxing can hinder your performance.</a:t>
+            </a:r>
+          </a:p>
+          <a:p>
+            <a:r>
+              <a:rPr lang="en-US" sz="1200" b="0" i="0" kern="1200" dirty="0">
+                <a:solidFill>
+                  <a:schemeClr val="tx1"/>
+                </a:solidFill>
+                <a:effectLst/>
+                <a:latin typeface="+mn-lt"/>
+                <a:ea typeface="+mn-ea"/>
+                <a:cs typeface="+mn-cs"/>
+              </a:rPr>
+              <a:t>	</a:t>
+            </a:r>
+          </a:p>
+          <a:p>
+            <a:pPr marL="1085850" lvl="2" indent="-171450">
+              <a:buFont typeface="Arial" panose="020B0604020202020204" pitchFamily="34" charset="0"/>
+              <a:buChar char="•"/>
+            </a:pPr>
+            <a:r>
+              <a:rPr lang="en-US" sz="1200" b="0" i="0" kern="1200" dirty="0">
+                <a:solidFill>
+                  <a:schemeClr val="tx1"/>
+                </a:solidFill>
+                <a:effectLst/>
+                <a:latin typeface="+mn-lt"/>
+                <a:ea typeface="+mn-ea"/>
+                <a:cs typeface="+mn-cs"/>
+              </a:rPr>
+              <a:t>For example, if you have an API that returns a double and another API that expects a double, but you handle the value as a Double in between, then you're doing useless auto-boxing.</a:t>
+            </a:r>
+          </a:p>
+          <a:p>
+            <a:r>
+              <a:rPr lang="en-US" sz="1200" b="0" i="0" kern="1200" dirty="0">
+                <a:solidFill>
+                  <a:schemeClr val="tx1"/>
+                </a:solidFill>
+                <a:effectLst/>
+                <a:latin typeface="+mn-lt"/>
+                <a:ea typeface="+mn-ea"/>
+                <a:cs typeface="+mn-cs"/>
+              </a:rPr>
+              <a:t>	auto-unboxing can introduce a </a:t>
+            </a:r>
+            <a:r>
+              <a:rPr lang="en-US" sz="1200" b="0" i="0" kern="1200" dirty="0" err="1">
+                <a:solidFill>
+                  <a:schemeClr val="tx1"/>
+                </a:solidFill>
+                <a:effectLst/>
+                <a:latin typeface="+mn-lt"/>
+                <a:ea typeface="+mn-ea"/>
+                <a:cs typeface="+mn-cs"/>
+              </a:rPr>
+              <a:t>NullPointerException</a:t>
+            </a:r>
+            <a:r>
+              <a:rPr lang="en-US" sz="1200" b="0" i="0" kern="1200" dirty="0">
+                <a:solidFill>
+                  <a:schemeClr val="tx1"/>
+                </a:solidFill>
+                <a:effectLst/>
+                <a:latin typeface="+mn-lt"/>
+                <a:ea typeface="+mn-ea"/>
+                <a:cs typeface="+mn-cs"/>
+              </a:rPr>
+              <a:t> where you don't expect it:</a:t>
+            </a:r>
+            <a:br>
+              <a:rPr lang="en-US" sz="1200" b="0" i="0" kern="1200" dirty="0">
+                <a:solidFill>
+                  <a:schemeClr val="tx1"/>
+                </a:solidFill>
+                <a:effectLst/>
+                <a:latin typeface="+mn-lt"/>
+                <a:ea typeface="+mn-ea"/>
+                <a:cs typeface="+mn-cs"/>
+              </a:rPr>
+            </a:br>
+            <a:r>
+              <a:rPr lang="en-US" sz="1200" b="0" i="0" kern="1200" dirty="0">
+                <a:solidFill>
+                  <a:schemeClr val="tx1"/>
+                </a:solidFill>
+                <a:effectLst/>
+                <a:latin typeface="+mn-lt"/>
+                <a:ea typeface="+mn-ea"/>
+                <a:cs typeface="+mn-cs"/>
+              </a:rPr>
+              <a:t>	public void </a:t>
+            </a:r>
+            <a:r>
+              <a:rPr lang="en-US" sz="1200" b="0" i="0" kern="1200" dirty="0" err="1">
+                <a:solidFill>
+                  <a:schemeClr val="tx1"/>
+                </a:solidFill>
+                <a:effectLst/>
+                <a:latin typeface="+mn-lt"/>
+                <a:ea typeface="+mn-ea"/>
+                <a:cs typeface="+mn-cs"/>
+              </a:rPr>
+              <a:t>getResult</a:t>
+            </a:r>
+            <a:r>
+              <a:rPr lang="en-US" sz="1200" b="0" i="0" kern="1200" dirty="0">
+                <a:solidFill>
+                  <a:schemeClr val="tx1"/>
+                </a:solidFill>
+                <a:effectLst/>
+                <a:latin typeface="+mn-lt"/>
+                <a:ea typeface="+mn-ea"/>
+                <a:cs typeface="+mn-cs"/>
+              </a:rPr>
+              <a:t>(Double d) {</a:t>
+            </a:r>
+            <a:br>
+              <a:rPr lang="en-US" sz="1200" b="0" i="0" kern="1200" dirty="0">
+                <a:solidFill>
+                  <a:schemeClr val="tx1"/>
+                </a:solidFill>
+                <a:effectLst/>
+                <a:latin typeface="+mn-lt"/>
+                <a:ea typeface="+mn-ea"/>
+                <a:cs typeface="+mn-cs"/>
+              </a:rPr>
+            </a:br>
+            <a:r>
+              <a:rPr lang="en-US" sz="1200" b="0" i="0" kern="1200" dirty="0">
+                <a:solidFill>
+                  <a:schemeClr val="tx1"/>
+                </a:solidFill>
+                <a:effectLst/>
+                <a:latin typeface="+mn-lt"/>
+                <a:ea typeface="+mn-ea"/>
+                <a:cs typeface="+mn-cs"/>
+              </a:rPr>
+              <a:t>	  double result = d / 2;</a:t>
+            </a:r>
+            <a:br>
+              <a:rPr lang="en-US" sz="1200" b="0" i="0" kern="1200" dirty="0">
+                <a:solidFill>
+                  <a:schemeClr val="tx1"/>
+                </a:solidFill>
+                <a:effectLst/>
+                <a:latin typeface="+mn-lt"/>
+                <a:ea typeface="+mn-ea"/>
+                <a:cs typeface="+mn-cs"/>
+              </a:rPr>
+            </a:br>
+            <a:r>
+              <a:rPr lang="en-US" sz="1200" b="0" i="0" kern="1200" dirty="0">
+                <a:solidFill>
+                  <a:schemeClr val="tx1"/>
+                </a:solidFill>
+                <a:effectLst/>
+                <a:latin typeface="+mn-lt"/>
+                <a:ea typeface="+mn-ea"/>
+                <a:cs typeface="+mn-cs"/>
+              </a:rPr>
+              <a:t>	  // ...</a:t>
+            </a:r>
+            <a:br>
+              <a:rPr lang="en-US" sz="1200" b="0" i="0" kern="1200" dirty="0">
+                <a:solidFill>
+                  <a:schemeClr val="tx1"/>
+                </a:solidFill>
+                <a:effectLst/>
+                <a:latin typeface="+mn-lt"/>
+                <a:ea typeface="+mn-ea"/>
+                <a:cs typeface="+mn-cs"/>
+              </a:rPr>
+            </a:br>
+            <a:r>
+              <a:rPr lang="en-US" sz="1200" b="0" i="0" kern="1200" dirty="0">
+                <a:solidFill>
+                  <a:schemeClr val="tx1"/>
+                </a:solidFill>
+                <a:effectLst/>
+                <a:latin typeface="+mn-lt"/>
+                <a:ea typeface="+mn-ea"/>
+                <a:cs typeface="+mn-cs"/>
+              </a:rPr>
+              <a:t>	}</a:t>
+            </a:r>
+            <a:br>
+              <a:rPr lang="en-US" sz="1200" b="0" i="0" kern="1200" dirty="0">
+                <a:solidFill>
+                  <a:schemeClr val="tx1"/>
+                </a:solidFill>
+                <a:effectLst/>
+                <a:latin typeface="+mn-lt"/>
+                <a:ea typeface="+mn-ea"/>
+                <a:cs typeface="+mn-cs"/>
+              </a:rPr>
+            </a:br>
+            <a:endParaRPr lang="en-US" sz="1200" b="0" i="0" kern="1200" dirty="0">
+              <a:solidFill>
+                <a:schemeClr val="tx1"/>
+              </a:solidFill>
+              <a:effectLst/>
+              <a:latin typeface="+mn-lt"/>
+              <a:ea typeface="+mn-ea"/>
+              <a:cs typeface="+mn-cs"/>
+            </a:endParaRPr>
+          </a:p>
+          <a:p>
+            <a:pPr marL="1085850" lvl="2" indent="-171450">
+              <a:buFont typeface="Arial" panose="020B0604020202020204" pitchFamily="34" charset="0"/>
+              <a:buChar char="•"/>
+            </a:pPr>
+            <a:r>
+              <a:rPr lang="en-US" sz="1200" b="0" i="0" kern="1200" dirty="0">
+                <a:solidFill>
+                  <a:schemeClr val="tx1"/>
+                </a:solidFill>
+                <a:effectLst/>
+                <a:latin typeface="+mn-lt"/>
+                <a:ea typeface="+mn-ea"/>
+                <a:cs typeface="+mn-cs"/>
+              </a:rPr>
+              <a:t>Using collections of auto-boxed values uses a lot more memory than a comparable double[] for example.</a:t>
+            </a:r>
+          </a:p>
+          <a:p>
+            <a:endParaRPr lang="en-US" sz="1200" b="0" i="0" kern="1200" dirty="0">
+              <a:solidFill>
+                <a:schemeClr val="tx1"/>
+              </a:solidFill>
+              <a:effectLst/>
+              <a:latin typeface="+mn-lt"/>
+              <a:ea typeface="+mn-ea"/>
+              <a:cs typeface="+mn-cs"/>
+            </a:endParaRPr>
+          </a:p>
+          <a:p>
+            <a:endParaRPr lang="pt-PT" dirty="0"/>
+          </a:p>
+        </p:txBody>
+      </p:sp>
+      <p:sp>
+        <p:nvSpPr>
+          <p:cNvPr id="4" name="Slide Number Placeholder 3"/>
+          <p:cNvSpPr>
+            <a:spLocks noGrp="1"/>
+          </p:cNvSpPr>
+          <p:nvPr>
+            <p:ph type="sldNum" sz="quarter" idx="10"/>
+          </p:nvPr>
+        </p:nvSpPr>
+        <p:spPr/>
+        <p:txBody>
+          <a:bodyPr/>
+          <a:lstStyle/>
+          <a:p>
+            <a:fld id="{1A41EC3C-5E62-44D9-A4CD-D519C726EBB2}" type="slidenum">
+              <a:rPr lang="pt-PT" smtClean="0"/>
+              <a:t>2</a:t>
+            </a:fld>
+            <a:endParaRPr lang="pt-PT"/>
+          </a:p>
+        </p:txBody>
+      </p:sp>
+    </p:spTree>
+    <p:extLst>
+      <p:ext uri="{BB962C8B-B14F-4D97-AF65-F5344CB8AC3E}">
+        <p14:creationId xmlns:p14="http://schemas.microsoft.com/office/powerpoint/2010/main" val="3382542479"/>
+      </p:ext>
+    </p:extLst>
+  </p:cSld>
+  <p:clrMapOvr>
+    <a:masterClrMapping/>
+  </p:clrMapOvr>
+</p:notes>
+</file>
+
+<file path=ppt/notesSlides/notesSlide3.xml><?xml version="1.0" encoding="utf-8"?>
+<p:notes xmlns:a="http://schemas.openxmlformats.org/drawingml/2006/main" xmlns:r="http://schemas.openxmlformats.org/officeDocument/2006/relationships" xmlns:p="http://schemas.openxmlformats.org/presentationml/2006/main">
+  <p:cSld>
+    <p:spTree>
+      <p:nvGrpSpPr>
+        <p:cNvPr id="1" name=""/>
+        <p:cNvGrpSpPr/>
+        <p:nvPr/>
+      </p:nvGrpSpPr>
+      <p:grpSpPr>
+        <a:xfrm>
+          <a:off x="0" y="0"/>
+          <a:ext cx="0" cy="0"/>
+          <a:chOff x="0" y="0"/>
+          <a:chExt cx="0" cy="0"/>
+        </a:xfrm>
+      </p:grpSpPr>
+      <p:sp>
+        <p:nvSpPr>
+          <p:cNvPr id="2" name="Slide Image Placeholder 1"/>
+          <p:cNvSpPr>
+            <a:spLocks noGrp="1" noRot="1" noChangeAspect="1"/>
+          </p:cNvSpPr>
+          <p:nvPr>
+            <p:ph type="sldImg"/>
+          </p:nvPr>
+        </p:nvSpPr>
+        <p:spPr/>
+      </p:sp>
+      <p:sp>
+        <p:nvSpPr>
+          <p:cNvPr id="3" name="Notes Placeholder 2"/>
+          <p:cNvSpPr>
+            <a:spLocks noGrp="1"/>
+          </p:cNvSpPr>
+          <p:nvPr>
+            <p:ph type="body" idx="1"/>
+          </p:nvPr>
+        </p:nvSpPr>
+        <p:spPr/>
+        <p:txBody>
+          <a:bodyPr/>
+          <a:lstStyle/>
+          <a:p>
+            <a:r>
+              <a:rPr lang="en-US" dirty="0" err="1"/>
+              <a:t>Dizer</a:t>
+            </a:r>
+            <a:r>
+              <a:rPr lang="en-US" baseline="0" dirty="0"/>
+              <a:t> que com </a:t>
+            </a:r>
+            <a:r>
+              <a:rPr lang="en-US" baseline="0" dirty="0" err="1"/>
+              <a:t>este</a:t>
+            </a:r>
+            <a:r>
+              <a:rPr lang="en-US" baseline="0" dirty="0"/>
+              <a:t> </a:t>
+            </a:r>
+            <a:r>
+              <a:rPr lang="en-US" baseline="0" dirty="0" err="1"/>
+              <a:t>projeto</a:t>
+            </a:r>
+            <a:r>
+              <a:rPr lang="en-US" baseline="0" dirty="0"/>
+              <a:t> </a:t>
+            </a:r>
+            <a:r>
+              <a:rPr lang="en-US" baseline="0" dirty="0" err="1"/>
+              <a:t>tinhamos</a:t>
+            </a:r>
+            <a:r>
+              <a:rPr lang="en-US" baseline="0" dirty="0"/>
+              <a:t> o </a:t>
+            </a:r>
+            <a:r>
+              <a:rPr lang="en-US" baseline="0" dirty="0" err="1"/>
+              <a:t>objectivo</a:t>
+            </a:r>
+            <a:r>
+              <a:rPr lang="en-US" baseline="0" dirty="0"/>
+              <a:t> de detector </a:t>
+            </a:r>
+            <a:r>
+              <a:rPr lang="en-US" baseline="0" dirty="0" err="1"/>
+              <a:t>todas</a:t>
+            </a:r>
+            <a:r>
+              <a:rPr lang="en-US" baseline="0" dirty="0"/>
+              <a:t> as </a:t>
+            </a:r>
+            <a:r>
+              <a:rPr lang="en-US" baseline="0" dirty="0" err="1"/>
+              <a:t>operaçoes</a:t>
+            </a:r>
+            <a:r>
+              <a:rPr lang="en-US" baseline="0" dirty="0"/>
+              <a:t> de boxing e unboxing </a:t>
+            </a:r>
+            <a:r>
+              <a:rPr lang="en-US" baseline="0" dirty="0" err="1"/>
+              <a:t>num</a:t>
+            </a:r>
+            <a:r>
+              <a:rPr lang="en-US" baseline="0" dirty="0"/>
+              <a:t> </a:t>
+            </a:r>
+            <a:r>
+              <a:rPr lang="en-US" baseline="0" dirty="0" err="1"/>
+              <a:t>programa</a:t>
+            </a:r>
+            <a:r>
+              <a:rPr lang="en-US" baseline="0" dirty="0"/>
+              <a:t>.</a:t>
+            </a:r>
+            <a:endParaRPr lang="pt-PT" dirty="0"/>
+          </a:p>
+        </p:txBody>
+      </p:sp>
+      <p:sp>
+        <p:nvSpPr>
+          <p:cNvPr id="4" name="Slide Number Placeholder 3"/>
+          <p:cNvSpPr>
+            <a:spLocks noGrp="1"/>
+          </p:cNvSpPr>
+          <p:nvPr>
+            <p:ph type="sldNum" sz="quarter" idx="10"/>
+          </p:nvPr>
+        </p:nvSpPr>
+        <p:spPr/>
+        <p:txBody>
+          <a:bodyPr/>
+          <a:lstStyle/>
+          <a:p>
+            <a:fld id="{1A41EC3C-5E62-44D9-A4CD-D519C726EBB2}" type="slidenum">
+              <a:rPr lang="pt-PT" smtClean="0"/>
+              <a:t>3</a:t>
+            </a:fld>
+            <a:endParaRPr lang="pt-PT"/>
+          </a:p>
+        </p:txBody>
+      </p:sp>
+    </p:spTree>
+    <p:extLst>
+      <p:ext uri="{BB962C8B-B14F-4D97-AF65-F5344CB8AC3E}">
+        <p14:creationId xmlns:p14="http://schemas.microsoft.com/office/powerpoint/2010/main" val="1244797119"/>
+      </p:ext>
+    </p:extLst>
+  </p:cSld>
+  <p:clrMapOvr>
+    <a:masterClrMapping/>
+  </p:clrMapOvr>
+</p:notes>
+</file>
+
+<file path=ppt/notesSlides/notesSlide4.xml><?xml version="1.0" encoding="utf-8"?>
+<p:notes xmlns:a="http://schemas.openxmlformats.org/drawingml/2006/main" xmlns:r="http://schemas.openxmlformats.org/officeDocument/2006/relationships" xmlns:p="http://schemas.openxmlformats.org/presentationml/2006/main">
+  <p:cSld>
+    <p:spTree>
+      <p:nvGrpSpPr>
+        <p:cNvPr id="1" name=""/>
+        <p:cNvGrpSpPr/>
+        <p:nvPr/>
+      </p:nvGrpSpPr>
+      <p:grpSpPr>
+        <a:xfrm>
+          <a:off x="0" y="0"/>
+          <a:ext cx="0" cy="0"/>
+          <a:chOff x="0" y="0"/>
+          <a:chExt cx="0" cy="0"/>
+        </a:xfrm>
+      </p:grpSpPr>
+      <p:sp>
+        <p:nvSpPr>
+          <p:cNvPr id="2" name="Slide Image Placeholder 1"/>
+          <p:cNvSpPr>
+            <a:spLocks noGrp="1" noRot="1" noChangeAspect="1"/>
+          </p:cNvSpPr>
+          <p:nvPr>
+            <p:ph type="sldImg"/>
+          </p:nvPr>
+        </p:nvSpPr>
+        <p:spPr/>
+      </p:sp>
+      <p:sp>
+        <p:nvSpPr>
+          <p:cNvPr id="3" name="Notes Placeholder 2"/>
+          <p:cNvSpPr>
+            <a:spLocks noGrp="1"/>
+          </p:cNvSpPr>
+          <p:nvPr>
+            <p:ph type="body" idx="1"/>
+          </p:nvPr>
+        </p:nvSpPr>
+        <p:spPr/>
+        <p:txBody>
+          <a:bodyPr/>
+          <a:lstStyle/>
+          <a:p>
+            <a:endParaRPr lang="pt-PT" dirty="0"/>
+          </a:p>
+        </p:txBody>
+      </p:sp>
+      <p:sp>
+        <p:nvSpPr>
+          <p:cNvPr id="4" name="Slide Number Placeholder 3"/>
+          <p:cNvSpPr>
+            <a:spLocks noGrp="1"/>
+          </p:cNvSpPr>
+          <p:nvPr>
+            <p:ph type="sldNum" sz="quarter" idx="10"/>
+          </p:nvPr>
+        </p:nvSpPr>
+        <p:spPr/>
+        <p:txBody>
+          <a:bodyPr/>
+          <a:lstStyle/>
+          <a:p>
+            <a:fld id="{1A41EC3C-5E62-44D9-A4CD-D519C726EBB2}" type="slidenum">
+              <a:rPr lang="pt-PT" smtClean="0"/>
+              <a:t>4</a:t>
+            </a:fld>
+            <a:endParaRPr lang="pt-PT"/>
+          </a:p>
+        </p:txBody>
+      </p:sp>
+    </p:spTree>
+    <p:extLst>
+      <p:ext uri="{BB962C8B-B14F-4D97-AF65-F5344CB8AC3E}">
+        <p14:creationId xmlns:p14="http://schemas.microsoft.com/office/powerpoint/2010/main" val="2427566830"/>
+      </p:ext>
+    </p:extLst>
+  </p:cSld>
+  <p:clrMapOvr>
+    <a:masterClrMapping/>
+  </p:clrMapOvr>
+</p:notes>
+</file>
+
+<file path=ppt/notesSlides/notesSlide5.xml><?xml version="1.0" encoding="utf-8"?>
+<p:notes xmlns:a="http://schemas.openxmlformats.org/drawingml/2006/main" xmlns:r="http://schemas.openxmlformats.org/officeDocument/2006/relationships" xmlns:p="http://schemas.openxmlformats.org/presentationml/2006/main">
+  <p:cSld>
+    <p:spTree>
+      <p:nvGrpSpPr>
+        <p:cNvPr id="1" name=""/>
+        <p:cNvGrpSpPr/>
+        <p:nvPr/>
+      </p:nvGrpSpPr>
+      <p:grpSpPr>
+        <a:xfrm>
+          <a:off x="0" y="0"/>
+          <a:ext cx="0" cy="0"/>
+          <a:chOff x="0" y="0"/>
+          <a:chExt cx="0" cy="0"/>
+        </a:xfrm>
+      </p:grpSpPr>
+      <p:sp>
+        <p:nvSpPr>
+          <p:cNvPr id="2" name="Slide Image Placeholder 1"/>
+          <p:cNvSpPr>
+            <a:spLocks noGrp="1" noRot="1" noChangeAspect="1"/>
+          </p:cNvSpPr>
+          <p:nvPr>
+            <p:ph type="sldImg"/>
+          </p:nvPr>
+        </p:nvSpPr>
+        <p:spPr/>
+      </p:sp>
+      <p:sp>
+        <p:nvSpPr>
+          <p:cNvPr id="3" name="Notes Placeholder 2"/>
+          <p:cNvSpPr>
+            <a:spLocks noGrp="1"/>
+          </p:cNvSpPr>
+          <p:nvPr>
+            <p:ph type="body" idx="1"/>
+          </p:nvPr>
+        </p:nvSpPr>
+        <p:spPr/>
+        <p:txBody>
+          <a:bodyPr/>
+          <a:lstStyle/>
+          <a:p>
+            <a:r>
+              <a:rPr lang="en-US" dirty="0"/>
+              <a:t>Method</a:t>
+            </a:r>
+            <a:r>
+              <a:rPr lang="en-US" baseline="0" dirty="0"/>
+              <a:t> Name- Nome do </a:t>
+            </a:r>
+            <a:r>
+              <a:rPr lang="en-US" baseline="0" dirty="0" err="1"/>
+              <a:t>metodo</a:t>
+            </a:r>
+            <a:r>
+              <a:rPr lang="en-US" baseline="0" dirty="0"/>
+              <a:t> </a:t>
+            </a:r>
+            <a:r>
+              <a:rPr lang="en-US" baseline="0" dirty="0" err="1"/>
+              <a:t>onde</a:t>
+            </a:r>
+            <a:r>
+              <a:rPr lang="en-US" baseline="0" dirty="0"/>
+              <a:t> é </a:t>
+            </a:r>
+            <a:r>
+              <a:rPr lang="en-US" baseline="0" dirty="0" err="1"/>
+              <a:t>feita</a:t>
+            </a:r>
+            <a:r>
+              <a:rPr lang="en-US" baseline="0" dirty="0"/>
+              <a:t> a </a:t>
+            </a:r>
+            <a:r>
+              <a:rPr lang="en-US" baseline="0" dirty="0" err="1"/>
+              <a:t>operaçao</a:t>
+            </a:r>
+            <a:r>
+              <a:rPr lang="en-US" baseline="0" dirty="0"/>
+              <a:t> de boxing </a:t>
+            </a:r>
+            <a:r>
+              <a:rPr lang="en-US" baseline="0" dirty="0" err="1"/>
+              <a:t>ou</a:t>
+            </a:r>
+            <a:r>
+              <a:rPr lang="en-US" baseline="0" dirty="0"/>
+              <a:t> unboxing</a:t>
+            </a:r>
+            <a:br>
+              <a:rPr lang="en-US" baseline="0" dirty="0"/>
+            </a:br>
+            <a:br>
+              <a:rPr lang="en-US" baseline="0" dirty="0"/>
+            </a:br>
+            <a:r>
+              <a:rPr lang="en-US" baseline="0" dirty="0"/>
+              <a:t>Type- </a:t>
+            </a:r>
+            <a:r>
+              <a:rPr lang="en-US" baseline="0" dirty="0" err="1"/>
+              <a:t>Tipo</a:t>
+            </a:r>
+            <a:r>
+              <a:rPr lang="en-US" baseline="0" dirty="0"/>
+              <a:t> da </a:t>
+            </a:r>
+            <a:r>
+              <a:rPr lang="en-US" baseline="0" dirty="0" err="1"/>
+              <a:t>variavel</a:t>
+            </a:r>
+            <a:r>
+              <a:rPr lang="en-US" baseline="0" dirty="0"/>
+              <a:t> que </a:t>
+            </a:r>
+            <a:r>
+              <a:rPr lang="en-US" baseline="0" dirty="0" err="1"/>
+              <a:t>sofreu</a:t>
+            </a:r>
+            <a:r>
+              <a:rPr lang="en-US" baseline="0" dirty="0"/>
+              <a:t> Boxing </a:t>
+            </a:r>
+            <a:r>
+              <a:rPr lang="en-US" baseline="0" dirty="0" err="1"/>
+              <a:t>ou</a:t>
+            </a:r>
+            <a:r>
+              <a:rPr lang="en-US" baseline="0" dirty="0"/>
+              <a:t> unboxing</a:t>
+            </a:r>
+          </a:p>
+          <a:p>
+            <a:endParaRPr lang="en-US" baseline="0" dirty="0"/>
+          </a:p>
+          <a:p>
+            <a:r>
+              <a:rPr lang="en-US" baseline="0" dirty="0"/>
+              <a:t>Action- O </a:t>
+            </a:r>
+            <a:r>
+              <a:rPr lang="en-US" baseline="0" dirty="0" err="1"/>
+              <a:t>tipo</a:t>
+            </a:r>
+            <a:r>
+              <a:rPr lang="en-US" baseline="0" dirty="0"/>
+              <a:t> de </a:t>
+            </a:r>
+            <a:r>
+              <a:rPr lang="en-US" baseline="0" dirty="0" err="1"/>
+              <a:t>operação</a:t>
+            </a:r>
+            <a:r>
+              <a:rPr lang="en-US" baseline="0" dirty="0"/>
+              <a:t> que </a:t>
+            </a:r>
+            <a:r>
+              <a:rPr lang="en-US" baseline="0" dirty="0" err="1"/>
+              <a:t>ocorreu</a:t>
+            </a:r>
+            <a:r>
+              <a:rPr lang="en-US" baseline="0" dirty="0"/>
+              <a:t>(Boxing </a:t>
+            </a:r>
+            <a:r>
+              <a:rPr lang="en-US" baseline="0" dirty="0" err="1"/>
+              <a:t>ou</a:t>
+            </a:r>
+            <a:r>
+              <a:rPr lang="en-US" baseline="0" dirty="0"/>
+              <a:t> unboxing)</a:t>
+            </a:r>
+            <a:br>
+              <a:rPr lang="en-US" baseline="0" dirty="0"/>
+            </a:br>
+            <a:br>
+              <a:rPr lang="en-US" baseline="0" dirty="0"/>
+            </a:br>
+            <a:r>
+              <a:rPr lang="en-US" baseline="0" dirty="0"/>
+              <a:t>Count- O </a:t>
+            </a:r>
+            <a:r>
+              <a:rPr lang="en-US" baseline="0" dirty="0" err="1"/>
+              <a:t>número</a:t>
+            </a:r>
+            <a:r>
+              <a:rPr lang="en-US" baseline="0" dirty="0"/>
+              <a:t> de </a:t>
+            </a:r>
+            <a:r>
+              <a:rPr lang="en-US" baseline="0" dirty="0" err="1"/>
+              <a:t>vezes</a:t>
+            </a:r>
+            <a:r>
+              <a:rPr lang="en-US" baseline="0" dirty="0"/>
+              <a:t> que a </a:t>
+            </a:r>
+            <a:r>
+              <a:rPr lang="en-US" baseline="0" dirty="0" err="1"/>
+              <a:t>operação</a:t>
+            </a:r>
+            <a:r>
+              <a:rPr lang="en-US" baseline="0" dirty="0"/>
+              <a:t> </a:t>
+            </a:r>
+            <a:r>
+              <a:rPr lang="en-US" baseline="0" dirty="0" err="1"/>
+              <a:t>ocorreu</a:t>
+            </a:r>
+            <a:r>
+              <a:rPr lang="en-US" baseline="0" dirty="0"/>
+              <a:t> para um dado </a:t>
+            </a:r>
+            <a:r>
+              <a:rPr lang="en-US" baseline="0" dirty="0" err="1"/>
+              <a:t>tipo</a:t>
+            </a:r>
+            <a:r>
+              <a:rPr lang="en-US" baseline="0" dirty="0"/>
+              <a:t> </a:t>
+            </a:r>
+            <a:r>
+              <a:rPr lang="en-US" baseline="0" dirty="0" err="1"/>
+              <a:t>num</a:t>
+            </a:r>
+            <a:r>
+              <a:rPr lang="en-US" baseline="0" dirty="0"/>
+              <a:t> dado </a:t>
+            </a:r>
+            <a:r>
+              <a:rPr lang="en-US" baseline="0" dirty="0" err="1"/>
+              <a:t>metodo</a:t>
+            </a:r>
+            <a:endParaRPr lang="pt-PT" dirty="0"/>
+          </a:p>
+        </p:txBody>
+      </p:sp>
+      <p:sp>
+        <p:nvSpPr>
+          <p:cNvPr id="4" name="Slide Number Placeholder 3"/>
+          <p:cNvSpPr>
+            <a:spLocks noGrp="1"/>
+          </p:cNvSpPr>
+          <p:nvPr>
+            <p:ph type="sldNum" sz="quarter" idx="10"/>
+          </p:nvPr>
+        </p:nvSpPr>
+        <p:spPr/>
+        <p:txBody>
+          <a:bodyPr/>
+          <a:lstStyle/>
+          <a:p>
+            <a:fld id="{1A41EC3C-5E62-44D9-A4CD-D519C726EBB2}" type="slidenum">
+              <a:rPr lang="pt-PT" smtClean="0"/>
+              <a:t>5</a:t>
+            </a:fld>
+            <a:endParaRPr lang="pt-PT"/>
+          </a:p>
+        </p:txBody>
+      </p:sp>
+    </p:spTree>
+    <p:extLst>
+      <p:ext uri="{BB962C8B-B14F-4D97-AF65-F5344CB8AC3E}">
+        <p14:creationId xmlns:p14="http://schemas.microsoft.com/office/powerpoint/2010/main" val="774789898"/>
+      </p:ext>
+    </p:extLst>
+  </p:cSld>
+  <p:clrMapOvr>
+    <a:masterClrMapping/>
+  </p:clrMapOvr>
+</p:notes>
+</file>
+
+<file path=ppt/notesSlides/notesSlide6.xml><?xml version="1.0" encoding="utf-8"?>
+<p:notes xmlns:a="http://schemas.openxmlformats.org/drawingml/2006/main" xmlns:r="http://schemas.openxmlformats.org/officeDocument/2006/relationships" xmlns:p="http://schemas.openxmlformats.org/presentationml/2006/main">
+  <p:cSld>
+    <p:spTree>
+      <p:nvGrpSpPr>
+        <p:cNvPr id="1" name=""/>
+        <p:cNvGrpSpPr/>
+        <p:nvPr/>
+      </p:nvGrpSpPr>
+      <p:grpSpPr>
+        <a:xfrm>
+          <a:off x="0" y="0"/>
+          <a:ext cx="0" cy="0"/>
+          <a:chOff x="0" y="0"/>
+          <a:chExt cx="0" cy="0"/>
+        </a:xfrm>
+      </p:grpSpPr>
+      <p:sp>
+        <p:nvSpPr>
+          <p:cNvPr id="2" name="Slide Image Placeholder 1"/>
+          <p:cNvSpPr>
+            <a:spLocks noGrp="1" noRot="1" noChangeAspect="1"/>
+          </p:cNvSpPr>
+          <p:nvPr>
+            <p:ph type="sldImg"/>
+          </p:nvPr>
+        </p:nvSpPr>
+        <p:spPr/>
+      </p:sp>
+      <p:sp>
+        <p:nvSpPr>
+          <p:cNvPr id="3" name="Notes Placeholder 2"/>
+          <p:cNvSpPr>
+            <a:spLocks noGrp="1"/>
+          </p:cNvSpPr>
+          <p:nvPr>
+            <p:ph type="body" idx="1"/>
+          </p:nvPr>
+        </p:nvSpPr>
+        <p:spPr/>
+        <p:txBody>
+          <a:bodyPr/>
+          <a:lstStyle/>
+          <a:p>
+            <a:r>
+              <a:rPr lang="en-US" dirty="0" err="1"/>
+              <a:t>InsertData</a:t>
+            </a:r>
+            <a:r>
+              <a:rPr lang="en-US" baseline="0" dirty="0"/>
+              <a:t> serve para </a:t>
+            </a:r>
+            <a:r>
+              <a:rPr lang="en-US" baseline="0" dirty="0" err="1"/>
+              <a:t>incrementar</a:t>
+            </a:r>
+            <a:r>
+              <a:rPr lang="en-US" baseline="0" dirty="0"/>
+              <a:t> a </a:t>
+            </a:r>
+            <a:r>
+              <a:rPr lang="en-US" baseline="0" dirty="0" err="1"/>
+              <a:t>contagem</a:t>
+            </a:r>
+            <a:r>
+              <a:rPr lang="en-US" baseline="0" dirty="0"/>
+              <a:t> do </a:t>
+            </a:r>
+            <a:r>
+              <a:rPr lang="en-US" baseline="0" dirty="0" err="1"/>
+              <a:t>numero</a:t>
+            </a:r>
+            <a:r>
+              <a:rPr lang="en-US" baseline="0" dirty="0"/>
+              <a:t> de </a:t>
+            </a:r>
+            <a:r>
+              <a:rPr lang="en-US" baseline="0" dirty="0" err="1"/>
+              <a:t>operações</a:t>
+            </a:r>
+            <a:r>
+              <a:rPr lang="en-US" baseline="0" dirty="0"/>
+              <a:t> de boxing e unboxing </a:t>
+            </a:r>
+            <a:r>
+              <a:rPr lang="en-US" baseline="0" dirty="0" err="1"/>
+              <a:t>feitas</a:t>
+            </a:r>
+            <a:r>
+              <a:rPr lang="en-US" baseline="0" dirty="0"/>
+              <a:t>. </a:t>
+            </a:r>
+            <a:r>
+              <a:rPr lang="en-US" baseline="0" dirty="0" err="1"/>
+              <a:t>Esta</a:t>
+            </a:r>
+            <a:r>
+              <a:rPr lang="en-US" baseline="0" dirty="0"/>
+              <a:t> </a:t>
+            </a:r>
+            <a:r>
+              <a:rPr lang="en-US" baseline="0" dirty="0" err="1"/>
+              <a:t>funçao</a:t>
+            </a:r>
+            <a:r>
+              <a:rPr lang="en-US" baseline="0" dirty="0"/>
+              <a:t> </a:t>
+            </a:r>
+            <a:r>
+              <a:rPr lang="en-US" baseline="0" dirty="0" err="1"/>
+              <a:t>recebe</a:t>
+            </a:r>
+            <a:r>
+              <a:rPr lang="en-US" baseline="0" dirty="0"/>
+              <a:t> </a:t>
+            </a:r>
+            <a:r>
+              <a:rPr lang="en-US" baseline="0" dirty="0" err="1"/>
+              <a:t>como</a:t>
+            </a:r>
+            <a:r>
+              <a:rPr lang="en-US" baseline="0" dirty="0"/>
+              <a:t> </a:t>
+            </a:r>
+            <a:r>
+              <a:rPr lang="en-US" baseline="0" dirty="0" err="1"/>
+              <a:t>argumentos</a:t>
+            </a:r>
+            <a:r>
+              <a:rPr lang="en-US" baseline="0" dirty="0"/>
+              <a:t> o nome do </a:t>
+            </a:r>
+            <a:r>
+              <a:rPr lang="en-US" baseline="0" dirty="0" err="1"/>
+              <a:t>Metodo</a:t>
+            </a:r>
+            <a:r>
+              <a:rPr lang="en-US" baseline="0" dirty="0"/>
+              <a:t> </a:t>
+            </a:r>
+            <a:r>
+              <a:rPr lang="en-US" baseline="0" dirty="0" err="1"/>
+              <a:t>onde</a:t>
+            </a:r>
+            <a:r>
+              <a:rPr lang="en-US" baseline="0" dirty="0"/>
+              <a:t> </a:t>
+            </a:r>
+            <a:r>
+              <a:rPr lang="en-US" baseline="0" dirty="0" err="1"/>
+              <a:t>foi</a:t>
+            </a:r>
+            <a:r>
+              <a:rPr lang="en-US" baseline="0" dirty="0"/>
+              <a:t> </a:t>
+            </a:r>
+            <a:r>
+              <a:rPr lang="en-US" baseline="0" dirty="0" err="1"/>
+              <a:t>realizada</a:t>
+            </a:r>
+            <a:r>
+              <a:rPr lang="en-US" baseline="0" dirty="0"/>
+              <a:t> a </a:t>
+            </a:r>
+            <a:r>
+              <a:rPr lang="en-US" baseline="0" dirty="0" err="1"/>
+              <a:t>operaçao</a:t>
+            </a:r>
+            <a:r>
+              <a:rPr lang="en-US" baseline="0" dirty="0"/>
+              <a:t>, o </a:t>
+            </a:r>
+            <a:r>
+              <a:rPr lang="en-US" baseline="0" dirty="0" err="1"/>
+              <a:t>tipo</a:t>
+            </a:r>
+            <a:r>
+              <a:rPr lang="en-US" baseline="0" dirty="0"/>
+              <a:t> da </a:t>
+            </a:r>
+            <a:r>
+              <a:rPr lang="en-US" baseline="0" dirty="0" err="1"/>
+              <a:t>variavel</a:t>
+            </a:r>
+            <a:r>
+              <a:rPr lang="en-US" baseline="0" dirty="0"/>
+              <a:t> e </a:t>
+            </a:r>
+            <a:r>
+              <a:rPr lang="en-US" baseline="0" dirty="0" err="1"/>
+              <a:t>qual</a:t>
+            </a:r>
+            <a:r>
+              <a:rPr lang="en-US" baseline="0" dirty="0"/>
+              <a:t> a </a:t>
+            </a:r>
+            <a:r>
+              <a:rPr lang="en-US" baseline="0" dirty="0" err="1"/>
+              <a:t>operação</a:t>
+            </a:r>
+            <a:r>
+              <a:rPr lang="en-US" baseline="0" dirty="0"/>
+              <a:t>, boxing </a:t>
+            </a:r>
+            <a:r>
+              <a:rPr lang="en-US" baseline="0" dirty="0" err="1"/>
+              <a:t>ou</a:t>
+            </a:r>
+            <a:r>
+              <a:rPr lang="en-US" baseline="0" dirty="0"/>
+              <a:t> unboxing</a:t>
+            </a:r>
+          </a:p>
+          <a:p>
+            <a:endParaRPr lang="en-US" baseline="0" dirty="0"/>
+          </a:p>
+          <a:p>
+            <a:r>
+              <a:rPr lang="en-US" baseline="0" dirty="0" err="1"/>
+              <a:t>printData</a:t>
+            </a:r>
+            <a:r>
+              <a:rPr lang="en-US" baseline="0" dirty="0"/>
+              <a:t> é </a:t>
+            </a:r>
+            <a:r>
+              <a:rPr lang="en-US" baseline="0" dirty="0" err="1"/>
+              <a:t>uma</a:t>
+            </a:r>
+            <a:r>
+              <a:rPr lang="en-US" baseline="0" dirty="0"/>
+              <a:t> </a:t>
+            </a:r>
+            <a:r>
+              <a:rPr lang="en-US" baseline="0" dirty="0" err="1"/>
+              <a:t>função</a:t>
+            </a:r>
+            <a:r>
+              <a:rPr lang="en-US" baseline="0" dirty="0"/>
+              <a:t> que </a:t>
+            </a:r>
+            <a:r>
+              <a:rPr lang="en-US" baseline="0" dirty="0" err="1"/>
+              <a:t>ser</a:t>
+            </a:r>
+            <a:r>
+              <a:rPr lang="en-US" baseline="0" dirty="0"/>
+              <a:t> </a:t>
+            </a:r>
+            <a:r>
+              <a:rPr lang="en-US" baseline="0" dirty="0" err="1"/>
+              <a:t>apenas</a:t>
+            </a:r>
+            <a:r>
+              <a:rPr lang="en-US" baseline="0" dirty="0"/>
+              <a:t> para </a:t>
+            </a:r>
+            <a:r>
+              <a:rPr lang="en-US" baseline="0" dirty="0" err="1"/>
+              <a:t>imprimir</a:t>
+            </a:r>
+            <a:r>
+              <a:rPr lang="en-US" baseline="0" dirty="0"/>
+              <a:t> no </a:t>
+            </a:r>
+            <a:r>
+              <a:rPr lang="en-US" baseline="0" dirty="0" err="1"/>
+              <a:t>formato</a:t>
+            </a:r>
+            <a:r>
+              <a:rPr lang="en-US" baseline="0" dirty="0"/>
+              <a:t> </a:t>
+            </a:r>
+            <a:r>
+              <a:rPr lang="en-US" baseline="0" dirty="0" err="1"/>
+              <a:t>desejado</a:t>
+            </a:r>
+            <a:r>
+              <a:rPr lang="en-US" baseline="0" dirty="0"/>
+              <a:t> o </a:t>
+            </a:r>
+            <a:r>
+              <a:rPr lang="en-US" baseline="0" dirty="0" err="1"/>
+              <a:t>número</a:t>
+            </a:r>
+            <a:r>
+              <a:rPr lang="en-US" baseline="0" dirty="0"/>
+              <a:t> de </a:t>
+            </a:r>
+            <a:r>
+              <a:rPr lang="en-US" baseline="0" dirty="0" err="1"/>
+              <a:t>vezes</a:t>
+            </a:r>
+            <a:r>
+              <a:rPr lang="en-US" baseline="0" dirty="0"/>
+              <a:t> que </a:t>
+            </a:r>
+            <a:r>
+              <a:rPr lang="en-US" baseline="0" dirty="0" err="1"/>
+              <a:t>existiram</a:t>
+            </a:r>
+            <a:r>
+              <a:rPr lang="en-US" baseline="0" dirty="0"/>
+              <a:t> </a:t>
+            </a:r>
+            <a:r>
+              <a:rPr lang="en-US" baseline="0" dirty="0" err="1"/>
+              <a:t>operaçoes</a:t>
+            </a:r>
+            <a:r>
+              <a:rPr lang="en-US" baseline="0" dirty="0"/>
+              <a:t> de boxing e unboxing para </a:t>
+            </a:r>
+            <a:r>
+              <a:rPr lang="en-US" baseline="0" dirty="0" err="1"/>
+              <a:t>cada</a:t>
+            </a:r>
+            <a:r>
+              <a:rPr lang="en-US" baseline="0" dirty="0"/>
+              <a:t> </a:t>
+            </a:r>
+            <a:r>
+              <a:rPr lang="en-US" baseline="0" dirty="0" err="1"/>
+              <a:t>metodo</a:t>
+            </a:r>
+            <a:r>
+              <a:rPr lang="en-US" baseline="0" dirty="0"/>
+              <a:t>, </a:t>
+            </a:r>
+            <a:r>
+              <a:rPr lang="en-US" baseline="0" dirty="0" err="1"/>
+              <a:t>tipo</a:t>
+            </a:r>
+            <a:r>
+              <a:rPr lang="en-US" baseline="0" dirty="0"/>
+              <a:t> de </a:t>
+            </a:r>
+            <a:r>
+              <a:rPr lang="en-US" baseline="0" dirty="0" err="1"/>
+              <a:t>variavel</a:t>
+            </a:r>
+            <a:r>
+              <a:rPr lang="en-US" baseline="0" dirty="0"/>
+              <a:t> e </a:t>
+            </a:r>
+            <a:r>
+              <a:rPr lang="en-US" baseline="0" dirty="0" err="1"/>
+              <a:t>tipo</a:t>
+            </a:r>
+            <a:r>
+              <a:rPr lang="en-US" baseline="0" dirty="0"/>
+              <a:t> de </a:t>
+            </a:r>
+            <a:r>
+              <a:rPr lang="en-US" baseline="0" dirty="0" err="1"/>
+              <a:t>operação</a:t>
+            </a:r>
+            <a:endParaRPr lang="pt-PT" dirty="0"/>
+          </a:p>
+        </p:txBody>
+      </p:sp>
+      <p:sp>
+        <p:nvSpPr>
+          <p:cNvPr id="4" name="Slide Number Placeholder 3"/>
+          <p:cNvSpPr>
+            <a:spLocks noGrp="1"/>
+          </p:cNvSpPr>
+          <p:nvPr>
+            <p:ph type="sldNum" sz="quarter" idx="10"/>
+          </p:nvPr>
+        </p:nvSpPr>
+        <p:spPr/>
+        <p:txBody>
+          <a:bodyPr/>
+          <a:lstStyle/>
+          <a:p>
+            <a:fld id="{1A41EC3C-5E62-44D9-A4CD-D519C726EBB2}" type="slidenum">
+              <a:rPr lang="pt-PT" smtClean="0"/>
+              <a:t>6</a:t>
+            </a:fld>
+            <a:endParaRPr lang="pt-PT"/>
+          </a:p>
+        </p:txBody>
+      </p:sp>
+    </p:spTree>
+    <p:extLst>
+      <p:ext uri="{BB962C8B-B14F-4D97-AF65-F5344CB8AC3E}">
+        <p14:creationId xmlns:p14="http://schemas.microsoft.com/office/powerpoint/2010/main" val="1078433347"/>
+      </p:ext>
+    </p:extLst>
+  </p:cSld>
+  <p:clrMapOvr>
+    <a:masterClrMapping/>
+  </p:clrMapOvr>
+</p:notes>
+</file>
+
+<file path=ppt/notesSlides/notesSlide7.xml><?xml version="1.0" encoding="utf-8"?>
+<p:notes xmlns:a="http://schemas.openxmlformats.org/drawingml/2006/main" xmlns:r="http://schemas.openxmlformats.org/officeDocument/2006/relationships" xmlns:p="http://schemas.openxmlformats.org/presentationml/2006/main">
+  <p:cSld>
+    <p:spTree>
+      <p:nvGrpSpPr>
+        <p:cNvPr id="1" name=""/>
+        <p:cNvGrpSpPr/>
+        <p:nvPr/>
+      </p:nvGrpSpPr>
+      <p:grpSpPr>
+        <a:xfrm>
+          <a:off x="0" y="0"/>
+          <a:ext cx="0" cy="0"/>
+          <a:chOff x="0" y="0"/>
+          <a:chExt cx="0" cy="0"/>
+        </a:xfrm>
+      </p:grpSpPr>
+      <p:sp>
+        <p:nvSpPr>
+          <p:cNvPr id="2" name="Slide Image Placeholder 1"/>
+          <p:cNvSpPr>
+            <a:spLocks noGrp="1" noRot="1" noChangeAspect="1"/>
+          </p:cNvSpPr>
+          <p:nvPr>
+            <p:ph type="sldImg"/>
+          </p:nvPr>
+        </p:nvSpPr>
+        <p:spPr/>
+      </p:sp>
+      <p:sp>
+        <p:nvSpPr>
+          <p:cNvPr id="3" name="Notes Placeholder 2"/>
+          <p:cNvSpPr>
+            <a:spLocks noGrp="1"/>
+          </p:cNvSpPr>
+          <p:nvPr>
+            <p:ph type="body" idx="1"/>
+          </p:nvPr>
+        </p:nvSpPr>
+        <p:spPr/>
+        <p:txBody>
+          <a:bodyPr/>
+          <a:lstStyle/>
+          <a:p>
+            <a:r>
+              <a:rPr lang="en-US" dirty="0"/>
+              <a:t>O</a:t>
+            </a:r>
+            <a:r>
+              <a:rPr lang="en-US" baseline="0" dirty="0"/>
+              <a:t> </a:t>
+            </a:r>
+            <a:r>
+              <a:rPr lang="en-US" baseline="0" dirty="0" err="1"/>
+              <a:t>algoritmo</a:t>
+            </a:r>
+            <a:r>
+              <a:rPr lang="en-US" baseline="0" dirty="0"/>
+              <a:t> </a:t>
+            </a:r>
+            <a:r>
+              <a:rPr lang="en-US" baseline="0" dirty="0" err="1"/>
+              <a:t>usado</a:t>
+            </a:r>
+            <a:r>
+              <a:rPr lang="en-US" baseline="0" dirty="0"/>
+              <a:t> para </a:t>
+            </a:r>
+            <a:r>
+              <a:rPr lang="en-US" baseline="0" dirty="0" err="1"/>
+              <a:t>chegarmos</a:t>
+            </a:r>
+            <a:r>
+              <a:rPr lang="en-US" baseline="0" dirty="0"/>
+              <a:t> </a:t>
+            </a:r>
+            <a:r>
+              <a:rPr lang="en-US" baseline="0" dirty="0" err="1"/>
+              <a:t>ao</a:t>
+            </a:r>
+            <a:r>
+              <a:rPr lang="en-US" baseline="0" dirty="0"/>
+              <a:t> </a:t>
+            </a:r>
+            <a:r>
+              <a:rPr lang="en-US" baseline="0" dirty="0" err="1"/>
+              <a:t>nosso</a:t>
+            </a:r>
+            <a:r>
+              <a:rPr lang="en-US" baseline="0" dirty="0"/>
+              <a:t> objective </a:t>
+            </a:r>
+            <a:r>
+              <a:rPr lang="en-US" baseline="0" dirty="0" err="1"/>
+              <a:t>consiste</a:t>
+            </a:r>
+            <a:r>
+              <a:rPr lang="en-US" baseline="0" dirty="0"/>
+              <a:t> </a:t>
+            </a:r>
+            <a:r>
+              <a:rPr lang="en-US" baseline="0" dirty="0" err="1"/>
+              <a:t>em</a:t>
+            </a:r>
+            <a:r>
+              <a:rPr lang="en-US" baseline="0" dirty="0"/>
+              <a:t> 3 </a:t>
+            </a:r>
+            <a:r>
+              <a:rPr lang="en-US" baseline="0" dirty="0" err="1"/>
+              <a:t>passos</a:t>
+            </a:r>
+            <a:r>
+              <a:rPr lang="en-US" baseline="0" dirty="0"/>
+              <a:t>.</a:t>
+            </a:r>
+          </a:p>
+          <a:p>
+            <a:r>
+              <a:rPr lang="en-US" baseline="0" dirty="0"/>
+              <a:t>O </a:t>
+            </a:r>
+            <a:r>
+              <a:rPr lang="en-US" baseline="0" dirty="0" err="1"/>
+              <a:t>primeiro</a:t>
+            </a:r>
+            <a:r>
+              <a:rPr lang="en-US" baseline="0" dirty="0"/>
+              <a:t> </a:t>
+            </a:r>
+            <a:r>
+              <a:rPr lang="en-US" baseline="0" dirty="0" err="1"/>
+              <a:t>consiste</a:t>
+            </a:r>
+            <a:r>
+              <a:rPr lang="en-US" baseline="0" dirty="0"/>
+              <a:t> </a:t>
+            </a:r>
+            <a:r>
+              <a:rPr lang="en-US" baseline="0" dirty="0" err="1"/>
+              <a:t>em</a:t>
+            </a:r>
+            <a:r>
+              <a:rPr lang="en-US" baseline="0" dirty="0"/>
+              <a:t> </a:t>
+            </a:r>
+            <a:r>
+              <a:rPr lang="en-US" baseline="0" dirty="0" err="1"/>
+              <a:t>pesquisar</a:t>
+            </a:r>
+            <a:r>
+              <a:rPr lang="en-US" baseline="0" dirty="0"/>
+              <a:t> no bytecode do </a:t>
+            </a:r>
+            <a:r>
+              <a:rPr lang="en-US" baseline="0" dirty="0" err="1"/>
+              <a:t>programa</a:t>
+            </a:r>
+            <a:r>
+              <a:rPr lang="en-US" baseline="0" dirty="0"/>
+              <a:t> que </a:t>
+            </a:r>
+            <a:r>
+              <a:rPr lang="en-US" baseline="0" dirty="0" err="1"/>
+              <a:t>recebemos</a:t>
+            </a:r>
+            <a:r>
+              <a:rPr lang="en-US" baseline="0" dirty="0"/>
+              <a:t> </a:t>
+            </a:r>
+            <a:r>
+              <a:rPr lang="en-US" baseline="0" dirty="0" err="1"/>
+              <a:t>como</a:t>
+            </a:r>
+            <a:r>
+              <a:rPr lang="en-US" baseline="0" dirty="0"/>
+              <a:t> </a:t>
+            </a:r>
+            <a:r>
+              <a:rPr lang="en-US" baseline="0" dirty="0" err="1"/>
+              <a:t>argumento</a:t>
+            </a:r>
+            <a:r>
+              <a:rPr lang="en-US" baseline="0" dirty="0"/>
+              <a:t> </a:t>
+            </a:r>
+            <a:r>
+              <a:rPr lang="en-US" baseline="0" dirty="0" err="1"/>
+              <a:t>onde</a:t>
+            </a:r>
+            <a:r>
+              <a:rPr lang="en-US" baseline="0" dirty="0"/>
+              <a:t> no </a:t>
+            </a:r>
+            <a:r>
+              <a:rPr lang="en-US" baseline="0" dirty="0" err="1"/>
+              <a:t>codigo</a:t>
+            </a:r>
+            <a:r>
+              <a:rPr lang="en-US" baseline="0" dirty="0"/>
+              <a:t> </a:t>
+            </a:r>
+            <a:r>
+              <a:rPr lang="en-US" baseline="0" dirty="0" err="1"/>
+              <a:t>são</a:t>
+            </a:r>
+            <a:r>
+              <a:rPr lang="en-US" baseline="0" dirty="0"/>
+              <a:t> </a:t>
+            </a:r>
+            <a:r>
+              <a:rPr lang="en-US" baseline="0" dirty="0" err="1"/>
+              <a:t>realizadas</a:t>
+            </a:r>
+            <a:r>
+              <a:rPr lang="en-US" baseline="0" dirty="0"/>
+              <a:t> as </a:t>
+            </a:r>
+            <a:r>
+              <a:rPr lang="en-US" baseline="0" dirty="0" err="1"/>
+              <a:t>operações</a:t>
+            </a:r>
+            <a:r>
+              <a:rPr lang="en-US" baseline="0" dirty="0"/>
+              <a:t> de boxing e unboxing</a:t>
+            </a:r>
+          </a:p>
+          <a:p>
+            <a:endParaRPr lang="en-US" baseline="0" dirty="0"/>
+          </a:p>
+          <a:p>
+            <a:r>
+              <a:rPr lang="en-US" baseline="0" dirty="0" err="1"/>
+              <a:t>Em</a:t>
+            </a:r>
+            <a:r>
+              <a:rPr lang="en-US" baseline="0" dirty="0"/>
+              <a:t> Segundo </a:t>
+            </a:r>
+            <a:r>
+              <a:rPr lang="en-US" baseline="0" dirty="0" err="1"/>
+              <a:t>lugar</a:t>
+            </a:r>
+            <a:r>
+              <a:rPr lang="en-US" baseline="0" dirty="0"/>
+              <a:t> </a:t>
+            </a:r>
+            <a:r>
+              <a:rPr lang="en-US" baseline="0" dirty="0" err="1"/>
+              <a:t>adicionamos</a:t>
+            </a:r>
+            <a:r>
+              <a:rPr lang="en-US" baseline="0" dirty="0"/>
+              <a:t> </a:t>
+            </a:r>
+            <a:r>
+              <a:rPr lang="en-US" baseline="0" dirty="0" err="1"/>
+              <a:t>uma</a:t>
+            </a:r>
+            <a:r>
+              <a:rPr lang="en-US" baseline="0" dirty="0"/>
+              <a:t> </a:t>
+            </a:r>
+            <a:r>
+              <a:rPr lang="en-US" baseline="0" dirty="0" err="1"/>
+              <a:t>chamada</a:t>
+            </a:r>
+            <a:r>
+              <a:rPr lang="en-US" baseline="0" dirty="0"/>
+              <a:t> a </a:t>
+            </a:r>
+            <a:r>
+              <a:rPr lang="en-US" baseline="0" dirty="0" err="1"/>
+              <a:t>função</a:t>
+            </a:r>
+            <a:r>
+              <a:rPr lang="en-US" baseline="0" dirty="0"/>
+              <a:t> </a:t>
+            </a:r>
+            <a:r>
+              <a:rPr lang="en-US" baseline="0" dirty="0" err="1"/>
+              <a:t>insertdata</a:t>
+            </a:r>
+            <a:r>
+              <a:rPr lang="en-US" baseline="0" dirty="0"/>
+              <a:t> no </a:t>
+            </a:r>
+            <a:r>
+              <a:rPr lang="en-US" baseline="0" dirty="0" err="1"/>
+              <a:t>codigo</a:t>
+            </a:r>
+            <a:r>
+              <a:rPr lang="en-US" baseline="0" dirty="0"/>
+              <a:t> do </a:t>
+            </a:r>
+            <a:r>
+              <a:rPr lang="en-US" baseline="0" dirty="0" err="1"/>
+              <a:t>programa</a:t>
+            </a:r>
+            <a:r>
+              <a:rPr lang="en-US" baseline="0" dirty="0"/>
+              <a:t> </a:t>
+            </a:r>
+            <a:r>
+              <a:rPr lang="en-US" baseline="0" dirty="0" err="1"/>
+              <a:t>recebido</a:t>
+            </a:r>
+            <a:r>
+              <a:rPr lang="en-US" baseline="0" dirty="0"/>
+              <a:t> </a:t>
+            </a:r>
+            <a:r>
+              <a:rPr lang="en-US" baseline="0" dirty="0" err="1"/>
+              <a:t>como</a:t>
+            </a:r>
+            <a:r>
+              <a:rPr lang="en-US" baseline="0" dirty="0"/>
+              <a:t> </a:t>
+            </a:r>
+            <a:r>
+              <a:rPr lang="en-US" baseline="0" dirty="0" err="1"/>
+              <a:t>argumento</a:t>
+            </a:r>
+            <a:r>
+              <a:rPr lang="en-US" baseline="0" dirty="0"/>
+              <a:t>. A </a:t>
+            </a:r>
+            <a:r>
+              <a:rPr lang="en-US" baseline="0" dirty="0" err="1"/>
+              <a:t>chamada</a:t>
+            </a:r>
+            <a:r>
+              <a:rPr lang="en-US" baseline="0" dirty="0"/>
+              <a:t> a </a:t>
+            </a:r>
+            <a:r>
+              <a:rPr lang="en-US" baseline="0" dirty="0" err="1"/>
+              <a:t>funçao</a:t>
+            </a:r>
+            <a:r>
+              <a:rPr lang="en-US" baseline="0" dirty="0"/>
+              <a:t> é </a:t>
+            </a:r>
+            <a:r>
+              <a:rPr lang="en-US" baseline="0" dirty="0" err="1"/>
+              <a:t>adicionada</a:t>
+            </a:r>
+            <a:r>
+              <a:rPr lang="en-US" baseline="0" dirty="0"/>
+              <a:t> com </a:t>
+            </a:r>
+            <a:r>
+              <a:rPr lang="en-US" baseline="0" dirty="0" err="1"/>
+              <a:t>os</a:t>
+            </a:r>
+            <a:r>
+              <a:rPr lang="en-US" baseline="0" dirty="0"/>
+              <a:t> </a:t>
+            </a:r>
+            <a:r>
+              <a:rPr lang="en-US" baseline="0" dirty="0" err="1"/>
+              <a:t>argumentos</a:t>
+            </a:r>
+            <a:r>
+              <a:rPr lang="en-US" baseline="0" dirty="0"/>
+              <a:t> </a:t>
+            </a:r>
+            <a:r>
+              <a:rPr lang="en-US" baseline="0" dirty="0" err="1"/>
+              <a:t>esperados</a:t>
+            </a:r>
+            <a:r>
+              <a:rPr lang="en-US" baseline="0" dirty="0"/>
+              <a:t>. </a:t>
+            </a:r>
+            <a:r>
+              <a:rPr lang="en-US" baseline="0" dirty="0" err="1"/>
+              <a:t>Quero</a:t>
+            </a:r>
+            <a:r>
+              <a:rPr lang="en-US" baseline="0" dirty="0"/>
+              <a:t> </a:t>
+            </a:r>
+            <a:r>
+              <a:rPr lang="en-US" baseline="0" dirty="0" err="1"/>
+              <a:t>dizer</a:t>
+            </a:r>
+            <a:r>
+              <a:rPr lang="en-US" baseline="0" dirty="0"/>
+              <a:t> com </a:t>
+            </a:r>
+            <a:r>
+              <a:rPr lang="en-US" baseline="0" dirty="0" err="1"/>
+              <a:t>isto</a:t>
+            </a:r>
+            <a:r>
+              <a:rPr lang="en-US" baseline="0" dirty="0"/>
+              <a:t> que </a:t>
+            </a:r>
+            <a:r>
+              <a:rPr lang="en-US" baseline="0" dirty="0" err="1"/>
+              <a:t>adicionamos</a:t>
+            </a:r>
+            <a:r>
+              <a:rPr lang="en-US" baseline="0" dirty="0"/>
+              <a:t> a </a:t>
+            </a:r>
+            <a:r>
+              <a:rPr lang="en-US" baseline="0" dirty="0" err="1"/>
+              <a:t>chamada</a:t>
+            </a:r>
+            <a:r>
+              <a:rPr lang="en-US" baseline="0" dirty="0"/>
+              <a:t> a </a:t>
+            </a:r>
+            <a:r>
+              <a:rPr lang="en-US" baseline="0" dirty="0" err="1"/>
+              <a:t>função</a:t>
+            </a:r>
+            <a:r>
+              <a:rPr lang="en-US" baseline="0" dirty="0"/>
+              <a:t> no outro </a:t>
+            </a:r>
+            <a:r>
+              <a:rPr lang="en-US" baseline="0" dirty="0" err="1"/>
+              <a:t>programa</a:t>
+            </a:r>
+            <a:r>
+              <a:rPr lang="en-US" baseline="0" dirty="0"/>
+              <a:t> </a:t>
+            </a:r>
+            <a:r>
+              <a:rPr lang="en-US" baseline="0" dirty="0" err="1"/>
+              <a:t>já</a:t>
+            </a:r>
+            <a:r>
+              <a:rPr lang="en-US" baseline="0" dirty="0"/>
+              <a:t> com o nome do </a:t>
+            </a:r>
+            <a:r>
+              <a:rPr lang="en-US" baseline="0" dirty="0" err="1"/>
+              <a:t>metodo</a:t>
+            </a:r>
+            <a:r>
+              <a:rPr lang="en-US" baseline="0" dirty="0"/>
+              <a:t>, </a:t>
+            </a:r>
+            <a:r>
+              <a:rPr lang="en-US" baseline="0" dirty="0" err="1"/>
+              <a:t>tipo</a:t>
+            </a:r>
+            <a:r>
+              <a:rPr lang="en-US" baseline="0" dirty="0"/>
+              <a:t> e </a:t>
+            </a:r>
+            <a:r>
+              <a:rPr lang="en-US" baseline="0" dirty="0" err="1"/>
+              <a:t>operação</a:t>
+            </a:r>
+            <a:r>
+              <a:rPr lang="en-US" baseline="0" dirty="0"/>
+              <a:t> que </a:t>
+            </a:r>
+            <a:r>
+              <a:rPr lang="en-US" baseline="0" dirty="0" err="1"/>
+              <a:t>estam</a:t>
+            </a:r>
+            <a:r>
+              <a:rPr lang="en-US" baseline="0" dirty="0"/>
+              <a:t> a </a:t>
+            </a:r>
+            <a:r>
+              <a:rPr lang="en-US" baseline="0" dirty="0" err="1"/>
+              <a:t>ser</a:t>
+            </a:r>
+            <a:r>
+              <a:rPr lang="en-US" baseline="0" dirty="0"/>
+              <a:t> </a:t>
+            </a:r>
+            <a:r>
+              <a:rPr lang="en-US" baseline="0" dirty="0" err="1"/>
+              <a:t>executados</a:t>
+            </a:r>
+            <a:r>
+              <a:rPr lang="en-US" baseline="0" dirty="0"/>
+              <a:t>.</a:t>
+            </a:r>
+            <a:br>
+              <a:rPr lang="en-US" baseline="0" dirty="0"/>
+            </a:br>
+            <a:br>
+              <a:rPr lang="en-US" baseline="0" dirty="0"/>
+            </a:br>
+            <a:r>
+              <a:rPr lang="en-US" baseline="0" dirty="0" err="1"/>
+              <a:t>Por</a:t>
+            </a:r>
+            <a:r>
+              <a:rPr lang="en-US" baseline="0" dirty="0"/>
+              <a:t> </a:t>
+            </a:r>
+            <a:r>
+              <a:rPr lang="en-US" baseline="0" dirty="0" err="1"/>
+              <a:t>fim</a:t>
+            </a:r>
+            <a:r>
+              <a:rPr lang="en-US" baseline="0" dirty="0"/>
+              <a:t> </a:t>
+            </a:r>
+            <a:r>
+              <a:rPr lang="en-US" baseline="0" dirty="0" err="1"/>
+              <a:t>adicionamos</a:t>
+            </a:r>
+            <a:r>
+              <a:rPr lang="en-US" baseline="0" dirty="0"/>
+              <a:t> </a:t>
+            </a:r>
+            <a:r>
+              <a:rPr lang="en-US" baseline="0" dirty="0" err="1"/>
+              <a:t>uma</a:t>
+            </a:r>
+            <a:r>
+              <a:rPr lang="en-US" baseline="0" dirty="0"/>
+              <a:t> </a:t>
+            </a:r>
+            <a:r>
+              <a:rPr lang="en-US" baseline="0" dirty="0" err="1"/>
+              <a:t>chamada</a:t>
+            </a:r>
+            <a:r>
+              <a:rPr lang="en-US" baseline="0" dirty="0"/>
+              <a:t> </a:t>
+            </a:r>
+            <a:r>
+              <a:rPr lang="en-US" baseline="0" dirty="0" err="1"/>
+              <a:t>ao</a:t>
+            </a:r>
+            <a:r>
+              <a:rPr lang="en-US" baseline="0" dirty="0"/>
+              <a:t> </a:t>
+            </a:r>
+            <a:r>
+              <a:rPr lang="en-US" baseline="0" dirty="0" err="1"/>
+              <a:t>metodo</a:t>
+            </a:r>
+            <a:r>
+              <a:rPr lang="en-US" baseline="0" dirty="0"/>
+              <a:t> </a:t>
+            </a:r>
+            <a:r>
+              <a:rPr lang="en-US" baseline="0" dirty="0" err="1"/>
+              <a:t>printData</a:t>
+            </a:r>
+            <a:r>
+              <a:rPr lang="en-US" baseline="0" dirty="0"/>
+              <a:t> a </a:t>
+            </a:r>
+            <a:r>
+              <a:rPr lang="en-US" baseline="0" dirty="0" err="1"/>
+              <a:t>seguir</a:t>
+            </a:r>
+            <a:r>
+              <a:rPr lang="en-US" baseline="0" dirty="0"/>
+              <a:t> </a:t>
+            </a:r>
+            <a:r>
+              <a:rPr lang="en-US" baseline="0" dirty="0" err="1"/>
+              <a:t>ao</a:t>
+            </a:r>
+            <a:r>
+              <a:rPr lang="en-US" baseline="0" dirty="0"/>
+              <a:t> </a:t>
+            </a:r>
+            <a:r>
+              <a:rPr lang="en-US" baseline="0" dirty="0" err="1"/>
+              <a:t>metodo</a:t>
+            </a:r>
+            <a:r>
+              <a:rPr lang="en-US" baseline="0" dirty="0"/>
+              <a:t> main do </a:t>
+            </a:r>
+            <a:r>
+              <a:rPr lang="en-US" baseline="0" dirty="0" err="1"/>
+              <a:t>programa</a:t>
+            </a:r>
+            <a:r>
+              <a:rPr lang="en-US" baseline="0" dirty="0"/>
+              <a:t> de forma a </a:t>
+            </a:r>
+            <a:r>
+              <a:rPr lang="en-US" baseline="0" dirty="0" err="1"/>
+              <a:t>imprimirmos</a:t>
+            </a:r>
+            <a:r>
+              <a:rPr lang="en-US" baseline="0" dirty="0"/>
+              <a:t> </a:t>
+            </a:r>
+            <a:r>
+              <a:rPr lang="en-US" baseline="0" dirty="0" err="1"/>
+              <a:t>em</a:t>
+            </a:r>
+            <a:r>
+              <a:rPr lang="en-US" baseline="0" dirty="0"/>
+              <a:t> ultimo </a:t>
+            </a:r>
+            <a:r>
+              <a:rPr lang="en-US" baseline="0" dirty="0" err="1"/>
+              <a:t>lugar</a:t>
+            </a:r>
+            <a:r>
+              <a:rPr lang="en-US" baseline="0" dirty="0"/>
+              <a:t>, </a:t>
+            </a:r>
+            <a:r>
+              <a:rPr lang="en-US" baseline="0" dirty="0" err="1"/>
+              <a:t>após</a:t>
+            </a:r>
+            <a:r>
+              <a:rPr lang="en-US" baseline="0" dirty="0"/>
+              <a:t> a </a:t>
+            </a:r>
+            <a:r>
+              <a:rPr lang="en-US" baseline="0" dirty="0" err="1"/>
+              <a:t>execuçao</a:t>
+            </a:r>
+            <a:r>
+              <a:rPr lang="en-US" baseline="0" dirty="0"/>
+              <a:t> </a:t>
+            </a:r>
+            <a:r>
+              <a:rPr lang="en-US" baseline="0" dirty="0" err="1"/>
+              <a:t>esperada</a:t>
+            </a:r>
+            <a:r>
+              <a:rPr lang="en-US" baseline="0" dirty="0"/>
+              <a:t> do </a:t>
+            </a:r>
+            <a:r>
+              <a:rPr lang="en-US" baseline="0" dirty="0" err="1"/>
+              <a:t>programa</a:t>
+            </a:r>
+            <a:r>
+              <a:rPr lang="en-US" baseline="0" dirty="0"/>
+              <a:t> o output com a </a:t>
+            </a:r>
+            <a:r>
+              <a:rPr lang="en-US" baseline="0" dirty="0" err="1"/>
+              <a:t>contagem</a:t>
+            </a:r>
+            <a:r>
+              <a:rPr lang="en-US" baseline="0" dirty="0"/>
+              <a:t> das </a:t>
+            </a:r>
+            <a:r>
+              <a:rPr lang="en-US" baseline="0" dirty="0" err="1"/>
+              <a:t>operações</a:t>
+            </a:r>
+            <a:r>
+              <a:rPr lang="en-US" baseline="0" dirty="0"/>
+              <a:t> de boxing e unboxing</a:t>
+            </a:r>
+          </a:p>
+        </p:txBody>
+      </p:sp>
+      <p:sp>
+        <p:nvSpPr>
+          <p:cNvPr id="4" name="Slide Number Placeholder 3"/>
+          <p:cNvSpPr>
+            <a:spLocks noGrp="1"/>
+          </p:cNvSpPr>
+          <p:nvPr>
+            <p:ph type="sldNum" sz="quarter" idx="10"/>
+          </p:nvPr>
+        </p:nvSpPr>
+        <p:spPr/>
+        <p:txBody>
+          <a:bodyPr/>
+          <a:lstStyle/>
+          <a:p>
+            <a:fld id="{1A41EC3C-5E62-44D9-A4CD-D519C726EBB2}" type="slidenum">
+              <a:rPr lang="pt-PT" smtClean="0"/>
+              <a:t>7</a:t>
+            </a:fld>
+            <a:endParaRPr lang="pt-PT"/>
+          </a:p>
+        </p:txBody>
+      </p:sp>
+    </p:spTree>
+    <p:extLst>
+      <p:ext uri="{BB962C8B-B14F-4D97-AF65-F5344CB8AC3E}">
+        <p14:creationId xmlns:p14="http://schemas.microsoft.com/office/powerpoint/2010/main" val="4199834775"/>
+      </p:ext>
+    </p:extLst>
+  </p:cSld>
+  <p:clrMapOvr>
+    <a:masterClrMapping/>
+  </p:clrMapOvr>
+</p:notes>
+</file>
+
+<file path=ppt/notesSlides/notesSlide8.xml><?xml version="1.0" encoding="utf-8"?>
+<p:notes xmlns:a="http://schemas.openxmlformats.org/drawingml/2006/main" xmlns:r="http://schemas.openxmlformats.org/officeDocument/2006/relationships" xmlns:p="http://schemas.openxmlformats.org/presentationml/2006/main">
+  <p:cSld>
+    <p:spTree>
+      <p:nvGrpSpPr>
+        <p:cNvPr id="1" name=""/>
+        <p:cNvGrpSpPr/>
+        <p:nvPr/>
+      </p:nvGrpSpPr>
+      <p:grpSpPr>
+        <a:xfrm>
+          <a:off x="0" y="0"/>
+          <a:ext cx="0" cy="0"/>
+          <a:chOff x="0" y="0"/>
+          <a:chExt cx="0" cy="0"/>
+        </a:xfrm>
+      </p:grpSpPr>
+      <p:sp>
+        <p:nvSpPr>
+          <p:cNvPr id="2" name="Slide Image Placeholder 1"/>
+          <p:cNvSpPr>
+            <a:spLocks noGrp="1" noRot="1" noChangeAspect="1"/>
+          </p:cNvSpPr>
+          <p:nvPr>
+            <p:ph type="sldImg"/>
+          </p:nvPr>
+        </p:nvSpPr>
+        <p:spPr/>
+      </p:sp>
+      <p:sp>
+        <p:nvSpPr>
+          <p:cNvPr id="3" name="Notes Placeholder 2"/>
+          <p:cNvSpPr>
+            <a:spLocks noGrp="1"/>
+          </p:cNvSpPr>
+          <p:nvPr>
+            <p:ph type="body" idx="1"/>
+          </p:nvPr>
+        </p:nvSpPr>
+        <p:spPr/>
+        <p:txBody>
+          <a:bodyPr/>
+          <a:lstStyle/>
+          <a:p>
+            <a:pPr marL="0" marR="0" indent="0" algn="l" defTabSz="914400" rtl="0" eaLnBrk="1" fontAlgn="auto" latinLnBrk="0" hangingPunct="1">
+              <a:lnSpc>
+                <a:spcPct val="100000"/>
+              </a:lnSpc>
+              <a:spcBef>
+                <a:spcPts val="0"/>
+              </a:spcBef>
+              <a:spcAft>
+                <a:spcPts val="0"/>
+              </a:spcAft>
+              <a:buClrTx/>
+              <a:buSzTx/>
+              <a:buFontTx/>
+              <a:buNone/>
+              <a:tabLst/>
+              <a:defRPr/>
+            </a:pPr>
+            <a:r>
+              <a:rPr lang="en-US" dirty="0" err="1"/>
+              <a:t>Tivemos</a:t>
+            </a:r>
+            <a:r>
+              <a:rPr lang="en-US" baseline="0" dirty="0"/>
+              <a:t> </a:t>
+            </a:r>
+            <a:r>
+              <a:rPr lang="en-US" baseline="0" dirty="0" err="1"/>
+              <a:t>algumas</a:t>
+            </a:r>
+            <a:r>
+              <a:rPr lang="en-US" baseline="0" dirty="0"/>
+              <a:t> </a:t>
+            </a:r>
+            <a:r>
+              <a:rPr lang="en-US" baseline="0" dirty="0" err="1"/>
+              <a:t>dificultades</a:t>
+            </a:r>
+            <a:r>
+              <a:rPr lang="en-US" baseline="0" dirty="0"/>
+              <a:t> </a:t>
+            </a:r>
+            <a:r>
+              <a:rPr lang="en-US" baseline="0" dirty="0" err="1"/>
+              <a:t>ao</a:t>
+            </a:r>
+            <a:r>
+              <a:rPr lang="en-US" baseline="0" dirty="0"/>
+              <a:t> </a:t>
+            </a:r>
+            <a:r>
+              <a:rPr lang="en-US" baseline="0" dirty="0" err="1"/>
+              <a:t>realizar</a:t>
+            </a:r>
+            <a:r>
+              <a:rPr lang="en-US" baseline="0" dirty="0"/>
+              <a:t> </a:t>
+            </a:r>
+            <a:r>
+              <a:rPr lang="en-US" baseline="0" dirty="0" err="1"/>
+              <a:t>este</a:t>
+            </a:r>
+            <a:r>
+              <a:rPr lang="en-US" baseline="0" dirty="0"/>
+              <a:t> </a:t>
+            </a:r>
+            <a:r>
+              <a:rPr lang="en-US" baseline="0" dirty="0" err="1"/>
+              <a:t>projeto</a:t>
+            </a:r>
+            <a:r>
+              <a:rPr lang="en-US" baseline="0" dirty="0"/>
+              <a:t> </a:t>
+            </a:r>
+            <a:r>
+              <a:rPr lang="en-US" baseline="0" dirty="0" err="1"/>
+              <a:t>sendo</a:t>
+            </a:r>
+            <a:r>
+              <a:rPr lang="en-US" baseline="0" dirty="0"/>
+              <a:t> que a </a:t>
+            </a:r>
+            <a:r>
+              <a:rPr lang="en-US" baseline="0" dirty="0" err="1"/>
+              <a:t>primeira</a:t>
+            </a:r>
+            <a:r>
+              <a:rPr lang="en-US" baseline="0" dirty="0"/>
+              <a:t> que </a:t>
+            </a:r>
+            <a:r>
+              <a:rPr lang="en-US" baseline="0" dirty="0" err="1"/>
+              <a:t>nos</a:t>
+            </a:r>
+            <a:r>
+              <a:rPr lang="en-US" baseline="0" dirty="0"/>
+              <a:t> </a:t>
+            </a:r>
+            <a:r>
+              <a:rPr lang="en-US" baseline="0" dirty="0" err="1"/>
+              <a:t>deparamos</a:t>
+            </a:r>
+            <a:r>
+              <a:rPr lang="en-US" baseline="0" dirty="0"/>
+              <a:t> </a:t>
+            </a:r>
+            <a:r>
+              <a:rPr lang="en-US" baseline="0" dirty="0" err="1"/>
+              <a:t>foi</a:t>
+            </a:r>
+            <a:r>
+              <a:rPr lang="en-US" baseline="0" dirty="0"/>
+              <a:t> a </a:t>
+            </a:r>
+            <a:r>
+              <a:rPr lang="en-US" baseline="0" dirty="0" err="1"/>
+              <a:t>impossibilidade</a:t>
+            </a:r>
+            <a:r>
+              <a:rPr lang="en-US" baseline="0" dirty="0"/>
+              <a:t> de </a:t>
+            </a:r>
+            <a:r>
+              <a:rPr lang="en-US" baseline="0" dirty="0" err="1"/>
+              <a:t>usarmos</a:t>
+            </a:r>
+            <a:r>
+              <a:rPr lang="en-US" baseline="0" dirty="0"/>
+              <a:t> </a:t>
+            </a:r>
+            <a:r>
+              <a:rPr lang="en-US" baseline="0" dirty="0" err="1"/>
+              <a:t>parametrização</a:t>
+            </a:r>
+            <a:r>
+              <a:rPr lang="en-US" baseline="0" dirty="0"/>
+              <a:t>. Como </a:t>
+            </a:r>
+            <a:r>
+              <a:rPr lang="en-US" baseline="0" dirty="0" err="1"/>
+              <a:t>tal</a:t>
+            </a:r>
+            <a:r>
+              <a:rPr lang="en-US" baseline="0" dirty="0"/>
+              <a:t> </a:t>
+            </a:r>
+            <a:r>
+              <a:rPr lang="en-US" baseline="0" dirty="0" err="1"/>
+              <a:t>todos</a:t>
+            </a:r>
+            <a:r>
+              <a:rPr lang="en-US" baseline="0" dirty="0"/>
+              <a:t> </a:t>
+            </a:r>
+            <a:r>
+              <a:rPr lang="en-US" baseline="0" dirty="0" err="1"/>
+              <a:t>os</a:t>
+            </a:r>
+            <a:r>
+              <a:rPr lang="en-US" baseline="0" dirty="0"/>
+              <a:t> </a:t>
+            </a:r>
+            <a:r>
+              <a:rPr lang="en-US" baseline="0" dirty="0" err="1"/>
+              <a:t>nossos</a:t>
+            </a:r>
+            <a:r>
+              <a:rPr lang="en-US" baseline="0" dirty="0"/>
+              <a:t> </a:t>
+            </a:r>
+            <a:r>
+              <a:rPr lang="en-US" baseline="0" dirty="0" err="1"/>
+              <a:t>objectos</a:t>
+            </a:r>
+            <a:r>
+              <a:rPr lang="en-US" baseline="0" dirty="0"/>
+              <a:t> que </a:t>
+            </a:r>
+            <a:r>
+              <a:rPr lang="en-US" baseline="0" dirty="0" err="1"/>
+              <a:t>eram</a:t>
+            </a:r>
+            <a:r>
+              <a:rPr lang="en-US" baseline="0" dirty="0"/>
+              <a:t> </a:t>
+            </a:r>
+            <a:r>
+              <a:rPr lang="en-US" baseline="0" dirty="0" err="1"/>
+              <a:t>passados</a:t>
+            </a:r>
+            <a:r>
+              <a:rPr lang="en-US" baseline="0" dirty="0"/>
+              <a:t> para o </a:t>
+            </a:r>
+            <a:r>
+              <a:rPr lang="en-US" baseline="0" dirty="0" err="1"/>
+              <a:t>TreeMap</a:t>
+            </a:r>
+            <a:r>
+              <a:rPr lang="en-US" baseline="0" dirty="0"/>
+              <a:t> </a:t>
+            </a:r>
+            <a:r>
+              <a:rPr lang="en-US" baseline="0" dirty="0" err="1"/>
+              <a:t>teriam</a:t>
+            </a:r>
+            <a:r>
+              <a:rPr lang="en-US" baseline="0" dirty="0"/>
+              <a:t> de </a:t>
+            </a:r>
+            <a:r>
+              <a:rPr lang="en-US" baseline="0" dirty="0" err="1"/>
+              <a:t>ser</a:t>
+            </a:r>
+            <a:r>
+              <a:rPr lang="en-US" baseline="0" dirty="0"/>
+              <a:t> </a:t>
+            </a:r>
+            <a:r>
+              <a:rPr lang="en-US" baseline="0" dirty="0" err="1"/>
+              <a:t>inseridos</a:t>
+            </a:r>
+            <a:r>
+              <a:rPr lang="en-US" baseline="0" dirty="0"/>
+              <a:t> </a:t>
+            </a:r>
+            <a:r>
+              <a:rPr lang="en-US" baseline="0" dirty="0" err="1"/>
+              <a:t>como</a:t>
+            </a:r>
+            <a:r>
+              <a:rPr lang="en-US" baseline="0" dirty="0"/>
+              <a:t> Object e </a:t>
+            </a:r>
+            <a:r>
+              <a:rPr lang="en-US" baseline="0" dirty="0" err="1"/>
+              <a:t>não</a:t>
+            </a:r>
+            <a:r>
+              <a:rPr lang="en-US" baseline="0" dirty="0"/>
+              <a:t> no </a:t>
+            </a:r>
+            <a:r>
+              <a:rPr lang="en-US" baseline="0" dirty="0" err="1"/>
+              <a:t>tipo</a:t>
+            </a:r>
+            <a:r>
+              <a:rPr lang="en-US" baseline="0" dirty="0"/>
+              <a:t> </a:t>
+            </a:r>
+            <a:r>
+              <a:rPr lang="en-US" baseline="0" dirty="0" err="1"/>
+              <a:t>desejado</a:t>
+            </a:r>
+            <a:r>
+              <a:rPr lang="en-US" baseline="0" dirty="0"/>
+              <a:t>. </a:t>
+            </a:r>
+            <a:r>
+              <a:rPr lang="en-US" baseline="0" dirty="0" err="1"/>
+              <a:t>Isto</a:t>
+            </a:r>
+            <a:r>
+              <a:rPr lang="en-US" baseline="0" dirty="0"/>
+              <a:t> </a:t>
+            </a:r>
+            <a:r>
+              <a:rPr lang="en-US" baseline="0" dirty="0" err="1"/>
+              <a:t>acontece</a:t>
+            </a:r>
+            <a:r>
+              <a:rPr lang="en-US" baseline="0" dirty="0"/>
+              <a:t> </a:t>
+            </a:r>
+            <a:r>
+              <a:rPr lang="en-US" baseline="0" dirty="0" err="1"/>
+              <a:t>devido</a:t>
+            </a:r>
+            <a:r>
+              <a:rPr lang="en-US" baseline="0" dirty="0"/>
+              <a:t> </a:t>
+            </a:r>
+            <a:r>
+              <a:rPr lang="en-US" baseline="0" dirty="0" err="1"/>
+              <a:t>ao</a:t>
+            </a:r>
+            <a:r>
+              <a:rPr lang="en-US" baseline="0" dirty="0"/>
+              <a:t> </a:t>
+            </a:r>
+            <a:r>
+              <a:rPr lang="en-US" baseline="0" dirty="0" err="1"/>
+              <a:t>Javassist</a:t>
+            </a:r>
+            <a:r>
+              <a:rPr lang="en-US" baseline="0" dirty="0"/>
+              <a:t> </a:t>
+            </a:r>
+            <a:r>
+              <a:rPr lang="en-US" baseline="0" dirty="0" err="1"/>
+              <a:t>ter</a:t>
+            </a:r>
+            <a:r>
+              <a:rPr lang="en-US" baseline="0" dirty="0"/>
+              <a:t> </a:t>
+            </a:r>
+            <a:r>
+              <a:rPr lang="en-US" baseline="0" dirty="0" err="1"/>
+              <a:t>uma</a:t>
+            </a:r>
+            <a:r>
+              <a:rPr lang="en-US" baseline="0" dirty="0"/>
+              <a:t> </a:t>
+            </a:r>
+            <a:r>
+              <a:rPr lang="en-US" baseline="0" dirty="0" err="1"/>
+              <a:t>limitação</a:t>
+            </a:r>
+            <a:r>
+              <a:rPr lang="en-US" baseline="0" dirty="0"/>
+              <a:t> </a:t>
+            </a:r>
+            <a:r>
+              <a:rPr lang="en-US" baseline="0" dirty="0" err="1"/>
+              <a:t>nesse</a:t>
+            </a:r>
+            <a:r>
+              <a:rPr lang="en-US" baseline="0" dirty="0"/>
+              <a:t> aspect e </a:t>
+            </a:r>
+            <a:r>
+              <a:rPr lang="en-US" baseline="0" dirty="0" err="1"/>
+              <a:t>nao</a:t>
+            </a:r>
+            <a:r>
+              <a:rPr lang="en-US" baseline="0" dirty="0"/>
+              <a:t> </a:t>
+            </a:r>
+            <a:r>
+              <a:rPr lang="en-US" baseline="0" dirty="0" err="1"/>
+              <a:t>suportar</a:t>
+            </a:r>
+            <a:r>
+              <a:rPr lang="en-US" baseline="0" dirty="0"/>
+              <a:t> </a:t>
+            </a:r>
+            <a:r>
+              <a:rPr lang="en-US" baseline="0" dirty="0" err="1"/>
+              <a:t>parame</a:t>
+            </a:r>
+            <a:r>
+              <a:rPr lang="pt-PT" baseline="0" dirty="0"/>
+              <a:t>trização.</a:t>
+            </a:r>
+            <a:br>
+              <a:rPr lang="en-US" baseline="0" dirty="0"/>
+            </a:br>
+            <a:br>
+              <a:rPr lang="en-US" baseline="0" dirty="0"/>
+            </a:br>
+            <a:r>
+              <a:rPr lang="en-US" baseline="0" dirty="0"/>
+              <a:t>Outro </a:t>
+            </a:r>
+            <a:r>
+              <a:rPr lang="en-US" baseline="0" dirty="0" err="1"/>
+              <a:t>problema</a:t>
+            </a:r>
+            <a:r>
+              <a:rPr lang="en-US" baseline="0" dirty="0"/>
+              <a:t> que </a:t>
+            </a:r>
+            <a:r>
+              <a:rPr lang="en-US" baseline="0" dirty="0" err="1"/>
+              <a:t>tivemos</a:t>
+            </a:r>
+            <a:r>
+              <a:rPr lang="en-US" baseline="0" dirty="0"/>
+              <a:t> </a:t>
+            </a:r>
+            <a:r>
+              <a:rPr lang="en-US" baseline="0" dirty="0" err="1"/>
+              <a:t>foi</a:t>
+            </a:r>
+            <a:r>
+              <a:rPr lang="en-US" baseline="0" dirty="0"/>
+              <a:t> a </a:t>
+            </a:r>
+            <a:r>
+              <a:rPr lang="en-US" baseline="0" dirty="0" err="1"/>
+              <a:t>impossibilidade</a:t>
+            </a:r>
+            <a:r>
+              <a:rPr lang="en-US" baseline="0" dirty="0"/>
+              <a:t> de </a:t>
+            </a:r>
+            <a:r>
+              <a:rPr lang="en-US" baseline="0" dirty="0" err="1"/>
+              <a:t>injectarmos</a:t>
+            </a:r>
+            <a:r>
+              <a:rPr lang="en-US" baseline="0" dirty="0"/>
+              <a:t> o </a:t>
+            </a:r>
+            <a:r>
+              <a:rPr lang="en-US" baseline="0" dirty="0" err="1"/>
+              <a:t>codigo</a:t>
+            </a:r>
+            <a:r>
+              <a:rPr lang="en-US" baseline="0" dirty="0"/>
+              <a:t> das </a:t>
+            </a:r>
+            <a:r>
+              <a:rPr lang="en-US" baseline="0" dirty="0" err="1"/>
+              <a:t>nossas</a:t>
+            </a:r>
+            <a:r>
+              <a:rPr lang="en-US" baseline="0" dirty="0"/>
+              <a:t> </a:t>
+            </a:r>
+            <a:r>
+              <a:rPr lang="en-US" baseline="0" dirty="0" err="1"/>
+              <a:t>funçoes</a:t>
+            </a:r>
+            <a:r>
+              <a:rPr lang="en-US" baseline="0" dirty="0"/>
+              <a:t> antes de </a:t>
+            </a:r>
+            <a:r>
+              <a:rPr lang="en-US" baseline="0" dirty="0" err="1"/>
+              <a:t>pesquisarmos</a:t>
+            </a:r>
+            <a:r>
+              <a:rPr lang="en-US" baseline="0" dirty="0"/>
+              <a:t> </a:t>
+            </a:r>
+            <a:r>
+              <a:rPr lang="en-US" baseline="0" dirty="0" err="1"/>
+              <a:t>onde</a:t>
+            </a:r>
+            <a:r>
+              <a:rPr lang="en-US" baseline="0" dirty="0"/>
+              <a:t> no </a:t>
+            </a:r>
+            <a:r>
+              <a:rPr lang="en-US" baseline="0" dirty="0" err="1"/>
+              <a:t>programa</a:t>
+            </a:r>
+            <a:r>
+              <a:rPr lang="en-US" baseline="0" dirty="0"/>
+              <a:t> </a:t>
+            </a:r>
+            <a:r>
+              <a:rPr lang="en-US" baseline="0" dirty="0" err="1"/>
+              <a:t>recebido</a:t>
+            </a:r>
+            <a:r>
+              <a:rPr lang="en-US" baseline="0" dirty="0"/>
+              <a:t> </a:t>
+            </a:r>
+            <a:r>
+              <a:rPr lang="en-US" baseline="0" dirty="0" err="1"/>
+              <a:t>eram</a:t>
+            </a:r>
+            <a:r>
+              <a:rPr lang="en-US" baseline="0" dirty="0"/>
+              <a:t> </a:t>
+            </a:r>
+            <a:r>
+              <a:rPr lang="en-US" baseline="0" dirty="0" err="1"/>
+              <a:t>feitas</a:t>
+            </a:r>
+            <a:r>
+              <a:rPr lang="en-US" baseline="0" dirty="0"/>
+              <a:t> as </a:t>
+            </a:r>
+            <a:r>
+              <a:rPr lang="en-US" baseline="0" dirty="0" err="1"/>
+              <a:t>operaçoes</a:t>
+            </a:r>
+            <a:r>
+              <a:rPr lang="en-US" baseline="0" dirty="0"/>
+              <a:t> de boxing e unboxing. Tal </a:t>
+            </a:r>
+            <a:r>
+              <a:rPr lang="en-US" baseline="0" dirty="0" err="1"/>
+              <a:t>acontecia</a:t>
+            </a:r>
+            <a:r>
+              <a:rPr lang="en-US" baseline="0" dirty="0"/>
+              <a:t> </a:t>
+            </a:r>
+            <a:r>
+              <a:rPr lang="en-US" baseline="0" dirty="0" err="1"/>
+              <a:t>pois</a:t>
+            </a:r>
+            <a:r>
+              <a:rPr lang="en-US" baseline="0" dirty="0"/>
+              <a:t> </a:t>
+            </a:r>
+            <a:r>
+              <a:rPr lang="en-US" baseline="0" dirty="0" err="1"/>
+              <a:t>os</a:t>
+            </a:r>
+            <a:r>
+              <a:rPr lang="en-US" baseline="0" dirty="0"/>
+              <a:t> </a:t>
+            </a:r>
+            <a:r>
+              <a:rPr lang="en-US" baseline="0" dirty="0" err="1"/>
+              <a:t>nossos</a:t>
+            </a:r>
+            <a:r>
+              <a:rPr lang="en-US" baseline="0" dirty="0"/>
+              <a:t> </a:t>
+            </a:r>
+            <a:r>
+              <a:rPr lang="en-US" baseline="0" dirty="0" err="1"/>
+              <a:t>programas</a:t>
+            </a:r>
+            <a:r>
+              <a:rPr lang="en-US" baseline="0" dirty="0"/>
+              <a:t> </a:t>
+            </a:r>
+            <a:r>
+              <a:rPr lang="en-US" baseline="0" dirty="0" err="1"/>
+              <a:t>continham</a:t>
+            </a:r>
+            <a:r>
+              <a:rPr lang="en-US" baseline="0" dirty="0"/>
+              <a:t> </a:t>
+            </a:r>
+            <a:r>
+              <a:rPr lang="en-US" baseline="0" dirty="0" err="1"/>
+              <a:t>eles</a:t>
+            </a:r>
+            <a:r>
+              <a:rPr lang="en-US" baseline="0" dirty="0"/>
+              <a:t> </a:t>
+            </a:r>
+            <a:r>
+              <a:rPr lang="en-US" baseline="0" dirty="0" err="1"/>
+              <a:t>operaçoes</a:t>
+            </a:r>
+            <a:r>
+              <a:rPr lang="en-US" baseline="0" dirty="0"/>
+              <a:t> de boxing e unboxing </a:t>
+            </a:r>
+            <a:r>
+              <a:rPr lang="en-US" baseline="0" dirty="0" err="1"/>
+              <a:t>sendo</a:t>
+            </a:r>
+            <a:r>
+              <a:rPr lang="en-US" baseline="0" dirty="0"/>
+              <a:t> </a:t>
+            </a:r>
+            <a:r>
+              <a:rPr lang="en-US" baseline="0" dirty="0" err="1"/>
+              <a:t>portanto</a:t>
+            </a:r>
+            <a:r>
+              <a:rPr lang="en-US" baseline="0" dirty="0"/>
+              <a:t> que </a:t>
+            </a:r>
+            <a:r>
+              <a:rPr lang="en-US" baseline="0" dirty="0" err="1"/>
+              <a:t>recursivamente</a:t>
+            </a:r>
+            <a:r>
+              <a:rPr lang="en-US" baseline="0" dirty="0"/>
+              <a:t> </a:t>
+            </a:r>
+            <a:r>
+              <a:rPr lang="en-US" baseline="0" dirty="0" err="1"/>
+              <a:t>detectavamos</a:t>
+            </a:r>
+            <a:r>
+              <a:rPr lang="en-US" baseline="0" dirty="0"/>
+              <a:t> </a:t>
+            </a:r>
+            <a:r>
+              <a:rPr lang="en-US" baseline="0" dirty="0" err="1"/>
+              <a:t>estas</a:t>
+            </a:r>
+            <a:r>
+              <a:rPr lang="en-US" baseline="0" dirty="0"/>
+              <a:t> </a:t>
+            </a:r>
+            <a:r>
+              <a:rPr lang="en-US" baseline="0" dirty="0" err="1"/>
+              <a:t>operaçoes</a:t>
+            </a:r>
+            <a:r>
+              <a:rPr lang="en-US" baseline="0" dirty="0"/>
+              <a:t> </a:t>
+            </a:r>
+            <a:r>
+              <a:rPr lang="en-US" baseline="0" dirty="0" err="1"/>
+              <a:t>na</a:t>
+            </a:r>
+            <a:r>
+              <a:rPr lang="en-US" baseline="0" dirty="0"/>
+              <a:t> </a:t>
+            </a:r>
+            <a:r>
+              <a:rPr lang="en-US" baseline="0" dirty="0" err="1"/>
+              <a:t>adiçao</a:t>
+            </a:r>
+            <a:r>
+              <a:rPr lang="en-US" baseline="0" dirty="0"/>
+              <a:t> das </a:t>
+            </a:r>
+            <a:r>
+              <a:rPr lang="en-US" baseline="0" dirty="0" err="1"/>
+              <a:t>chamadas</a:t>
+            </a:r>
+            <a:r>
+              <a:rPr lang="en-US" baseline="0" dirty="0"/>
+              <a:t> as </a:t>
+            </a:r>
+            <a:r>
+              <a:rPr lang="en-US" baseline="0" dirty="0" err="1"/>
+              <a:t>nossas</a:t>
+            </a:r>
+            <a:r>
+              <a:rPr lang="en-US" baseline="0" dirty="0"/>
+              <a:t> </a:t>
+            </a:r>
+            <a:r>
+              <a:rPr lang="en-US" baseline="0" dirty="0" err="1"/>
+              <a:t>funçoes</a:t>
+            </a:r>
+            <a:r>
+              <a:rPr lang="en-US" baseline="0" dirty="0"/>
+              <a:t>. Como </a:t>
+            </a:r>
+            <a:r>
+              <a:rPr lang="en-US" baseline="0" dirty="0" err="1"/>
+              <a:t>tal</a:t>
+            </a:r>
+            <a:r>
+              <a:rPr lang="en-US" baseline="0" dirty="0"/>
+              <a:t> </a:t>
+            </a:r>
+            <a:r>
+              <a:rPr lang="en-US" baseline="0" dirty="0" err="1"/>
+              <a:t>apenas</a:t>
+            </a:r>
+            <a:r>
+              <a:rPr lang="en-US" baseline="0" dirty="0"/>
+              <a:t> </a:t>
+            </a:r>
+            <a:r>
+              <a:rPr lang="en-US" baseline="0" dirty="0" err="1"/>
+              <a:t>adicionamos</a:t>
+            </a:r>
+            <a:r>
+              <a:rPr lang="en-US" baseline="0" dirty="0"/>
+              <a:t> o </a:t>
+            </a:r>
+            <a:r>
+              <a:rPr lang="en-US" baseline="0" dirty="0" err="1"/>
+              <a:t>corpo</a:t>
+            </a:r>
+            <a:r>
+              <a:rPr lang="en-US" baseline="0" dirty="0"/>
+              <a:t> das </a:t>
+            </a:r>
+            <a:r>
+              <a:rPr lang="en-US" baseline="0" dirty="0" err="1"/>
+              <a:t>nossas</a:t>
+            </a:r>
+            <a:r>
+              <a:rPr lang="en-US" baseline="0" dirty="0"/>
+              <a:t> </a:t>
+            </a:r>
+            <a:r>
+              <a:rPr lang="en-US" baseline="0" dirty="0" err="1"/>
+              <a:t>funçoes</a:t>
+            </a:r>
+            <a:r>
+              <a:rPr lang="en-US" baseline="0" dirty="0"/>
+              <a:t> </a:t>
+            </a:r>
+            <a:r>
+              <a:rPr lang="pt-PT" sz="1200" b="0" i="0" kern="1200" dirty="0">
+                <a:solidFill>
+                  <a:schemeClr val="tx1"/>
+                </a:solidFill>
+                <a:effectLst/>
+                <a:latin typeface="+mn-lt"/>
+                <a:ea typeface="+mn-ea"/>
+                <a:cs typeface="+mn-cs"/>
+              </a:rPr>
+              <a:t>so apos ter-se inserido no programa a instrumentar todas as chamadas necessarias, ou seja, nos locais onde ocorre uma das operações de unboxing/autoboxing.</a:t>
+            </a:r>
+            <a:endParaRPr lang="pt-PT" dirty="0"/>
+          </a:p>
+        </p:txBody>
+      </p:sp>
+      <p:sp>
+        <p:nvSpPr>
+          <p:cNvPr id="4" name="Slide Number Placeholder 3"/>
+          <p:cNvSpPr>
+            <a:spLocks noGrp="1"/>
+          </p:cNvSpPr>
+          <p:nvPr>
+            <p:ph type="sldNum" sz="quarter" idx="10"/>
+          </p:nvPr>
+        </p:nvSpPr>
+        <p:spPr/>
+        <p:txBody>
+          <a:bodyPr/>
+          <a:lstStyle/>
+          <a:p>
+            <a:fld id="{1A41EC3C-5E62-44D9-A4CD-D519C726EBB2}" type="slidenum">
+              <a:rPr lang="pt-PT" smtClean="0"/>
+              <a:t>8</a:t>
+            </a:fld>
+            <a:endParaRPr lang="pt-PT"/>
+          </a:p>
+        </p:txBody>
+      </p:sp>
+    </p:spTree>
+    <p:extLst>
+      <p:ext uri="{BB962C8B-B14F-4D97-AF65-F5344CB8AC3E}">
+        <p14:creationId xmlns:p14="http://schemas.microsoft.com/office/powerpoint/2010/main" val="609194450"/>
+      </p:ext>
+    </p:extLst>
+  </p:cSld>
+  <p:clrMapOvr>
+    <a:masterClrMapping/>
+  </p:clrMapOvr>
+</p:notes>
+</file>
+
+<file path=ppt/notesSlides/notesSlide9.xml><?xml version="1.0" encoding="utf-8"?>
+<p:notes xmlns:a="http://schemas.openxmlformats.org/drawingml/2006/main" xmlns:r="http://schemas.openxmlformats.org/officeDocument/2006/relationships" xmlns:p="http://schemas.openxmlformats.org/presentationml/2006/main">
+  <p:cSld>
+    <p:spTree>
+      <p:nvGrpSpPr>
+        <p:cNvPr id="1" name=""/>
+        <p:cNvGrpSpPr/>
+        <p:nvPr/>
+      </p:nvGrpSpPr>
+      <p:grpSpPr>
+        <a:xfrm>
+          <a:off x="0" y="0"/>
+          <a:ext cx="0" cy="0"/>
+          <a:chOff x="0" y="0"/>
+          <a:chExt cx="0" cy="0"/>
+        </a:xfrm>
+      </p:grpSpPr>
+      <p:sp>
+        <p:nvSpPr>
+          <p:cNvPr id="2" name="Slide Image Placeholder 1"/>
+          <p:cNvSpPr>
+            <a:spLocks noGrp="1" noRot="1" noChangeAspect="1"/>
+          </p:cNvSpPr>
+          <p:nvPr>
+            <p:ph type="sldImg"/>
+          </p:nvPr>
+        </p:nvSpPr>
+        <p:spPr/>
+      </p:sp>
+      <p:sp>
+        <p:nvSpPr>
+          <p:cNvPr id="3" name="Notes Placeholder 2"/>
+          <p:cNvSpPr>
+            <a:spLocks noGrp="1"/>
+          </p:cNvSpPr>
+          <p:nvPr>
+            <p:ph type="body" idx="1"/>
+          </p:nvPr>
+        </p:nvSpPr>
+        <p:spPr/>
+        <p:txBody>
+          <a:bodyPr/>
+          <a:lstStyle/>
+          <a:p>
+            <a:r>
+              <a:rPr lang="en-US" dirty="0" err="1"/>
+              <a:t>Adicionamos</a:t>
+            </a:r>
+            <a:r>
+              <a:rPr lang="en-US" dirty="0"/>
+              <a:t> </a:t>
+            </a:r>
+            <a:r>
+              <a:rPr lang="en-US" dirty="0" err="1"/>
+              <a:t>tambem</a:t>
+            </a:r>
+            <a:r>
+              <a:rPr lang="en-US" dirty="0"/>
+              <a:t> </a:t>
+            </a:r>
+            <a:r>
+              <a:rPr lang="en-US" dirty="0" err="1"/>
+              <a:t>uma</a:t>
+            </a:r>
+            <a:r>
+              <a:rPr lang="en-US" dirty="0"/>
+              <a:t> </a:t>
+            </a:r>
+            <a:r>
+              <a:rPr lang="en-US" dirty="0" err="1"/>
+              <a:t>extensão</a:t>
+            </a:r>
+            <a:r>
+              <a:rPr lang="en-US" baseline="0" dirty="0"/>
+              <a:t> </a:t>
+            </a:r>
+            <a:r>
+              <a:rPr lang="en-US" baseline="0" dirty="0" err="1"/>
+              <a:t>ao</a:t>
+            </a:r>
+            <a:r>
+              <a:rPr lang="en-US" baseline="0" dirty="0"/>
+              <a:t> </a:t>
+            </a:r>
+            <a:r>
+              <a:rPr lang="en-US" baseline="0" dirty="0" err="1"/>
+              <a:t>nosso</a:t>
+            </a:r>
+            <a:r>
+              <a:rPr lang="en-US" baseline="0" dirty="0"/>
+              <a:t> profiler.</a:t>
+            </a:r>
+            <a:endParaRPr lang="pt-PT" dirty="0"/>
+          </a:p>
+        </p:txBody>
+      </p:sp>
+      <p:sp>
+        <p:nvSpPr>
+          <p:cNvPr id="4" name="Slide Number Placeholder 3"/>
+          <p:cNvSpPr>
+            <a:spLocks noGrp="1"/>
+          </p:cNvSpPr>
+          <p:nvPr>
+            <p:ph type="sldNum" sz="quarter" idx="10"/>
+          </p:nvPr>
+        </p:nvSpPr>
+        <p:spPr/>
+        <p:txBody>
+          <a:bodyPr/>
+          <a:lstStyle/>
+          <a:p>
+            <a:fld id="{1A41EC3C-5E62-44D9-A4CD-D519C726EBB2}" type="slidenum">
+              <a:rPr lang="pt-PT" smtClean="0"/>
+              <a:t>9</a:t>
+            </a:fld>
+            <a:endParaRPr lang="pt-PT"/>
+          </a:p>
+        </p:txBody>
+      </p:sp>
+    </p:spTree>
+    <p:extLst>
+      <p:ext uri="{BB962C8B-B14F-4D97-AF65-F5344CB8AC3E}">
+        <p14:creationId xmlns:p14="http://schemas.microsoft.com/office/powerpoint/2010/main" val="946171868"/>
+      </p:ext>
+    </p:extLst>
+  </p:cSld>
+  <p:clrMapOvr>
+    <a:masterClrMapping/>
+  </p:clrMapOvr>
+</p:notes>
+</file>
+
 <file path=ppt/slideLayouts/slideLayout1.xml><?xml version="1.0" encoding="utf-8"?>
 <p:sldLayout xmlns:a="http://schemas.openxmlformats.org/drawingml/2006/main" xmlns:r="http://schemas.openxmlformats.org/officeDocument/2006/relationships" xmlns:p="http://schemas.openxmlformats.org/presentationml/2006/main" preserve="1" userDrawn="1">
   <p:cSld name="Title Slide">
@@ -283,7 +8021,7 @@
           <a:p>
             <a:fld id="{F2CC31B8-D55E-3142-A1F8-FCFE86EBD46B}" type="datetime1">
               <a:rPr lang="en-US" smtClean="0"/>
-              <a:t>3/25/2016</a:t>
+              <a:t>14-Apr-16</a:t>
             </a:fld>
             <a:endParaRPr lang="en-US" dirty="0"/>
           </a:p>
@@ -491,7 +8229,7 @@
           <a:p>
             <a:fld id="{EA0B2E4C-09A0-1C47-AC04-653E7CA38318}" type="datetime1">
               <a:rPr lang="en-US" smtClean="0"/>
-              <a:t>3/25/2016</a:t>
+              <a:t>14-Apr-16</a:t>
             </a:fld>
             <a:endParaRPr lang="en-US"/>
           </a:p>
@@ -783,7 +8521,7 @@
           <a:p>
             <a:fld id="{8BA5FDB6-C8E1-CA43-986D-07A95846BEF8}" type="datetime1">
               <a:rPr lang="en-US" smtClean="0"/>
-              <a:t>3/25/2016</a:t>
+              <a:t>14-Apr-16</a:t>
             </a:fld>
             <a:endParaRPr lang="en-US" dirty="0"/>
           </a:p>
@@ -1034,7 +8772,7 @@
           <a:p>
             <a:fld id="{D181DAD3-920B-5943-A25F-8EE8A165768D}" type="datetime1">
               <a:rPr lang="en-US" smtClean="0"/>
-              <a:t>3/25/2016</a:t>
+              <a:t>14-Apr-16</a:t>
             </a:fld>
             <a:endParaRPr lang="en-US"/>
           </a:p>
@@ -1305,7 +9043,7 @@
           <a:p>
             <a:fld id="{E6DFEB03-8AE6-F64E-A2BF-5A3C6EB89D07}" type="datetime1">
               <a:rPr lang="en-US" smtClean="0"/>
-              <a:t>3/25/2016</a:t>
+              <a:t>14-Apr-16</a:t>
             </a:fld>
             <a:endParaRPr lang="en-US" dirty="0"/>
           </a:p>
@@ -1514,7 +9252,7 @@
           <a:p>
             <a:fld id="{E6DFEB03-8AE6-F64E-A2BF-5A3C6EB89D07}" type="datetime1">
               <a:rPr lang="en-US" smtClean="0"/>
-              <a:t>3/25/2016</a:t>
+              <a:t>14-Apr-16</a:t>
             </a:fld>
             <a:endParaRPr lang="en-US" dirty="0"/>
           </a:p>
@@ -1623,7 +9361,7 @@
           <a:p>
             <a:fld id="{095AFE96-DCFC-C64E-95A7-05B2CB393A95}" type="datetime1">
               <a:rPr lang="en-US" smtClean="0"/>
-              <a:t>3/25/2016</a:t>
+              <a:t>14-Apr-16</a:t>
             </a:fld>
             <a:endParaRPr lang="en-US"/>
           </a:p>
@@ -1849,7 +9587,7 @@
             <a:fld id="{C7FD4294-2665-F444-8DA7-9FAAB9092A2E}" type="datetime1">
               <a:rPr lang="en-US" smtClean="0"/>
               <a:pPr/>
-              <a:t>3/25/2016</a:t>
+              <a:t>14-Apr-16</a:t>
             </a:fld>
             <a:endParaRPr lang="en-US" dirty="0"/>
           </a:p>
@@ -2300,7 +10038,7 @@
           <a:p>
             <a:fld id="{F2CC31B8-D55E-3142-A1F8-FCFE86EBD46B}" type="datetime1">
               <a:rPr lang="en-US" smtClean="0"/>
-              <a:t>3/25/2016</a:t>
+              <a:t>14-Apr-16</a:t>
             </a:fld>
             <a:endParaRPr lang="en-US" dirty="0"/>
           </a:p>
@@ -2560,6 +10298,1109 @@
 </p:sld>
 </file>
 
+<file path=ppt/slides/slide10.xml><?xml version="1.0" encoding="utf-8"?>
+<p:sld xmlns:a="http://schemas.openxmlformats.org/drawingml/2006/main" xmlns:r="http://schemas.openxmlformats.org/officeDocument/2006/relationships" xmlns:p="http://schemas.openxmlformats.org/presentationml/2006/main">
+  <p:cSld>
+    <p:spTree>
+      <p:nvGrpSpPr>
+        <p:cNvPr id="1" name=""/>
+        <p:cNvGrpSpPr/>
+        <p:nvPr/>
+      </p:nvGrpSpPr>
+      <p:grpSpPr>
+        <a:xfrm>
+          <a:off x="0" y="0"/>
+          <a:ext cx="0" cy="0"/>
+          <a:chOff x="0" y="0"/>
+          <a:chExt cx="0" cy="0"/>
+        </a:xfrm>
+      </p:grpSpPr>
+      <p:sp>
+        <p:nvSpPr>
+          <p:cNvPr id="2" name="Title 1"/>
+          <p:cNvSpPr>
+            <a:spLocks noGrp="1"/>
+          </p:cNvSpPr>
+          <p:nvPr>
+            <p:ph type="title"/>
+          </p:nvPr>
+        </p:nvSpPr>
+        <p:spPr/>
+        <p:txBody>
+          <a:bodyPr/>
+          <a:lstStyle/>
+          <a:p>
+            <a:r>
+              <a:rPr lang="pt-PT" dirty="0"/>
+              <a:t>Motivation</a:t>
+            </a:r>
+          </a:p>
+        </p:txBody>
+      </p:sp>
+      <p:sp>
+        <p:nvSpPr>
+          <p:cNvPr id="3" name="Content Placeholder 2"/>
+          <p:cNvSpPr>
+            <a:spLocks noGrp="1"/>
+          </p:cNvSpPr>
+          <p:nvPr>
+            <p:ph idx="1"/>
+          </p:nvPr>
+        </p:nvSpPr>
+        <p:spPr/>
+        <p:txBody>
+          <a:bodyPr>
+            <a:normAutofit fontScale="92500" lnSpcReduction="20000"/>
+          </a:bodyPr>
+          <a:lstStyle/>
+          <a:p>
+            <a:r>
+              <a:rPr lang="pt-PT" dirty="0"/>
+              <a:t>Autoboxing operations are relatively slower than simply calling a new &lt;Object&gt;() method;</a:t>
+            </a:r>
+          </a:p>
+          <a:p>
+            <a:r>
+              <a:rPr lang="pt-PT" dirty="0"/>
+              <a:t>Autoboxing caches reference objects and uses these cached objects instead of always instantiating a new Object;</a:t>
+            </a:r>
+          </a:p>
+          <a:p>
+            <a:r>
+              <a:rPr lang="pt-PT" dirty="0"/>
+              <a:t>Calling new &lt;Object&gt;() is a little bit faster than autoboxing (although it uses more memory.</a:t>
+            </a:r>
+          </a:p>
+        </p:txBody>
+      </p:sp>
+      <p:sp>
+        <p:nvSpPr>
+          <p:cNvPr id="4" name="Date Placeholder 3"/>
+          <p:cNvSpPr>
+            <a:spLocks noGrp="1"/>
+          </p:cNvSpPr>
+          <p:nvPr>
+            <p:ph type="dt" sz="half" idx="10"/>
+          </p:nvPr>
+        </p:nvSpPr>
+        <p:spPr/>
+        <p:txBody>
+          <a:bodyPr/>
+          <a:lstStyle/>
+          <a:p>
+            <a:fld id="{EA0B2E4C-09A0-1C47-AC04-653E7CA38318}" type="datetime1">
+              <a:rPr lang="en-US" smtClean="0"/>
+              <a:t>14-Apr-16</a:t>
+            </a:fld>
+            <a:endParaRPr lang="en-US"/>
+          </a:p>
+        </p:txBody>
+      </p:sp>
+      <p:sp>
+        <p:nvSpPr>
+          <p:cNvPr id="5" name="Footer Placeholder 4"/>
+          <p:cNvSpPr>
+            <a:spLocks noGrp="1"/>
+          </p:cNvSpPr>
+          <p:nvPr>
+            <p:ph type="ftr" sz="quarter" idx="11"/>
+          </p:nvPr>
+        </p:nvSpPr>
+        <p:spPr/>
+        <p:txBody>
+          <a:bodyPr/>
+          <a:lstStyle/>
+          <a:p>
+            <a:r>
+              <a:rPr lang="pt-BR"/>
+              <a:t>Instituto Superior Técnico </a:t>
+            </a:r>
+            <a:endParaRPr lang="en-US"/>
+          </a:p>
+        </p:txBody>
+      </p:sp>
+    </p:spTree>
+    <p:extLst>
+      <p:ext uri="{BB962C8B-B14F-4D97-AF65-F5344CB8AC3E}">
+        <p14:creationId xmlns:p14="http://schemas.microsoft.com/office/powerpoint/2010/main" val="2945016791"/>
+      </p:ext>
+    </p:extLst>
+  </p:cSld>
+  <p:clrMapOvr>
+    <a:masterClrMapping/>
+  </p:clrMapOvr>
+</p:sld>
+</file>
+
+<file path=ppt/slides/slide11.xml><?xml version="1.0" encoding="utf-8"?>
+<p:sld xmlns:a="http://schemas.openxmlformats.org/drawingml/2006/main" xmlns:r="http://schemas.openxmlformats.org/officeDocument/2006/relationships" xmlns:p="http://schemas.openxmlformats.org/presentationml/2006/main">
+  <p:cSld>
+    <p:spTree>
+      <p:nvGrpSpPr>
+        <p:cNvPr id="1" name=""/>
+        <p:cNvGrpSpPr/>
+        <p:nvPr/>
+      </p:nvGrpSpPr>
+      <p:grpSpPr>
+        <a:xfrm>
+          <a:off x="0" y="0"/>
+          <a:ext cx="0" cy="0"/>
+          <a:chOff x="0" y="0"/>
+          <a:chExt cx="0" cy="0"/>
+        </a:xfrm>
+      </p:grpSpPr>
+      <p:sp>
+        <p:nvSpPr>
+          <p:cNvPr id="2" name="Title 1"/>
+          <p:cNvSpPr>
+            <a:spLocks noGrp="1"/>
+          </p:cNvSpPr>
+          <p:nvPr>
+            <p:ph type="title"/>
+          </p:nvPr>
+        </p:nvSpPr>
+        <p:spPr/>
+        <p:txBody>
+          <a:bodyPr>
+            <a:normAutofit/>
+          </a:bodyPr>
+          <a:lstStyle/>
+          <a:p>
+            <a:r>
+              <a:rPr lang="pt-PT" dirty="0"/>
+              <a:t>Solution</a:t>
+            </a:r>
+          </a:p>
+        </p:txBody>
+      </p:sp>
+      <p:sp>
+        <p:nvSpPr>
+          <p:cNvPr id="3" name="Content Placeholder 2"/>
+          <p:cNvSpPr>
+            <a:spLocks noGrp="1"/>
+          </p:cNvSpPr>
+          <p:nvPr>
+            <p:ph idx="1"/>
+          </p:nvPr>
+        </p:nvSpPr>
+        <p:spPr/>
+        <p:txBody>
+          <a:bodyPr/>
+          <a:lstStyle/>
+          <a:p>
+            <a:r>
+              <a:rPr lang="pt-PT" dirty="0"/>
+              <a:t>To improve execution times in programs we replace Autoboxing operations for the call to the respective new method of each reference type.</a:t>
+            </a:r>
+          </a:p>
+        </p:txBody>
+      </p:sp>
+      <p:sp>
+        <p:nvSpPr>
+          <p:cNvPr id="4" name="Date Placeholder 3"/>
+          <p:cNvSpPr>
+            <a:spLocks noGrp="1"/>
+          </p:cNvSpPr>
+          <p:nvPr>
+            <p:ph type="dt" sz="half" idx="10"/>
+          </p:nvPr>
+        </p:nvSpPr>
+        <p:spPr/>
+        <p:txBody>
+          <a:bodyPr/>
+          <a:lstStyle/>
+          <a:p>
+            <a:fld id="{EA0B2E4C-09A0-1C47-AC04-653E7CA38318}" type="datetime1">
+              <a:rPr lang="en-US" smtClean="0"/>
+              <a:t>14-Apr-16</a:t>
+            </a:fld>
+            <a:endParaRPr lang="en-US"/>
+          </a:p>
+        </p:txBody>
+      </p:sp>
+      <p:sp>
+        <p:nvSpPr>
+          <p:cNvPr id="5" name="Footer Placeholder 4"/>
+          <p:cNvSpPr>
+            <a:spLocks noGrp="1"/>
+          </p:cNvSpPr>
+          <p:nvPr>
+            <p:ph type="ftr" sz="quarter" idx="11"/>
+          </p:nvPr>
+        </p:nvSpPr>
+        <p:spPr/>
+        <p:txBody>
+          <a:bodyPr/>
+          <a:lstStyle/>
+          <a:p>
+            <a:r>
+              <a:rPr lang="pt-BR"/>
+              <a:t>Instituto Superior Técnico </a:t>
+            </a:r>
+            <a:endParaRPr lang="en-US"/>
+          </a:p>
+        </p:txBody>
+      </p:sp>
+    </p:spTree>
+    <p:extLst>
+      <p:ext uri="{BB962C8B-B14F-4D97-AF65-F5344CB8AC3E}">
+        <p14:creationId xmlns:p14="http://schemas.microsoft.com/office/powerpoint/2010/main" val="3156036010"/>
+      </p:ext>
+    </p:extLst>
+  </p:cSld>
+  <p:clrMapOvr>
+    <a:masterClrMapping/>
+  </p:clrMapOvr>
+</p:sld>
+</file>
+
+<file path=ppt/slides/slide12.xml><?xml version="1.0" encoding="utf-8"?>
+<p:sld xmlns:a="http://schemas.openxmlformats.org/drawingml/2006/main" xmlns:r="http://schemas.openxmlformats.org/officeDocument/2006/relationships" xmlns:p="http://schemas.openxmlformats.org/presentationml/2006/main">
+  <p:cSld>
+    <p:spTree>
+      <p:nvGrpSpPr>
+        <p:cNvPr id="1" name=""/>
+        <p:cNvGrpSpPr/>
+        <p:nvPr/>
+      </p:nvGrpSpPr>
+      <p:grpSpPr>
+        <a:xfrm>
+          <a:off x="0" y="0"/>
+          <a:ext cx="0" cy="0"/>
+          <a:chOff x="0" y="0"/>
+          <a:chExt cx="0" cy="0"/>
+        </a:xfrm>
+      </p:grpSpPr>
+      <p:sp>
+        <p:nvSpPr>
+          <p:cNvPr id="2" name="Title 1"/>
+          <p:cNvSpPr>
+            <a:spLocks noGrp="1"/>
+          </p:cNvSpPr>
+          <p:nvPr>
+            <p:ph type="title"/>
+          </p:nvPr>
+        </p:nvSpPr>
+        <p:spPr>
+          <a:xfrm>
+            <a:off x="3597577" y="3082832"/>
+            <a:ext cx="1946649" cy="868363"/>
+          </a:xfrm>
+        </p:spPr>
+        <p:txBody>
+          <a:bodyPr/>
+          <a:lstStyle/>
+          <a:p>
+            <a:r>
+              <a:rPr lang="pt-PT" dirty="0"/>
+              <a:t>Results</a:t>
+            </a:r>
+          </a:p>
+        </p:txBody>
+      </p:sp>
+      <p:sp>
+        <p:nvSpPr>
+          <p:cNvPr id="3" name="Content Placeholder 2"/>
+          <p:cNvSpPr>
+            <a:spLocks noGrp="1"/>
+          </p:cNvSpPr>
+          <p:nvPr>
+            <p:ph idx="1"/>
+          </p:nvPr>
+        </p:nvSpPr>
+        <p:spPr/>
+        <p:txBody>
+          <a:bodyPr/>
+          <a:lstStyle/>
+          <a:p>
+            <a:endParaRPr lang="pt-PT"/>
+          </a:p>
+        </p:txBody>
+      </p:sp>
+      <p:sp>
+        <p:nvSpPr>
+          <p:cNvPr id="4" name="Date Placeholder 3"/>
+          <p:cNvSpPr>
+            <a:spLocks noGrp="1"/>
+          </p:cNvSpPr>
+          <p:nvPr>
+            <p:ph type="dt" sz="half" idx="10"/>
+          </p:nvPr>
+        </p:nvSpPr>
+        <p:spPr/>
+        <p:txBody>
+          <a:bodyPr/>
+          <a:lstStyle/>
+          <a:p>
+            <a:fld id="{EA0B2E4C-09A0-1C47-AC04-653E7CA38318}" type="datetime1">
+              <a:rPr lang="en-US" smtClean="0"/>
+              <a:t>14-Apr-16</a:t>
+            </a:fld>
+            <a:endParaRPr lang="en-US"/>
+          </a:p>
+        </p:txBody>
+      </p:sp>
+      <p:sp>
+        <p:nvSpPr>
+          <p:cNvPr id="5" name="Footer Placeholder 4"/>
+          <p:cNvSpPr>
+            <a:spLocks noGrp="1"/>
+          </p:cNvSpPr>
+          <p:nvPr>
+            <p:ph type="ftr" sz="quarter" idx="11"/>
+          </p:nvPr>
+        </p:nvSpPr>
+        <p:spPr/>
+        <p:txBody>
+          <a:bodyPr/>
+          <a:lstStyle/>
+          <a:p>
+            <a:r>
+              <a:rPr lang="pt-BR"/>
+              <a:t>Instituto Superior Técnico </a:t>
+            </a:r>
+            <a:endParaRPr lang="en-US"/>
+          </a:p>
+        </p:txBody>
+      </p:sp>
+    </p:spTree>
+    <p:extLst>
+      <p:ext uri="{BB962C8B-B14F-4D97-AF65-F5344CB8AC3E}">
+        <p14:creationId xmlns:p14="http://schemas.microsoft.com/office/powerpoint/2010/main" val="2919562066"/>
+      </p:ext>
+    </p:extLst>
+  </p:cSld>
+  <p:clrMapOvr>
+    <a:masterClrMapping/>
+  </p:clrMapOvr>
+</p:sld>
+</file>
+
+<file path=ppt/slides/slide13.xml><?xml version="1.0" encoding="utf-8"?>
+<p:sld xmlns:a="http://schemas.openxmlformats.org/drawingml/2006/main" xmlns:r="http://schemas.openxmlformats.org/officeDocument/2006/relationships" xmlns:p="http://schemas.openxmlformats.org/presentationml/2006/main">
+  <p:cSld>
+    <p:spTree>
+      <p:nvGrpSpPr>
+        <p:cNvPr id="1" name=""/>
+        <p:cNvGrpSpPr/>
+        <p:nvPr/>
+      </p:nvGrpSpPr>
+      <p:grpSpPr>
+        <a:xfrm>
+          <a:off x="0" y="0"/>
+          <a:ext cx="0" cy="0"/>
+          <a:chOff x="0" y="0"/>
+          <a:chExt cx="0" cy="0"/>
+        </a:xfrm>
+      </p:grpSpPr>
+      <p:sp>
+        <p:nvSpPr>
+          <p:cNvPr id="2" name="Title 1"/>
+          <p:cNvSpPr>
+            <a:spLocks noGrp="1"/>
+          </p:cNvSpPr>
+          <p:nvPr>
+            <p:ph type="title"/>
+          </p:nvPr>
+        </p:nvSpPr>
+        <p:spPr/>
+        <p:txBody>
+          <a:bodyPr/>
+          <a:lstStyle/>
+          <a:p>
+            <a:r>
+              <a:rPr lang="pt-PT" dirty="0"/>
+              <a:t>Old output format</a:t>
+            </a:r>
+          </a:p>
+        </p:txBody>
+      </p:sp>
+      <p:sp>
+        <p:nvSpPr>
+          <p:cNvPr id="3" name="Content Placeholder 2"/>
+          <p:cNvSpPr>
+            <a:spLocks noGrp="1"/>
+          </p:cNvSpPr>
+          <p:nvPr>
+            <p:ph idx="1"/>
+          </p:nvPr>
+        </p:nvSpPr>
+        <p:spPr/>
+        <p:txBody>
+          <a:bodyPr/>
+          <a:lstStyle/>
+          <a:p>
+            <a:endParaRPr lang="pt-PT"/>
+          </a:p>
+        </p:txBody>
+      </p:sp>
+      <p:sp>
+        <p:nvSpPr>
+          <p:cNvPr id="4" name="Date Placeholder 3"/>
+          <p:cNvSpPr>
+            <a:spLocks noGrp="1"/>
+          </p:cNvSpPr>
+          <p:nvPr>
+            <p:ph type="dt" sz="half" idx="10"/>
+          </p:nvPr>
+        </p:nvSpPr>
+        <p:spPr/>
+        <p:txBody>
+          <a:bodyPr/>
+          <a:lstStyle/>
+          <a:p>
+            <a:fld id="{EA0B2E4C-09A0-1C47-AC04-653E7CA38318}" type="datetime1">
+              <a:rPr lang="en-US" smtClean="0"/>
+              <a:t>14-Apr-16</a:t>
+            </a:fld>
+            <a:endParaRPr lang="en-US"/>
+          </a:p>
+        </p:txBody>
+      </p:sp>
+      <p:sp>
+        <p:nvSpPr>
+          <p:cNvPr id="5" name="Footer Placeholder 4"/>
+          <p:cNvSpPr>
+            <a:spLocks noGrp="1"/>
+          </p:cNvSpPr>
+          <p:nvPr>
+            <p:ph type="ftr" sz="quarter" idx="11"/>
+          </p:nvPr>
+        </p:nvSpPr>
+        <p:spPr/>
+        <p:txBody>
+          <a:bodyPr/>
+          <a:lstStyle/>
+          <a:p>
+            <a:r>
+              <a:rPr lang="pt-BR"/>
+              <a:t>Instituto Superior Técnico </a:t>
+            </a:r>
+            <a:endParaRPr lang="en-US"/>
+          </a:p>
+        </p:txBody>
+      </p:sp>
+      <p:pic>
+        <p:nvPicPr>
+          <p:cNvPr id="6" name="Picture 5"/>
+          <p:cNvPicPr>
+            <a:picLocks noChangeAspect="1"/>
+          </p:cNvPicPr>
+          <p:nvPr/>
+        </p:nvPicPr>
+        <p:blipFill>
+          <a:blip r:embed="rId3"/>
+          <a:stretch>
+            <a:fillRect/>
+          </a:stretch>
+        </p:blipFill>
+        <p:spPr>
+          <a:xfrm>
+            <a:off x="554636" y="3257730"/>
+            <a:ext cx="8032532" cy="1634239"/>
+          </a:xfrm>
+          <a:prstGeom prst="rect">
+            <a:avLst/>
+          </a:prstGeom>
+        </p:spPr>
+      </p:pic>
+    </p:spTree>
+    <p:extLst>
+      <p:ext uri="{BB962C8B-B14F-4D97-AF65-F5344CB8AC3E}">
+        <p14:creationId xmlns:p14="http://schemas.microsoft.com/office/powerpoint/2010/main" val="1375494776"/>
+      </p:ext>
+    </p:extLst>
+  </p:cSld>
+  <p:clrMapOvr>
+    <a:masterClrMapping/>
+  </p:clrMapOvr>
+</p:sld>
+</file>
+
+<file path=ppt/slides/slide14.xml><?xml version="1.0" encoding="utf-8"?>
+<p:sld xmlns:a="http://schemas.openxmlformats.org/drawingml/2006/main" xmlns:r="http://schemas.openxmlformats.org/officeDocument/2006/relationships" xmlns:p="http://schemas.openxmlformats.org/presentationml/2006/main">
+  <p:cSld>
+    <p:spTree>
+      <p:nvGrpSpPr>
+        <p:cNvPr id="1" name=""/>
+        <p:cNvGrpSpPr/>
+        <p:nvPr/>
+      </p:nvGrpSpPr>
+      <p:grpSpPr>
+        <a:xfrm>
+          <a:off x="0" y="0"/>
+          <a:ext cx="0" cy="0"/>
+          <a:chOff x="0" y="0"/>
+          <a:chExt cx="0" cy="0"/>
+        </a:xfrm>
+      </p:grpSpPr>
+      <p:sp>
+        <p:nvSpPr>
+          <p:cNvPr id="2" name="Title 1"/>
+          <p:cNvSpPr>
+            <a:spLocks noGrp="1"/>
+          </p:cNvSpPr>
+          <p:nvPr>
+            <p:ph type="title"/>
+          </p:nvPr>
+        </p:nvSpPr>
+        <p:spPr/>
+        <p:txBody>
+          <a:bodyPr/>
+          <a:lstStyle/>
+          <a:p>
+            <a:r>
+              <a:rPr lang="pt-PT" dirty="0"/>
+              <a:t>New output format</a:t>
+            </a:r>
+          </a:p>
+        </p:txBody>
+      </p:sp>
+      <p:sp>
+        <p:nvSpPr>
+          <p:cNvPr id="3" name="Content Placeholder 2"/>
+          <p:cNvSpPr>
+            <a:spLocks noGrp="1"/>
+          </p:cNvSpPr>
+          <p:nvPr>
+            <p:ph idx="1"/>
+          </p:nvPr>
+        </p:nvSpPr>
+        <p:spPr/>
+        <p:txBody>
+          <a:bodyPr/>
+          <a:lstStyle/>
+          <a:p>
+            <a:endParaRPr lang="pt-PT"/>
+          </a:p>
+        </p:txBody>
+      </p:sp>
+      <p:sp>
+        <p:nvSpPr>
+          <p:cNvPr id="4" name="Date Placeholder 3"/>
+          <p:cNvSpPr>
+            <a:spLocks noGrp="1"/>
+          </p:cNvSpPr>
+          <p:nvPr>
+            <p:ph type="dt" sz="half" idx="10"/>
+          </p:nvPr>
+        </p:nvSpPr>
+        <p:spPr/>
+        <p:txBody>
+          <a:bodyPr/>
+          <a:lstStyle/>
+          <a:p>
+            <a:fld id="{EA0B2E4C-09A0-1C47-AC04-653E7CA38318}" type="datetime1">
+              <a:rPr lang="en-US" smtClean="0"/>
+              <a:t>14-Apr-16</a:t>
+            </a:fld>
+            <a:endParaRPr lang="en-US"/>
+          </a:p>
+        </p:txBody>
+      </p:sp>
+      <p:sp>
+        <p:nvSpPr>
+          <p:cNvPr id="5" name="Footer Placeholder 4"/>
+          <p:cNvSpPr>
+            <a:spLocks noGrp="1"/>
+          </p:cNvSpPr>
+          <p:nvPr>
+            <p:ph type="ftr" sz="quarter" idx="11"/>
+          </p:nvPr>
+        </p:nvSpPr>
+        <p:spPr/>
+        <p:txBody>
+          <a:bodyPr/>
+          <a:lstStyle/>
+          <a:p>
+            <a:r>
+              <a:rPr lang="pt-BR"/>
+              <a:t>Instituto Superior Técnico </a:t>
+            </a:r>
+            <a:endParaRPr lang="en-US"/>
+          </a:p>
+        </p:txBody>
+      </p:sp>
+      <p:pic>
+        <p:nvPicPr>
+          <p:cNvPr id="6" name="Picture 5"/>
+          <p:cNvPicPr>
+            <a:picLocks noChangeAspect="1"/>
+          </p:cNvPicPr>
+          <p:nvPr/>
+        </p:nvPicPr>
+        <p:blipFill>
+          <a:blip r:embed="rId3"/>
+          <a:stretch>
+            <a:fillRect/>
+          </a:stretch>
+        </p:blipFill>
+        <p:spPr>
+          <a:xfrm>
+            <a:off x="318024" y="3283026"/>
+            <a:ext cx="8667750" cy="1552575"/>
+          </a:xfrm>
+          <a:prstGeom prst="rect">
+            <a:avLst/>
+          </a:prstGeom>
+        </p:spPr>
+      </p:pic>
+    </p:spTree>
+    <p:extLst>
+      <p:ext uri="{BB962C8B-B14F-4D97-AF65-F5344CB8AC3E}">
+        <p14:creationId xmlns:p14="http://schemas.microsoft.com/office/powerpoint/2010/main" val="3693957171"/>
+      </p:ext>
+    </p:extLst>
+  </p:cSld>
+  <p:clrMapOvr>
+    <a:masterClrMapping/>
+  </p:clrMapOvr>
+</p:sld>
+</file>
+
+<file path=ppt/slides/slide15.xml><?xml version="1.0" encoding="utf-8"?>
+<p:sld xmlns:a="http://schemas.openxmlformats.org/drawingml/2006/main" xmlns:r="http://schemas.openxmlformats.org/officeDocument/2006/relationships" xmlns:p="http://schemas.openxmlformats.org/presentationml/2006/main">
+  <p:cSld>
+    <p:spTree>
+      <p:nvGrpSpPr>
+        <p:cNvPr id="1" name=""/>
+        <p:cNvGrpSpPr/>
+        <p:nvPr/>
+      </p:nvGrpSpPr>
+      <p:grpSpPr>
+        <a:xfrm>
+          <a:off x="0" y="0"/>
+          <a:ext cx="0" cy="0"/>
+          <a:chOff x="0" y="0"/>
+          <a:chExt cx="0" cy="0"/>
+        </a:xfrm>
+      </p:grpSpPr>
+      <p:pic>
+        <p:nvPicPr>
+          <p:cNvPr id="6" name="Picture 5"/>
+          <p:cNvPicPr>
+            <a:picLocks noChangeAspect="1"/>
+          </p:cNvPicPr>
+          <p:nvPr/>
+        </p:nvPicPr>
+        <p:blipFill>
+          <a:blip r:embed="rId3"/>
+          <a:stretch>
+            <a:fillRect/>
+          </a:stretch>
+        </p:blipFill>
+        <p:spPr>
+          <a:xfrm>
+            <a:off x="1411549" y="2606192"/>
+            <a:ext cx="6010275" cy="3400425"/>
+          </a:xfrm>
+          <a:prstGeom prst="rect">
+            <a:avLst/>
+          </a:prstGeom>
+        </p:spPr>
+      </p:pic>
+      <p:sp>
+        <p:nvSpPr>
+          <p:cNvPr id="2" name="Title 1"/>
+          <p:cNvSpPr>
+            <a:spLocks noGrp="1"/>
+          </p:cNvSpPr>
+          <p:nvPr>
+            <p:ph type="title"/>
+          </p:nvPr>
+        </p:nvSpPr>
+        <p:spPr/>
+        <p:txBody>
+          <a:bodyPr/>
+          <a:lstStyle/>
+          <a:p>
+            <a:r>
+              <a:rPr lang="pt-PT" dirty="0"/>
+              <a:t>Test Program</a:t>
+            </a:r>
+          </a:p>
+        </p:txBody>
+      </p:sp>
+      <p:sp>
+        <p:nvSpPr>
+          <p:cNvPr id="3" name="Content Placeholder 2"/>
+          <p:cNvSpPr>
+            <a:spLocks noGrp="1"/>
+          </p:cNvSpPr>
+          <p:nvPr>
+            <p:ph idx="1"/>
+          </p:nvPr>
+        </p:nvSpPr>
+        <p:spPr/>
+        <p:txBody>
+          <a:bodyPr/>
+          <a:lstStyle/>
+          <a:p>
+            <a:endParaRPr lang="pt-PT"/>
+          </a:p>
+        </p:txBody>
+      </p:sp>
+      <p:sp>
+        <p:nvSpPr>
+          <p:cNvPr id="4" name="Date Placeholder 3"/>
+          <p:cNvSpPr>
+            <a:spLocks noGrp="1"/>
+          </p:cNvSpPr>
+          <p:nvPr>
+            <p:ph type="dt" sz="half" idx="10"/>
+          </p:nvPr>
+        </p:nvSpPr>
+        <p:spPr/>
+        <p:txBody>
+          <a:bodyPr/>
+          <a:lstStyle/>
+          <a:p>
+            <a:fld id="{EA0B2E4C-09A0-1C47-AC04-653E7CA38318}" type="datetime1">
+              <a:rPr lang="en-US" smtClean="0"/>
+              <a:t>14-Apr-16</a:t>
+            </a:fld>
+            <a:endParaRPr lang="en-US"/>
+          </a:p>
+        </p:txBody>
+      </p:sp>
+      <p:sp>
+        <p:nvSpPr>
+          <p:cNvPr id="5" name="Footer Placeholder 4"/>
+          <p:cNvSpPr>
+            <a:spLocks noGrp="1"/>
+          </p:cNvSpPr>
+          <p:nvPr>
+            <p:ph type="ftr" sz="quarter" idx="11"/>
+          </p:nvPr>
+        </p:nvSpPr>
+        <p:spPr/>
+        <p:txBody>
+          <a:bodyPr/>
+          <a:lstStyle/>
+          <a:p>
+            <a:r>
+              <a:rPr lang="pt-BR"/>
+              <a:t>Instituto Superior Técnico </a:t>
+            </a:r>
+            <a:endParaRPr lang="en-US"/>
+          </a:p>
+        </p:txBody>
+      </p:sp>
+    </p:spTree>
+    <p:extLst>
+      <p:ext uri="{BB962C8B-B14F-4D97-AF65-F5344CB8AC3E}">
+        <p14:creationId xmlns:p14="http://schemas.microsoft.com/office/powerpoint/2010/main" val="2778862601"/>
+      </p:ext>
+    </p:extLst>
+  </p:cSld>
+  <p:clrMapOvr>
+    <a:masterClrMapping/>
+  </p:clrMapOvr>
+</p:sld>
+</file>
+
+<file path=ppt/slides/slide16.xml><?xml version="1.0" encoding="utf-8"?>
+<p:sld xmlns:a="http://schemas.openxmlformats.org/drawingml/2006/main" xmlns:r="http://schemas.openxmlformats.org/officeDocument/2006/relationships" xmlns:p="http://schemas.openxmlformats.org/presentationml/2006/main">
+  <p:cSld>
+    <p:spTree>
+      <p:nvGrpSpPr>
+        <p:cNvPr id="1" name=""/>
+        <p:cNvGrpSpPr/>
+        <p:nvPr/>
+      </p:nvGrpSpPr>
+      <p:grpSpPr>
+        <a:xfrm>
+          <a:off x="0" y="0"/>
+          <a:ext cx="0" cy="0"/>
+          <a:chOff x="0" y="0"/>
+          <a:chExt cx="0" cy="0"/>
+        </a:xfrm>
+      </p:grpSpPr>
+      <p:sp>
+        <p:nvSpPr>
+          <p:cNvPr id="2" name="Title 1"/>
+          <p:cNvSpPr>
+            <a:spLocks noGrp="1"/>
+          </p:cNvSpPr>
+          <p:nvPr>
+            <p:ph type="title"/>
+          </p:nvPr>
+        </p:nvSpPr>
+        <p:spPr/>
+        <p:txBody>
+          <a:bodyPr/>
+          <a:lstStyle/>
+          <a:p>
+            <a:r>
+              <a:rPr lang="pt-PT" dirty="0"/>
+              <a:t>BoxingProfiler(original)</a:t>
+            </a:r>
+          </a:p>
+        </p:txBody>
+      </p:sp>
+      <p:sp>
+        <p:nvSpPr>
+          <p:cNvPr id="3" name="Content Placeholder 2"/>
+          <p:cNvSpPr>
+            <a:spLocks noGrp="1"/>
+          </p:cNvSpPr>
+          <p:nvPr>
+            <p:ph idx="1"/>
+          </p:nvPr>
+        </p:nvSpPr>
+        <p:spPr>
+          <a:xfrm>
+            <a:off x="390618" y="2440611"/>
+            <a:ext cx="8202966" cy="1373401"/>
+          </a:xfrm>
+        </p:spPr>
+        <p:txBody>
+          <a:bodyPr>
+            <a:normAutofit fontScale="92500" lnSpcReduction="10000"/>
+          </a:bodyPr>
+          <a:lstStyle/>
+          <a:p>
+            <a:r>
+              <a:rPr lang="pt-PT" dirty="0"/>
+              <a:t>The average execution time of the program is 18.2ms with 22ms being the highest execution time and 15ms being the smallest.</a:t>
+            </a:r>
+          </a:p>
+        </p:txBody>
+      </p:sp>
+      <p:sp>
+        <p:nvSpPr>
+          <p:cNvPr id="4" name="Date Placeholder 3"/>
+          <p:cNvSpPr>
+            <a:spLocks noGrp="1"/>
+          </p:cNvSpPr>
+          <p:nvPr>
+            <p:ph type="dt" sz="half" idx="10"/>
+          </p:nvPr>
+        </p:nvSpPr>
+        <p:spPr/>
+        <p:txBody>
+          <a:bodyPr/>
+          <a:lstStyle/>
+          <a:p>
+            <a:fld id="{EA0B2E4C-09A0-1C47-AC04-653E7CA38318}" type="datetime1">
+              <a:rPr lang="en-US" smtClean="0"/>
+              <a:t>14-Apr-16</a:t>
+            </a:fld>
+            <a:endParaRPr lang="en-US"/>
+          </a:p>
+        </p:txBody>
+      </p:sp>
+      <p:sp>
+        <p:nvSpPr>
+          <p:cNvPr id="5" name="Footer Placeholder 4"/>
+          <p:cNvSpPr>
+            <a:spLocks noGrp="1"/>
+          </p:cNvSpPr>
+          <p:nvPr>
+            <p:ph type="ftr" sz="quarter" idx="11"/>
+          </p:nvPr>
+        </p:nvSpPr>
+        <p:spPr/>
+        <p:txBody>
+          <a:bodyPr/>
+          <a:lstStyle/>
+          <a:p>
+            <a:r>
+              <a:rPr lang="pt-BR"/>
+              <a:t>Instituto Superior Técnico </a:t>
+            </a:r>
+            <a:endParaRPr lang="en-US"/>
+          </a:p>
+        </p:txBody>
+      </p:sp>
+      <p:graphicFrame>
+        <p:nvGraphicFramePr>
+          <p:cNvPr id="9" name="Chart 8"/>
+          <p:cNvGraphicFramePr/>
+          <p:nvPr>
+            <p:extLst>
+              <p:ext uri="{D42A27DB-BD31-4B8C-83A1-F6EECF244321}">
+                <p14:modId xmlns:p14="http://schemas.microsoft.com/office/powerpoint/2010/main" val="3181539630"/>
+              </p:ext>
+            </p:extLst>
+          </p:nvPr>
+        </p:nvGraphicFramePr>
+        <p:xfrm>
+          <a:off x="2299317" y="3979593"/>
+          <a:ext cx="4314547" cy="2269478"/>
+        </p:xfrm>
+        <a:graphic>
+          <a:graphicData uri="http://schemas.openxmlformats.org/drawingml/2006/chart">
+            <c:chart xmlns:c="http://schemas.openxmlformats.org/drawingml/2006/chart" xmlns:r="http://schemas.openxmlformats.org/officeDocument/2006/relationships" r:id="rId3"/>
+          </a:graphicData>
+        </a:graphic>
+      </p:graphicFrame>
+    </p:spTree>
+    <p:extLst>
+      <p:ext uri="{BB962C8B-B14F-4D97-AF65-F5344CB8AC3E}">
+        <p14:creationId xmlns:p14="http://schemas.microsoft.com/office/powerpoint/2010/main" val="2079757580"/>
+      </p:ext>
+    </p:extLst>
+  </p:cSld>
+  <p:clrMapOvr>
+    <a:masterClrMapping/>
+  </p:clrMapOvr>
+</p:sld>
+</file>
+
+<file path=ppt/slides/slide17.xml><?xml version="1.0" encoding="utf-8"?>
+<p:sld xmlns:a="http://schemas.openxmlformats.org/drawingml/2006/main" xmlns:r="http://schemas.openxmlformats.org/officeDocument/2006/relationships" xmlns:p="http://schemas.openxmlformats.org/presentationml/2006/main">
+  <p:cSld>
+    <p:spTree>
+      <p:nvGrpSpPr>
+        <p:cNvPr id="1" name=""/>
+        <p:cNvGrpSpPr/>
+        <p:nvPr/>
+      </p:nvGrpSpPr>
+      <p:grpSpPr>
+        <a:xfrm>
+          <a:off x="0" y="0"/>
+          <a:ext cx="0" cy="0"/>
+          <a:chOff x="0" y="0"/>
+          <a:chExt cx="0" cy="0"/>
+        </a:xfrm>
+      </p:grpSpPr>
+      <p:graphicFrame>
+        <p:nvGraphicFramePr>
+          <p:cNvPr id="6" name="Chart 5"/>
+          <p:cNvGraphicFramePr/>
+          <p:nvPr>
+            <p:extLst>
+              <p:ext uri="{D42A27DB-BD31-4B8C-83A1-F6EECF244321}">
+                <p14:modId xmlns:p14="http://schemas.microsoft.com/office/powerpoint/2010/main" val="2134533689"/>
+              </p:ext>
+            </p:extLst>
+          </p:nvPr>
+        </p:nvGraphicFramePr>
+        <p:xfrm>
+          <a:off x="2299317" y="3898248"/>
+          <a:ext cx="4314547" cy="2269478"/>
+        </p:xfrm>
+        <a:graphic>
+          <a:graphicData uri="http://schemas.openxmlformats.org/drawingml/2006/chart">
+            <c:chart xmlns:c="http://schemas.openxmlformats.org/drawingml/2006/chart" xmlns:r="http://schemas.openxmlformats.org/officeDocument/2006/relationships" r:id="rId3"/>
+          </a:graphicData>
+        </a:graphic>
+      </p:graphicFrame>
+      <p:sp>
+        <p:nvSpPr>
+          <p:cNvPr id="2" name="Title 1"/>
+          <p:cNvSpPr>
+            <a:spLocks noGrp="1"/>
+          </p:cNvSpPr>
+          <p:nvPr>
+            <p:ph type="title"/>
+          </p:nvPr>
+        </p:nvSpPr>
+        <p:spPr/>
+        <p:txBody>
+          <a:bodyPr/>
+          <a:lstStyle/>
+          <a:p>
+            <a:r>
+              <a:rPr lang="pt-PT" dirty="0"/>
+              <a:t>BoxingProfilerExtended</a:t>
+            </a:r>
+          </a:p>
+        </p:txBody>
+      </p:sp>
+      <p:sp>
+        <p:nvSpPr>
+          <p:cNvPr id="3" name="Content Placeholder 2"/>
+          <p:cNvSpPr>
+            <a:spLocks noGrp="1"/>
+          </p:cNvSpPr>
+          <p:nvPr>
+            <p:ph idx="1"/>
+          </p:nvPr>
+        </p:nvSpPr>
+        <p:spPr>
+          <a:xfrm>
+            <a:off x="414810" y="2317703"/>
+            <a:ext cx="8285307" cy="1759747"/>
+          </a:xfrm>
+        </p:spPr>
+        <p:txBody>
+          <a:bodyPr>
+            <a:normAutofit fontScale="92500"/>
+          </a:bodyPr>
+          <a:lstStyle/>
+          <a:p>
+            <a:pPr algn="just"/>
+            <a:r>
+              <a:rPr lang="pt-PT" dirty="0"/>
+              <a:t>The average execution time of the program is 14ms with 16ms being the highest execution time and 12ms being the smallest.</a:t>
+            </a:r>
+          </a:p>
+          <a:p>
+            <a:endParaRPr lang="pt-PT" dirty="0"/>
+          </a:p>
+        </p:txBody>
+      </p:sp>
+      <p:sp>
+        <p:nvSpPr>
+          <p:cNvPr id="4" name="Date Placeholder 3"/>
+          <p:cNvSpPr>
+            <a:spLocks noGrp="1"/>
+          </p:cNvSpPr>
+          <p:nvPr>
+            <p:ph type="dt" sz="half" idx="10"/>
+          </p:nvPr>
+        </p:nvSpPr>
+        <p:spPr/>
+        <p:txBody>
+          <a:bodyPr/>
+          <a:lstStyle/>
+          <a:p>
+            <a:fld id="{EA0B2E4C-09A0-1C47-AC04-653E7CA38318}" type="datetime1">
+              <a:rPr lang="en-US" smtClean="0"/>
+              <a:t>14-Apr-16</a:t>
+            </a:fld>
+            <a:endParaRPr lang="en-US"/>
+          </a:p>
+        </p:txBody>
+      </p:sp>
+      <p:sp>
+        <p:nvSpPr>
+          <p:cNvPr id="5" name="Footer Placeholder 4"/>
+          <p:cNvSpPr>
+            <a:spLocks noGrp="1"/>
+          </p:cNvSpPr>
+          <p:nvPr>
+            <p:ph type="ftr" sz="quarter" idx="11"/>
+          </p:nvPr>
+        </p:nvSpPr>
+        <p:spPr/>
+        <p:txBody>
+          <a:bodyPr/>
+          <a:lstStyle/>
+          <a:p>
+            <a:r>
+              <a:rPr lang="pt-BR"/>
+              <a:t>Instituto Superior Técnico </a:t>
+            </a:r>
+            <a:endParaRPr lang="en-US"/>
+          </a:p>
+        </p:txBody>
+      </p:sp>
+    </p:spTree>
+    <p:extLst>
+      <p:ext uri="{BB962C8B-B14F-4D97-AF65-F5344CB8AC3E}">
+        <p14:creationId xmlns:p14="http://schemas.microsoft.com/office/powerpoint/2010/main" val="1281905167"/>
+      </p:ext>
+    </p:extLst>
+  </p:cSld>
+  <p:clrMapOvr>
+    <a:masterClrMapping/>
+  </p:clrMapOvr>
+</p:sld>
+</file>
+
 <file path=ppt/slides/slide2.xml><?xml version="1.0" encoding="utf-8"?>
 <p:sld xmlns:a="http://schemas.openxmlformats.org/drawingml/2006/main" xmlns:r="http://schemas.openxmlformats.org/officeDocument/2006/relationships" xmlns:p="http://schemas.openxmlformats.org/presentationml/2006/main">
   <p:cSld>
@@ -2638,7 +11479,7 @@
           <a:p>
             <a:fld id="{EA0B2E4C-09A0-1C47-AC04-653E7CA38318}" type="datetime1">
               <a:rPr lang="en-US" smtClean="0"/>
-              <a:t>3/25/2016</a:t>
+              <a:t>14-Apr-16</a:t>
             </a:fld>
             <a:endParaRPr lang="en-US"/>
           </a:p>
@@ -2760,7 +11601,7 @@
           <a:p>
             <a:fld id="{EA0B2E4C-09A0-1C47-AC04-653E7CA38318}" type="datetime1">
               <a:rPr lang="en-US" smtClean="0"/>
-              <a:t>3/25/2016</a:t>
+              <a:t>14-Apr-16</a:t>
             </a:fld>
             <a:endParaRPr lang="en-US"/>
           </a:p>
@@ -2888,7 +11729,7 @@
           <a:p>
             <a:fld id="{EA0B2E4C-09A0-1C47-AC04-653E7CA38318}" type="datetime1">
               <a:rPr lang="en-US" smtClean="0"/>
-              <a:t>3/25/2016</a:t>
+              <a:t>14-Apr-16</a:t>
             </a:fld>
             <a:endParaRPr lang="en-US"/>
           </a:p>
@@ -3035,7 +11876,7 @@
           <a:p>
             <a:fld id="{EA0B2E4C-09A0-1C47-AC04-653E7CA38318}" type="datetime1">
               <a:rPr lang="en-US" smtClean="0"/>
-              <a:t>3/25/2016</a:t>
+              <a:t>14-Apr-16</a:t>
             </a:fld>
             <a:endParaRPr lang="en-US"/>
           </a:p>
@@ -3180,7 +12021,7 @@
           <a:p>
             <a:fld id="{EA0B2E4C-09A0-1C47-AC04-653E7CA38318}" type="datetime1">
               <a:rPr lang="en-US" smtClean="0"/>
-              <a:t>3/25/2016</a:t>
+              <a:t>14-Apr-16</a:t>
             </a:fld>
             <a:endParaRPr lang="en-US"/>
           </a:p>
@@ -3324,7 +12165,7 @@
           <a:p>
             <a:fld id="{EA0B2E4C-09A0-1C47-AC04-653E7CA38318}" type="datetime1">
               <a:rPr lang="en-US" smtClean="0"/>
-              <a:t>3/25/2016</a:t>
+              <a:t>14-Apr-16</a:t>
             </a:fld>
             <a:endParaRPr lang="en-US"/>
           </a:p>
@@ -3453,7 +12294,7 @@
           <a:p>
             <a:fld id="{EA0B2E4C-09A0-1C47-AC04-653E7CA38318}" type="datetime1">
               <a:rPr lang="en-US" smtClean="0"/>
-              <a:t>3/25/2016</a:t>
+              <a:t>14-Apr-16</a:t>
             </a:fld>
             <a:endParaRPr lang="en-US"/>
           </a:p>
@@ -3486,6 +12327,130 @@
     <p:extLst>
       <p:ext uri="{BB962C8B-B14F-4D97-AF65-F5344CB8AC3E}">
         <p14:creationId xmlns:p14="http://schemas.microsoft.com/office/powerpoint/2010/main" val="748287373"/>
+      </p:ext>
+    </p:extLst>
+  </p:cSld>
+  <p:clrMapOvr>
+    <a:masterClrMapping/>
+  </p:clrMapOvr>
+</p:sld>
+</file>
+
+<file path=ppt/slides/slide9.xml><?xml version="1.0" encoding="utf-8"?>
+<p:sld xmlns:a="http://schemas.openxmlformats.org/drawingml/2006/main" xmlns:r="http://schemas.openxmlformats.org/officeDocument/2006/relationships" xmlns:p="http://schemas.openxmlformats.org/presentationml/2006/main">
+  <p:cSld>
+    <p:spTree>
+      <p:nvGrpSpPr>
+        <p:cNvPr id="1" name=""/>
+        <p:cNvGrpSpPr/>
+        <p:nvPr/>
+      </p:nvGrpSpPr>
+      <p:grpSpPr>
+        <a:xfrm>
+          <a:off x="0" y="0"/>
+          <a:ext cx="0" cy="0"/>
+          <a:chOff x="0" y="0"/>
+          <a:chExt cx="0" cy="0"/>
+        </a:xfrm>
+      </p:grpSpPr>
+      <p:sp>
+        <p:nvSpPr>
+          <p:cNvPr id="2" name="Title 1"/>
+          <p:cNvSpPr>
+            <a:spLocks noGrp="1"/>
+          </p:cNvSpPr>
+          <p:nvPr>
+            <p:ph type="title"/>
+          </p:nvPr>
+        </p:nvSpPr>
+        <p:spPr>
+          <a:xfrm>
+            <a:off x="2421285" y="3091709"/>
+            <a:ext cx="4299233" cy="868363"/>
+          </a:xfrm>
+        </p:spPr>
+        <p:txBody>
+          <a:bodyPr>
+            <a:normAutofit/>
+          </a:bodyPr>
+          <a:lstStyle/>
+          <a:p>
+            <a:r>
+              <a:rPr lang="pt-PT" dirty="0"/>
+              <a:t>Extensions added</a:t>
+            </a:r>
+          </a:p>
+        </p:txBody>
+      </p:sp>
+      <p:sp>
+        <p:nvSpPr>
+          <p:cNvPr id="3" name="Content Placeholder 2"/>
+          <p:cNvSpPr>
+            <a:spLocks noGrp="1"/>
+          </p:cNvSpPr>
+          <p:nvPr>
+            <p:ph idx="1"/>
+          </p:nvPr>
+        </p:nvSpPr>
+        <p:spPr/>
+        <p:txBody>
+          <a:bodyPr/>
+          <a:lstStyle/>
+          <a:p>
+            <a:endParaRPr lang="pt-PT"/>
+          </a:p>
+        </p:txBody>
+      </p:sp>
+      <p:sp>
+        <p:nvSpPr>
+          <p:cNvPr id="4" name="Date Placeholder 3"/>
+          <p:cNvSpPr>
+            <a:spLocks noGrp="1"/>
+          </p:cNvSpPr>
+          <p:nvPr>
+            <p:ph type="dt" sz="half" idx="10"/>
+          </p:nvPr>
+        </p:nvSpPr>
+        <p:spPr/>
+        <p:txBody>
+          <a:bodyPr/>
+          <a:lstStyle/>
+          <a:p>
+            <a:fld id="{EA0B2E4C-09A0-1C47-AC04-653E7CA38318}" type="datetime1">
+              <a:rPr lang="en-US" smtClean="0"/>
+              <a:t>14-Apr-16</a:t>
+            </a:fld>
+            <a:endParaRPr lang="en-US"/>
+          </a:p>
+        </p:txBody>
+      </p:sp>
+      <p:sp>
+        <p:nvSpPr>
+          <p:cNvPr id="5" name="Footer Placeholder 4"/>
+          <p:cNvSpPr>
+            <a:spLocks noGrp="1"/>
+          </p:cNvSpPr>
+          <p:nvPr>
+            <p:ph type="ftr" sz="quarter" idx="11"/>
+          </p:nvPr>
+        </p:nvSpPr>
+        <p:spPr/>
+        <p:txBody>
+          <a:bodyPr/>
+          <a:lstStyle/>
+          <a:p>
+            <a:r>
+              <a:rPr lang="pt-BR"/>
+              <a:t>Instituto Superior Técnico </a:t>
+            </a:r>
+            <a:endParaRPr lang="en-US"/>
+          </a:p>
+        </p:txBody>
+      </p:sp>
+    </p:spTree>
+    <p:extLst>
+      <p:ext uri="{BB962C8B-B14F-4D97-AF65-F5344CB8AC3E}">
+        <p14:creationId xmlns:p14="http://schemas.microsoft.com/office/powerpoint/2010/main" val="2698243626"/>
       </p:ext>
     </p:extLst>
   </p:cSld>
@@ -3811,4 +12776,299 @@
   </a:objectDefaults>
   <a:extraClrSchemeLst/>
 </a:theme>
+</file>
+
+<file path=ppt/theme/theme2.xml><?xml version="1.0" encoding="utf-8"?>
+<a:theme xmlns:a="http://schemas.openxmlformats.org/drawingml/2006/main" name="Office Theme">
+  <a:themeElements>
+    <a:clrScheme name="Office">
+      <a:dk1>
+        <a:sysClr val="windowText" lastClr="000000"/>
+      </a:dk1>
+      <a:lt1>
+        <a:sysClr val="window" lastClr="FFFFFF"/>
+      </a:lt1>
+      <a:dk2>
+        <a:srgbClr val="44546A"/>
+      </a:dk2>
+      <a:lt2>
+        <a:srgbClr val="E7E6E6"/>
+      </a:lt2>
+      <a:accent1>
+        <a:srgbClr val="5B9BD5"/>
+      </a:accent1>
+      <a:accent2>
+        <a:srgbClr val="ED7D31"/>
+      </a:accent2>
+      <a:accent3>
+        <a:srgbClr val="A5A5A5"/>
+      </a:accent3>
+      <a:accent4>
+        <a:srgbClr val="FFC000"/>
+      </a:accent4>
+      <a:accent5>
+        <a:srgbClr val="4472C4"/>
+      </a:accent5>
+      <a:accent6>
+        <a:srgbClr val="70AD47"/>
+      </a:accent6>
+      <a:hlink>
+        <a:srgbClr val="0563C1"/>
+      </a:hlink>
+      <a:folHlink>
+        <a:srgbClr val="954F72"/>
+      </a:folHlink>
+    </a:clrScheme>
+    <a:fontScheme name="Office">
+      <a:majorFont>
+        <a:latin typeface="Calibri Light" panose="020F0302020204030204"/>
+        <a:ea typeface=""/>
+        <a:cs typeface=""/>
+        <a:font script="Jpan" typeface="游ゴシック Light"/>
+        <a:font script="Hang" typeface="맑은 고딕"/>
+        <a:font script="Hans" typeface="等线 Light"/>
+        <a:font script="Hant" typeface="新細明體"/>
+        <a:font script="Arab" typeface="Times New Roman"/>
+        <a:font script="Hebr" typeface="Times New Roman"/>
+        <a:font script="Thai" typeface="Angsana New"/>
+        <a:font script="Ethi" typeface="Nyala"/>
+        <a:font script="Beng" typeface="Vrinda"/>
+        <a:font script="Gujr" typeface="Shruti"/>
+        <a:font script="Khmr" typeface="MoolBoran"/>
+        <a:font script="Knda" typeface="Tunga"/>
+        <a:font script="Guru" typeface="Raavi"/>
+        <a:font script="Cans" typeface="Euphemia"/>
+        <a:font script="Cher" typeface="Plantagenet Cherokee"/>
+        <a:font script="Yiii" typeface="Microsoft Yi Baiti"/>
+        <a:font script="Tibt" typeface="Microsoft Himalaya"/>
+        <a:font script="Thaa" typeface="MV Boli"/>
+        <a:font script="Deva" typeface="Mangal"/>
+        <a:font script="Telu" typeface="Gautami"/>
+        <a:font script="Taml" typeface="Latha"/>
+        <a:font script="Syrc" typeface="Estrangelo Edessa"/>
+        <a:font script="Orya" typeface="Kalinga"/>
+        <a:font script="Mlym" typeface="Kartika"/>
+        <a:font script="Laoo" typeface="DokChampa"/>
+        <a:font script="Sinh" typeface="Iskoola Pota"/>
+        <a:font script="Mong" typeface="Mongolian Baiti"/>
+        <a:font script="Viet" typeface="Times New Roman"/>
+        <a:font script="Uigh" typeface="Microsoft Uighur"/>
+        <a:font script="Geor" typeface="Sylfaen"/>
+        <a:font script="Armn" typeface="Arial"/>
+        <a:font script="Bugi" typeface="Leelawadee UI"/>
+        <a:font script="Bopo" typeface="Microsoft JhengHei"/>
+        <a:font script="Java" typeface="Javanese Text"/>
+        <a:font script="Lisu" typeface="Segoe UI"/>
+        <a:font script="Mymr" typeface="Myanmar Text"/>
+        <a:font script="Nkoo" typeface="Ebrima"/>
+        <a:font script="Olck" typeface="Nirmala UI"/>
+        <a:font script="Osma" typeface="Ebrima"/>
+        <a:font script="Phag" typeface="Phagspa"/>
+        <a:font script="Syrn" typeface="Estrangelo Edessa"/>
+        <a:font script="Syrj" typeface="Estrangelo Edessa"/>
+        <a:font script="Syre" typeface="Estrangelo Edessa"/>
+        <a:font script="Sora" typeface="Nirmala UI"/>
+        <a:font script="Tale" typeface="Microsoft Tai Le"/>
+        <a:font script="Talu" typeface="Microsoft New Tai Lue"/>
+        <a:font script="Tfng" typeface="Ebrima"/>
+      </a:majorFont>
+      <a:minorFont>
+        <a:latin typeface="Calibri" panose="020F0502020204030204"/>
+        <a:ea typeface=""/>
+        <a:cs typeface=""/>
+        <a:font script="Jpan" typeface="游ゴシック"/>
+        <a:font script="Hang" typeface="맑은 고딕"/>
+        <a:font script="Hans" typeface="等线"/>
+        <a:font script="Hant" typeface="新細明體"/>
+        <a:font script="Arab" typeface="Arial"/>
+        <a:font script="Hebr" typeface="Arial"/>
+        <a:font script="Thai" typeface="Cordia New"/>
+        <a:font script="Ethi" typeface="Nyala"/>
+        <a:font script="Beng" typeface="Vrinda"/>
+        <a:font script="Gujr" typeface="Shruti"/>
+        <a:font script="Khmr" typeface="DaunPenh"/>
+        <a:font script="Knda" typeface="Tunga"/>
+        <a:font script="Guru" typeface="Raavi"/>
+        <a:font script="Cans" typeface="Euphemia"/>
+        <a:font script="Cher" typeface="Plantagenet Cherokee"/>
+        <a:font script="Yiii" typeface="Microsoft Yi Baiti"/>
+        <a:font script="Tibt" typeface="Microsoft Himalaya"/>
+        <a:font script="Thaa" typeface="MV Boli"/>
+        <a:font script="Deva" typeface="Mangal"/>
+        <a:font script="Telu" typeface="Gautami"/>
+        <a:font script="Taml" typeface="Latha"/>
+        <a:font script="Syrc" typeface="Estrangelo Edessa"/>
+        <a:font script="Orya" typeface="Kalinga"/>
+        <a:font script="Mlym" typeface="Kartika"/>
+        <a:font script="Laoo" typeface="DokChampa"/>
+        <a:font script="Sinh" typeface="Iskoola Pota"/>
+        <a:font script="Mong" typeface="Mongolian Baiti"/>
+        <a:font script="Viet" typeface="Arial"/>
+        <a:font script="Uigh" typeface="Microsoft Uighur"/>
+        <a:font script="Geor" typeface="Sylfaen"/>
+        <a:font script="Armn" typeface="Arial"/>
+        <a:font script="Bugi" typeface="Leelawadee UI"/>
+        <a:font script="Bopo" typeface="Microsoft JhengHei"/>
+        <a:font script="Java" typeface="Javanese Text"/>
+        <a:font script="Lisu" typeface="Segoe UI"/>
+        <a:font script="Mymr" typeface="Myanmar Text"/>
+        <a:font script="Nkoo" typeface="Ebrima"/>
+        <a:font script="Olck" typeface="Nirmala UI"/>
+        <a:font script="Osma" typeface="Ebrima"/>
+        <a:font script="Phag" typeface="Phagspa"/>
+        <a:font script="Syrn" typeface="Estrangelo Edessa"/>
+        <a:font script="Syrj" typeface="Estrangelo Edessa"/>
+        <a:font script="Syre" typeface="Estrangelo Edessa"/>
+        <a:font script="Sora" typeface="Nirmala UI"/>
+        <a:font script="Tale" typeface="Microsoft Tai Le"/>
+        <a:font script="Talu" typeface="Microsoft New Tai Lue"/>
+        <a:font script="Tfng" typeface="Ebrima"/>
+      </a:minorFont>
+    </a:fontScheme>
+    <a:fmtScheme name="Office">
+      <a:fillStyleLst>
+        <a:solidFill>
+          <a:schemeClr val="phClr"/>
+        </a:solidFill>
+        <a:gradFill rotWithShape="1">
+          <a:gsLst>
+            <a:gs pos="0">
+              <a:schemeClr val="phClr">
+                <a:lumMod val="110000"/>
+                <a:satMod val="105000"/>
+                <a:tint val="67000"/>
+              </a:schemeClr>
+            </a:gs>
+            <a:gs pos="50000">
+              <a:schemeClr val="phClr">
+                <a:lumMod val="105000"/>
+                <a:satMod val="103000"/>
+                <a:tint val="73000"/>
+              </a:schemeClr>
+            </a:gs>
+            <a:gs pos="100000">
+              <a:schemeClr val="phClr">
+                <a:lumMod val="105000"/>
+                <a:satMod val="109000"/>
+                <a:tint val="81000"/>
+              </a:schemeClr>
+            </a:gs>
+          </a:gsLst>
+          <a:lin ang="5400000" scaled="0"/>
+        </a:gradFill>
+        <a:gradFill rotWithShape="1">
+          <a:gsLst>
+            <a:gs pos="0">
+              <a:schemeClr val="phClr">
+                <a:satMod val="103000"/>
+                <a:lumMod val="102000"/>
+                <a:tint val="94000"/>
+              </a:schemeClr>
+            </a:gs>
+            <a:gs pos="50000">
+              <a:schemeClr val="phClr">
+                <a:satMod val="110000"/>
+                <a:lumMod val="100000"/>
+                <a:shade val="100000"/>
+              </a:schemeClr>
+            </a:gs>
+            <a:gs pos="100000">
+              <a:schemeClr val="phClr">
+                <a:lumMod val="99000"/>
+                <a:satMod val="120000"/>
+                <a:shade val="78000"/>
+              </a:schemeClr>
+            </a:gs>
+          </a:gsLst>
+          <a:lin ang="5400000" scaled="0"/>
+        </a:gradFill>
+      </a:fillStyleLst>
+      <a:lnStyleLst>
+        <a:ln w="6350" cap="flat" cmpd="sng" algn="ctr">
+          <a:solidFill>
+            <a:schemeClr val="phClr"/>
+          </a:solidFill>
+          <a:prstDash val="solid"/>
+          <a:miter lim="800000"/>
+        </a:ln>
+        <a:ln w="12700" cap="flat" cmpd="sng" algn="ctr">
+          <a:solidFill>
+            <a:schemeClr val="phClr"/>
+          </a:solidFill>
+          <a:prstDash val="solid"/>
+          <a:miter lim="800000"/>
+        </a:ln>
+        <a:ln w="19050" cap="flat" cmpd="sng" algn="ctr">
+          <a:solidFill>
+            <a:schemeClr val="phClr"/>
+          </a:solidFill>
+          <a:prstDash val="solid"/>
+          <a:miter lim="800000"/>
+        </a:ln>
+      </a:lnStyleLst>
+      <a:effectStyleLst>
+        <a:effectStyle>
+          <a:effectLst/>
+        </a:effectStyle>
+        <a:effectStyle>
+          <a:effectLst/>
+        </a:effectStyle>
+        <a:effectStyle>
+          <a:effectLst>
+            <a:outerShdw blurRad="57150" dist="19050" dir="5400000" algn="ctr" rotWithShape="0">
+              <a:srgbClr val="000000">
+                <a:alpha val="63000"/>
+              </a:srgbClr>
+            </a:outerShdw>
+          </a:effectLst>
+        </a:effectStyle>
+      </a:effectStyleLst>
+      <a:bgFillStyleLst>
+        <a:solidFill>
+          <a:schemeClr val="phClr"/>
+        </a:solidFill>
+        <a:solidFill>
+          <a:schemeClr val="phClr">
+            <a:tint val="95000"/>
+            <a:satMod val="170000"/>
+          </a:schemeClr>
+        </a:solidFill>
+        <a:gradFill rotWithShape="1">
+          <a:gsLst>
+            <a:gs pos="0">
+              <a:schemeClr val="phClr">
+                <a:tint val="93000"/>
+                <a:satMod val="150000"/>
+                <a:shade val="98000"/>
+                <a:lumMod val="102000"/>
+              </a:schemeClr>
+            </a:gs>
+            <a:gs pos="50000">
+              <a:schemeClr val="phClr">
+                <a:tint val="98000"/>
+                <a:satMod val="130000"/>
+                <a:shade val="90000"/>
+                <a:lumMod val="103000"/>
+              </a:schemeClr>
+            </a:gs>
+            <a:gs pos="100000">
+              <a:schemeClr val="phClr">
+                <a:shade val="63000"/>
+                <a:satMod val="120000"/>
+              </a:schemeClr>
+            </a:gs>
+          </a:gsLst>
+          <a:lin ang="5400000" scaled="0"/>
+        </a:gradFill>
+      </a:bgFillStyleLst>
+    </a:fmtScheme>
+  </a:themeElements>
+  <a:objectDefaults/>
+  <a:extraClrSchemeLst/>
+  <a:extLst>
+    <a:ext uri="{05A4C25C-085E-4340-85A3-A5531E510DB2}">
+      <thm15:themeFamily xmlns:thm15="http://schemas.microsoft.com/office/thememl/2012/main" name="Office Theme" id="{62F939B6-93AF-4DB8-9C6B-D6C7DFDC589F}" vid="{4A3C46E8-61CC-4603-A589-7422A47A8E4A}"/>
+    </a:ext>
+  </a:extLst>
+</a:theme>
 </file>